--- a/CYBER360-9.1-Modules.pptx
+++ b/CYBER360-9.1-Modules.pptx
@@ -3,16 +3,16 @@
 <p:presentation xmlns:a="http://schemas.openxmlformats.org/drawingml/2006/main" xmlns:r="http://schemas.openxmlformats.org/officeDocument/2006/relationships" xmlns:p="http://schemas.openxmlformats.org/presentationml/2006/main" saveSubsetFonts="1">
   <p:sldMasterIdLst>
     <p:sldMasterId id="2147483661" r:id="rId1"/>
-    <p:sldMasterId id="2147483681" r:id="rId2"/>
+    <p:sldMasterId id="2147483694" r:id="rId2"/>
   </p:sldMasterIdLst>
   <p:sldIdLst>
-    <p:sldId id="256" r:id="rId3"/>
-    <p:sldId id="285" r:id="rId4"/>
-    <p:sldId id="286" r:id="rId5"/>
-    <p:sldId id="287" r:id="rId6"/>
-    <p:sldId id="288" r:id="rId7"/>
-    <p:sldId id="289" r:id="rId8"/>
-    <p:sldId id="284" r:id="rId9"/>
+    <p:sldId id="290" r:id="rId3"/>
+    <p:sldId id="291" r:id="rId4"/>
+    <p:sldId id="292" r:id="rId5"/>
+    <p:sldId id="293" r:id="rId6"/>
+    <p:sldId id="294" r:id="rId7"/>
+    <p:sldId id="295" r:id="rId8"/>
+    <p:sldId id="296" r:id="rId9"/>
   </p:sldIdLst>
   <p:sldSz cx="12192000" cy="6858000"/>
   <p:notesSz cx="6858000" cy="9144000"/>
@@ -152,13 +152,714 @@
 <file path=ppt/revisionInfo.xml><?xml version="1.0" encoding="utf-8"?>
 <p1510:revInfo xmlns:a="http://schemas.openxmlformats.org/drawingml/2006/main" xmlns:r="http://schemas.openxmlformats.org/officeDocument/2006/relationships" xmlns:p1510="http://schemas.microsoft.com/office/powerpoint/2015/10/main">
   <p1510:revLst>
-    <p1510:client id="{0EC82395-5FDE-445B-A1E5-245204C0D88D}" v="6" dt="2024-06-27T21:04:45.224"/>
+    <p1510:client id="{FDD8D9AE-ADE9-4511-B0AB-373F5DC52EE5}" v="28" dt="2024-12-17T16:39:25.223"/>
   </p1510:revLst>
 </p1510:revInfo>
 </file>
 
 <file path=ppt/changesInfos/changesInfo1.xml><?xml version="1.0" encoding="utf-8"?>
 <pc:chgInfo xmlns:a="http://schemas.openxmlformats.org/drawingml/2006/main" xmlns:r="http://schemas.openxmlformats.org/officeDocument/2006/relationships" xmlns:ac="http://schemas.microsoft.com/office/drawing/2013/main/command" xmlns:pc="http://schemas.microsoft.com/office/powerpoint/2013/main/command">
+  <pc:docChgLst>
+    <pc:chgData name="Willis, Orion" userId="e283381d-8284-4d3f-ab32-7d71b1e99e1a" providerId="ADAL" clId="{FDD8D9AE-ADE9-4511-B0AB-373F5DC52EE5}"/>
+    <pc:docChg chg="undo custSel addSld delSld modSld delMainMaster">
+      <pc:chgData name="Willis, Orion" userId="e283381d-8284-4d3f-ab32-7d71b1e99e1a" providerId="ADAL" clId="{FDD8D9AE-ADE9-4511-B0AB-373F5DC52EE5}" dt="2024-12-17T16:54:23.683" v="179" actId="1076"/>
+      <pc:docMkLst>
+        <pc:docMk/>
+      </pc:docMkLst>
+      <pc:sldChg chg="addSp delSp modSp del mod">
+        <pc:chgData name="Willis, Orion" userId="e283381d-8284-4d3f-ab32-7d71b1e99e1a" providerId="ADAL" clId="{FDD8D9AE-ADE9-4511-B0AB-373F5DC52EE5}" dt="2024-12-17T16:13:33.406" v="24" actId="2696"/>
+        <pc:sldMkLst>
+          <pc:docMk/>
+          <pc:sldMk cId="3644072983" sldId="256"/>
+        </pc:sldMkLst>
+        <pc:spChg chg="del">
+          <ac:chgData name="Willis, Orion" userId="e283381d-8284-4d3f-ab32-7d71b1e99e1a" providerId="ADAL" clId="{FDD8D9AE-ADE9-4511-B0AB-373F5DC52EE5}" dt="2024-12-17T16:13:31.033" v="23" actId="21"/>
+          <ac:spMkLst>
+            <pc:docMk/>
+            <pc:sldMk cId="3644072983" sldId="256"/>
+            <ac:spMk id="2" creationId="{6FCA7FD7-E3CD-7A2C-5AF7-2EE59026C9D4}"/>
+          </ac:spMkLst>
+        </pc:spChg>
+        <pc:spChg chg="del">
+          <ac:chgData name="Willis, Orion" userId="e283381d-8284-4d3f-ab32-7d71b1e99e1a" providerId="ADAL" clId="{FDD8D9AE-ADE9-4511-B0AB-373F5DC52EE5}" dt="2024-12-17T16:13:31.033" v="23" actId="21"/>
+          <ac:spMkLst>
+            <pc:docMk/>
+            <pc:sldMk cId="3644072983" sldId="256"/>
+            <ac:spMk id="3" creationId="{8586CD17-5B17-5D66-987C-05DC748B3FF9}"/>
+          </ac:spMkLst>
+        </pc:spChg>
+        <pc:spChg chg="add mod">
+          <ac:chgData name="Willis, Orion" userId="e283381d-8284-4d3f-ab32-7d71b1e99e1a" providerId="ADAL" clId="{FDD8D9AE-ADE9-4511-B0AB-373F5DC52EE5}" dt="2024-12-17T16:13:31.033" v="23" actId="21"/>
+          <ac:spMkLst>
+            <pc:docMk/>
+            <pc:sldMk cId="3644072983" sldId="256"/>
+            <ac:spMk id="5" creationId="{B38828AF-2F56-FDDF-A5CC-BBFEF365FAE1}"/>
+          </ac:spMkLst>
+        </pc:spChg>
+        <pc:spChg chg="add mod">
+          <ac:chgData name="Willis, Orion" userId="e283381d-8284-4d3f-ab32-7d71b1e99e1a" providerId="ADAL" clId="{FDD8D9AE-ADE9-4511-B0AB-373F5DC52EE5}" dt="2024-12-17T16:13:31.033" v="23" actId="21"/>
+          <ac:spMkLst>
+            <pc:docMk/>
+            <pc:sldMk cId="3644072983" sldId="256"/>
+            <ac:spMk id="7" creationId="{525B4654-8013-5C96-77E2-E763A1278725}"/>
+          </ac:spMkLst>
+        </pc:spChg>
+      </pc:sldChg>
+      <pc:sldChg chg="addSp delSp modSp del mod">
+        <pc:chgData name="Willis, Orion" userId="e283381d-8284-4d3f-ab32-7d71b1e99e1a" providerId="ADAL" clId="{FDD8D9AE-ADE9-4511-B0AB-373F5DC52EE5}" dt="2024-12-17T16:39:23.436" v="162" actId="2696"/>
+        <pc:sldMkLst>
+          <pc:docMk/>
+          <pc:sldMk cId="322366662" sldId="284"/>
+        </pc:sldMkLst>
+        <pc:spChg chg="del">
+          <ac:chgData name="Willis, Orion" userId="e283381d-8284-4d3f-ab32-7d71b1e99e1a" providerId="ADAL" clId="{FDD8D9AE-ADE9-4511-B0AB-373F5DC52EE5}" dt="2024-12-17T16:39:21.496" v="160" actId="21"/>
+          <ac:spMkLst>
+            <pc:docMk/>
+            <pc:sldMk cId="322366662" sldId="284"/>
+            <ac:spMk id="2" creationId="{64492E64-A68B-8CA7-B3C6-044F7C8E76AB}"/>
+          </ac:spMkLst>
+        </pc:spChg>
+        <pc:spChg chg="del">
+          <ac:chgData name="Willis, Orion" userId="e283381d-8284-4d3f-ab32-7d71b1e99e1a" providerId="ADAL" clId="{FDD8D9AE-ADE9-4511-B0AB-373F5DC52EE5}" dt="2024-12-17T16:39:21.496" v="160" actId="21"/>
+          <ac:spMkLst>
+            <pc:docMk/>
+            <pc:sldMk cId="322366662" sldId="284"/>
+            <ac:spMk id="4" creationId="{B64A8207-997F-319E-7F6D-676D3ECA779B}"/>
+          </ac:spMkLst>
+        </pc:spChg>
+        <pc:spChg chg="add mod">
+          <ac:chgData name="Willis, Orion" userId="e283381d-8284-4d3f-ab32-7d71b1e99e1a" providerId="ADAL" clId="{FDD8D9AE-ADE9-4511-B0AB-373F5DC52EE5}" dt="2024-12-17T16:39:21.504" v="161" actId="27636"/>
+          <ac:spMkLst>
+            <pc:docMk/>
+            <pc:sldMk cId="322366662" sldId="284"/>
+            <ac:spMk id="5" creationId="{BB301A79-4F0A-95A1-9F5D-6DF154C5B1BF}"/>
+          </ac:spMkLst>
+        </pc:spChg>
+      </pc:sldChg>
+      <pc:sldChg chg="addSp delSp modSp del mod">
+        <pc:chgData name="Willis, Orion" userId="e283381d-8284-4d3f-ab32-7d71b1e99e1a" providerId="ADAL" clId="{FDD8D9AE-ADE9-4511-B0AB-373F5DC52EE5}" dt="2024-12-17T16:14:47.449" v="39" actId="2696"/>
+        <pc:sldMkLst>
+          <pc:docMk/>
+          <pc:sldMk cId="3461056406" sldId="285"/>
+        </pc:sldMkLst>
+        <pc:spChg chg="del">
+          <ac:chgData name="Willis, Orion" userId="e283381d-8284-4d3f-ab32-7d71b1e99e1a" providerId="ADAL" clId="{FDD8D9AE-ADE9-4511-B0AB-373F5DC52EE5}" dt="2024-12-17T16:14:29.178" v="38" actId="21"/>
+          <ac:spMkLst>
+            <pc:docMk/>
+            <pc:sldMk cId="3461056406" sldId="285"/>
+            <ac:spMk id="2" creationId="{AF4FFC57-4A5F-4049-833E-147BCB7DCB3C}"/>
+          </ac:spMkLst>
+        </pc:spChg>
+        <pc:spChg chg="del">
+          <ac:chgData name="Willis, Orion" userId="e283381d-8284-4d3f-ab32-7d71b1e99e1a" providerId="ADAL" clId="{FDD8D9AE-ADE9-4511-B0AB-373F5DC52EE5}" dt="2024-12-17T16:14:29.178" v="38" actId="21"/>
+          <ac:spMkLst>
+            <pc:docMk/>
+            <pc:sldMk cId="3461056406" sldId="285"/>
+            <ac:spMk id="3" creationId="{67DC0261-9386-BB1C-2085-8653B2A19191}"/>
+          </ac:spMkLst>
+        </pc:spChg>
+        <pc:spChg chg="add mod">
+          <ac:chgData name="Willis, Orion" userId="e283381d-8284-4d3f-ab32-7d71b1e99e1a" providerId="ADAL" clId="{FDD8D9AE-ADE9-4511-B0AB-373F5DC52EE5}" dt="2024-12-17T16:14:29.178" v="38" actId="21"/>
+          <ac:spMkLst>
+            <pc:docMk/>
+            <pc:sldMk cId="3461056406" sldId="285"/>
+            <ac:spMk id="5" creationId="{E8F56E3C-F134-78EE-61C5-F86143A104D5}"/>
+          </ac:spMkLst>
+        </pc:spChg>
+        <pc:spChg chg="add mod">
+          <ac:chgData name="Willis, Orion" userId="e283381d-8284-4d3f-ab32-7d71b1e99e1a" providerId="ADAL" clId="{FDD8D9AE-ADE9-4511-B0AB-373F5DC52EE5}" dt="2024-12-17T16:14:29.178" v="38" actId="21"/>
+          <ac:spMkLst>
+            <pc:docMk/>
+            <pc:sldMk cId="3461056406" sldId="285"/>
+            <ac:spMk id="7" creationId="{1BEFDAE0-1F7B-21F9-B4A4-8C4C2FA8CCEC}"/>
+          </ac:spMkLst>
+        </pc:spChg>
+      </pc:sldChg>
+      <pc:sldChg chg="addSp delSp modSp del mod">
+        <pc:chgData name="Willis, Orion" userId="e283381d-8284-4d3f-ab32-7d71b1e99e1a" providerId="ADAL" clId="{FDD8D9AE-ADE9-4511-B0AB-373F5DC52EE5}" dt="2024-12-17T16:15:51.799" v="52" actId="2696"/>
+        <pc:sldMkLst>
+          <pc:docMk/>
+          <pc:sldMk cId="3877965803" sldId="286"/>
+        </pc:sldMkLst>
+        <pc:spChg chg="del">
+          <ac:chgData name="Willis, Orion" userId="e283381d-8284-4d3f-ab32-7d71b1e99e1a" providerId="ADAL" clId="{FDD8D9AE-ADE9-4511-B0AB-373F5DC52EE5}" dt="2024-12-17T16:15:49.462" v="51" actId="21"/>
+          <ac:spMkLst>
+            <pc:docMk/>
+            <pc:sldMk cId="3877965803" sldId="286"/>
+            <ac:spMk id="2" creationId="{AF4FFC57-4A5F-4049-833E-147BCB7DCB3C}"/>
+          </ac:spMkLst>
+        </pc:spChg>
+        <pc:spChg chg="del">
+          <ac:chgData name="Willis, Orion" userId="e283381d-8284-4d3f-ab32-7d71b1e99e1a" providerId="ADAL" clId="{FDD8D9AE-ADE9-4511-B0AB-373F5DC52EE5}" dt="2024-12-17T16:15:49.462" v="51" actId="21"/>
+          <ac:spMkLst>
+            <pc:docMk/>
+            <pc:sldMk cId="3877965803" sldId="286"/>
+            <ac:spMk id="3" creationId="{67DC0261-9386-BB1C-2085-8653B2A19191}"/>
+          </ac:spMkLst>
+        </pc:spChg>
+        <pc:spChg chg="add mod">
+          <ac:chgData name="Willis, Orion" userId="e283381d-8284-4d3f-ab32-7d71b1e99e1a" providerId="ADAL" clId="{FDD8D9AE-ADE9-4511-B0AB-373F5DC52EE5}" dt="2024-12-17T16:15:49.462" v="51" actId="21"/>
+          <ac:spMkLst>
+            <pc:docMk/>
+            <pc:sldMk cId="3877965803" sldId="286"/>
+            <ac:spMk id="5" creationId="{6100C790-457B-066C-77CC-C8BBC83FC0C7}"/>
+          </ac:spMkLst>
+        </pc:spChg>
+        <pc:spChg chg="add mod">
+          <ac:chgData name="Willis, Orion" userId="e283381d-8284-4d3f-ab32-7d71b1e99e1a" providerId="ADAL" clId="{FDD8D9AE-ADE9-4511-B0AB-373F5DC52EE5}" dt="2024-12-17T16:15:49.462" v="51" actId="21"/>
+          <ac:spMkLst>
+            <pc:docMk/>
+            <pc:sldMk cId="3877965803" sldId="286"/>
+            <ac:spMk id="7" creationId="{35538FAA-0588-364E-D8E9-B94965CF6F94}"/>
+          </ac:spMkLst>
+        </pc:spChg>
+      </pc:sldChg>
+      <pc:sldChg chg="addSp delSp modSp del mod">
+        <pc:chgData name="Willis, Orion" userId="e283381d-8284-4d3f-ab32-7d71b1e99e1a" providerId="ADAL" clId="{FDD8D9AE-ADE9-4511-B0AB-373F5DC52EE5}" dt="2024-12-17T16:24:49.508" v="99" actId="2696"/>
+        <pc:sldMkLst>
+          <pc:docMk/>
+          <pc:sldMk cId="3266305666" sldId="287"/>
+        </pc:sldMkLst>
+        <pc:spChg chg="del">
+          <ac:chgData name="Willis, Orion" userId="e283381d-8284-4d3f-ab32-7d71b1e99e1a" providerId="ADAL" clId="{FDD8D9AE-ADE9-4511-B0AB-373F5DC52EE5}" dt="2024-12-17T16:23:04.020" v="84" actId="21"/>
+          <ac:spMkLst>
+            <pc:docMk/>
+            <pc:sldMk cId="3266305666" sldId="287"/>
+            <ac:spMk id="2" creationId="{9B4B4550-2885-6D0A-14B5-E90855C619AA}"/>
+          </ac:spMkLst>
+        </pc:spChg>
+        <pc:spChg chg="del">
+          <ac:chgData name="Willis, Orion" userId="e283381d-8284-4d3f-ab32-7d71b1e99e1a" providerId="ADAL" clId="{FDD8D9AE-ADE9-4511-B0AB-373F5DC52EE5}" dt="2024-12-17T16:23:04.020" v="84" actId="21"/>
+          <ac:spMkLst>
+            <pc:docMk/>
+            <pc:sldMk cId="3266305666" sldId="287"/>
+            <ac:spMk id="3" creationId="{E6BA065D-7631-7D43-3AF2-1276603A3FED}"/>
+          </ac:spMkLst>
+        </pc:spChg>
+        <pc:spChg chg="add mod">
+          <ac:chgData name="Willis, Orion" userId="e283381d-8284-4d3f-ab32-7d71b1e99e1a" providerId="ADAL" clId="{FDD8D9AE-ADE9-4511-B0AB-373F5DC52EE5}" dt="2024-12-17T16:23:04.020" v="84" actId="21"/>
+          <ac:spMkLst>
+            <pc:docMk/>
+            <pc:sldMk cId="3266305666" sldId="287"/>
+            <ac:spMk id="5" creationId="{AA638820-FDF3-AA6E-4585-17D5B65C2812}"/>
+          </ac:spMkLst>
+        </pc:spChg>
+        <pc:spChg chg="add mod">
+          <ac:chgData name="Willis, Orion" userId="e283381d-8284-4d3f-ab32-7d71b1e99e1a" providerId="ADAL" clId="{FDD8D9AE-ADE9-4511-B0AB-373F5DC52EE5}" dt="2024-12-17T16:23:04.020" v="84" actId="21"/>
+          <ac:spMkLst>
+            <pc:docMk/>
+            <pc:sldMk cId="3266305666" sldId="287"/>
+            <ac:spMk id="7" creationId="{E65BD404-2B47-D715-B833-F378895194A9}"/>
+          </ac:spMkLst>
+        </pc:spChg>
+      </pc:sldChg>
+      <pc:sldChg chg="addSp delSp modSp del mod">
+        <pc:chgData name="Willis, Orion" userId="e283381d-8284-4d3f-ab32-7d71b1e99e1a" providerId="ADAL" clId="{FDD8D9AE-ADE9-4511-B0AB-373F5DC52EE5}" dt="2024-12-17T16:27:32.272" v="119" actId="2696"/>
+        <pc:sldMkLst>
+          <pc:docMk/>
+          <pc:sldMk cId="371021941" sldId="288"/>
+        </pc:sldMkLst>
+        <pc:spChg chg="del">
+          <ac:chgData name="Willis, Orion" userId="e283381d-8284-4d3f-ab32-7d71b1e99e1a" providerId="ADAL" clId="{FDD8D9AE-ADE9-4511-B0AB-373F5DC52EE5}" dt="2024-12-17T16:27:29.609" v="118" actId="21"/>
+          <ac:spMkLst>
+            <pc:docMk/>
+            <pc:sldMk cId="371021941" sldId="288"/>
+            <ac:spMk id="2" creationId="{3727E7C7-7298-CEE5-49B9-10CD2E876B30}"/>
+          </ac:spMkLst>
+        </pc:spChg>
+        <pc:spChg chg="del">
+          <ac:chgData name="Willis, Orion" userId="e283381d-8284-4d3f-ab32-7d71b1e99e1a" providerId="ADAL" clId="{FDD8D9AE-ADE9-4511-B0AB-373F5DC52EE5}" dt="2024-12-17T16:27:29.609" v="118" actId="21"/>
+          <ac:spMkLst>
+            <pc:docMk/>
+            <pc:sldMk cId="371021941" sldId="288"/>
+            <ac:spMk id="3" creationId="{4F047AE7-AD63-865A-BD1E-654D5808EEE1}"/>
+          </ac:spMkLst>
+        </pc:spChg>
+        <pc:spChg chg="add mod">
+          <ac:chgData name="Willis, Orion" userId="e283381d-8284-4d3f-ab32-7d71b1e99e1a" providerId="ADAL" clId="{FDD8D9AE-ADE9-4511-B0AB-373F5DC52EE5}" dt="2024-12-17T16:27:29.609" v="118" actId="21"/>
+          <ac:spMkLst>
+            <pc:docMk/>
+            <pc:sldMk cId="371021941" sldId="288"/>
+            <ac:spMk id="6" creationId="{F6800495-6309-81EE-E455-371FD5A251C3}"/>
+          </ac:spMkLst>
+        </pc:spChg>
+        <pc:spChg chg="add mod">
+          <ac:chgData name="Willis, Orion" userId="e283381d-8284-4d3f-ab32-7d71b1e99e1a" providerId="ADAL" clId="{FDD8D9AE-ADE9-4511-B0AB-373F5DC52EE5}" dt="2024-12-17T16:27:29.609" v="118" actId="21"/>
+          <ac:spMkLst>
+            <pc:docMk/>
+            <pc:sldMk cId="371021941" sldId="288"/>
+            <ac:spMk id="8" creationId="{79C862EC-E749-4600-3D4E-2A7B9297F8B5}"/>
+          </ac:spMkLst>
+        </pc:spChg>
+        <pc:picChg chg="del">
+          <ac:chgData name="Willis, Orion" userId="e283381d-8284-4d3f-ab32-7d71b1e99e1a" providerId="ADAL" clId="{FDD8D9AE-ADE9-4511-B0AB-373F5DC52EE5}" dt="2024-12-17T16:27:29.609" v="118" actId="21"/>
+          <ac:picMkLst>
+            <pc:docMk/>
+            <pc:sldMk cId="371021941" sldId="288"/>
+            <ac:picMk id="4" creationId="{093D1517-9AAA-06C5-57E9-606913C751C2}"/>
+          </ac:picMkLst>
+        </pc:picChg>
+      </pc:sldChg>
+      <pc:sldChg chg="addSp delSp modSp del mod">
+        <pc:chgData name="Willis, Orion" userId="e283381d-8284-4d3f-ab32-7d71b1e99e1a" providerId="ADAL" clId="{FDD8D9AE-ADE9-4511-B0AB-373F5DC52EE5}" dt="2024-12-17T16:37:57.294" v="138" actId="2696"/>
+        <pc:sldMkLst>
+          <pc:docMk/>
+          <pc:sldMk cId="639389324" sldId="289"/>
+        </pc:sldMkLst>
+        <pc:spChg chg="del">
+          <ac:chgData name="Willis, Orion" userId="e283381d-8284-4d3f-ab32-7d71b1e99e1a" providerId="ADAL" clId="{FDD8D9AE-ADE9-4511-B0AB-373F5DC52EE5}" dt="2024-12-17T16:37:53.511" v="137" actId="21"/>
+          <ac:spMkLst>
+            <pc:docMk/>
+            <pc:sldMk cId="639389324" sldId="289"/>
+            <ac:spMk id="2" creationId="{AF4FFC57-4A5F-4049-833E-147BCB7DCB3C}"/>
+          </ac:spMkLst>
+        </pc:spChg>
+        <pc:spChg chg="del">
+          <ac:chgData name="Willis, Orion" userId="e283381d-8284-4d3f-ab32-7d71b1e99e1a" providerId="ADAL" clId="{FDD8D9AE-ADE9-4511-B0AB-373F5DC52EE5}" dt="2024-12-17T16:37:53.511" v="137" actId="21"/>
+          <ac:spMkLst>
+            <pc:docMk/>
+            <pc:sldMk cId="639389324" sldId="289"/>
+            <ac:spMk id="3" creationId="{67DC0261-9386-BB1C-2085-8653B2A19191}"/>
+          </ac:spMkLst>
+        </pc:spChg>
+        <pc:spChg chg="add mod">
+          <ac:chgData name="Willis, Orion" userId="e283381d-8284-4d3f-ab32-7d71b1e99e1a" providerId="ADAL" clId="{FDD8D9AE-ADE9-4511-B0AB-373F5DC52EE5}" dt="2024-12-17T16:37:53.511" v="137" actId="21"/>
+          <ac:spMkLst>
+            <pc:docMk/>
+            <pc:sldMk cId="639389324" sldId="289"/>
+            <ac:spMk id="5" creationId="{B3A3424A-C93D-5DB8-CAF6-391F638D2ACB}"/>
+          </ac:spMkLst>
+        </pc:spChg>
+        <pc:spChg chg="add mod">
+          <ac:chgData name="Willis, Orion" userId="e283381d-8284-4d3f-ab32-7d71b1e99e1a" providerId="ADAL" clId="{FDD8D9AE-ADE9-4511-B0AB-373F5DC52EE5}" dt="2024-12-17T16:37:53.511" v="137" actId="21"/>
+          <ac:spMkLst>
+            <pc:docMk/>
+            <pc:sldMk cId="639389324" sldId="289"/>
+            <ac:spMk id="7" creationId="{91ACF1D5-1AA1-118F-D83F-2D54ED8815A8}"/>
+          </ac:spMkLst>
+        </pc:spChg>
+      </pc:sldChg>
+      <pc:sldChg chg="addSp delSp modSp add del mod">
+        <pc:chgData name="Willis, Orion" userId="e283381d-8284-4d3f-ab32-7d71b1e99e1a" providerId="ADAL" clId="{FDD8D9AE-ADE9-4511-B0AB-373F5DC52EE5}" dt="2024-12-17T16:54:23.683" v="179" actId="1076"/>
+        <pc:sldMkLst>
+          <pc:docMk/>
+          <pc:sldMk cId="325146105" sldId="290"/>
+        </pc:sldMkLst>
+        <pc:spChg chg="del">
+          <ac:chgData name="Willis, Orion" userId="e283381d-8284-4d3f-ab32-7d71b1e99e1a" providerId="ADAL" clId="{FDD8D9AE-ADE9-4511-B0AB-373F5DC52EE5}" dt="2024-12-17T16:12:29.738" v="11" actId="478"/>
+          <ac:spMkLst>
+            <pc:docMk/>
+            <pc:sldMk cId="325146105" sldId="290"/>
+            <ac:spMk id="2" creationId="{9E5F5903-9361-1310-D6FA-4FE9DE7B7415}"/>
+          </ac:spMkLst>
+        </pc:spChg>
+        <pc:spChg chg="del">
+          <ac:chgData name="Willis, Orion" userId="e283381d-8284-4d3f-ab32-7d71b1e99e1a" providerId="ADAL" clId="{FDD8D9AE-ADE9-4511-B0AB-373F5DC52EE5}" dt="2024-12-17T16:12:31.128" v="12" actId="478"/>
+          <ac:spMkLst>
+            <pc:docMk/>
+            <pc:sldMk cId="325146105" sldId="290"/>
+            <ac:spMk id="3" creationId="{1510CFE7-456D-F779-B31C-B431388CF778}"/>
+          </ac:spMkLst>
+        </pc:spChg>
+        <pc:spChg chg="add mod">
+          <ac:chgData name="Willis, Orion" userId="e283381d-8284-4d3f-ab32-7d71b1e99e1a" providerId="ADAL" clId="{FDD8D9AE-ADE9-4511-B0AB-373F5DC52EE5}" dt="2024-12-17T16:14:21.404" v="36" actId="1076"/>
+          <ac:spMkLst>
+            <pc:docMk/>
+            <pc:sldMk cId="325146105" sldId="290"/>
+            <ac:spMk id="4" creationId="{6FCA7FD7-E3CD-7A2C-5AF7-2EE59026C9D4}"/>
+          </ac:spMkLst>
+        </pc:spChg>
+        <pc:spChg chg="add mod">
+          <ac:chgData name="Willis, Orion" userId="e283381d-8284-4d3f-ab32-7d71b1e99e1a" providerId="ADAL" clId="{FDD8D9AE-ADE9-4511-B0AB-373F5DC52EE5}" dt="2024-12-17T16:54:23.683" v="179" actId="1076"/>
+          <ac:spMkLst>
+            <pc:docMk/>
+            <pc:sldMk cId="325146105" sldId="290"/>
+            <ac:spMk id="5" creationId="{8586CD17-5B17-5D66-987C-05DC748B3FF9}"/>
+          </ac:spMkLst>
+        </pc:spChg>
+      </pc:sldChg>
+      <pc:sldChg chg="addSp delSp modSp mod">
+        <pc:chgData name="Willis, Orion" userId="e283381d-8284-4d3f-ab32-7d71b1e99e1a" providerId="ADAL" clId="{FDD8D9AE-ADE9-4511-B0AB-373F5DC52EE5}" dt="2024-12-17T16:15:35.939" v="50" actId="1076"/>
+        <pc:sldMkLst>
+          <pc:docMk/>
+          <pc:sldMk cId="3936111209" sldId="291"/>
+        </pc:sldMkLst>
+        <pc:spChg chg="del">
+          <ac:chgData name="Willis, Orion" userId="e283381d-8284-4d3f-ab32-7d71b1e99e1a" providerId="ADAL" clId="{FDD8D9AE-ADE9-4511-B0AB-373F5DC52EE5}" dt="2024-12-17T16:12:33.124" v="13" actId="478"/>
+          <ac:spMkLst>
+            <pc:docMk/>
+            <pc:sldMk cId="3936111209" sldId="291"/>
+            <ac:spMk id="2" creationId="{9E5F5903-9361-1310-D6FA-4FE9DE7B7415}"/>
+          </ac:spMkLst>
+        </pc:spChg>
+        <pc:spChg chg="del">
+          <ac:chgData name="Willis, Orion" userId="e283381d-8284-4d3f-ab32-7d71b1e99e1a" providerId="ADAL" clId="{FDD8D9AE-ADE9-4511-B0AB-373F5DC52EE5}" dt="2024-12-17T16:12:33.751" v="14" actId="478"/>
+          <ac:spMkLst>
+            <pc:docMk/>
+            <pc:sldMk cId="3936111209" sldId="291"/>
+            <ac:spMk id="3" creationId="{1510CFE7-456D-F779-B31C-B431388CF778}"/>
+          </ac:spMkLst>
+        </pc:spChg>
+        <pc:spChg chg="add mod">
+          <ac:chgData name="Willis, Orion" userId="e283381d-8284-4d3f-ab32-7d71b1e99e1a" providerId="ADAL" clId="{FDD8D9AE-ADE9-4511-B0AB-373F5DC52EE5}" dt="2024-12-17T16:15:33.509" v="49" actId="1076"/>
+          <ac:spMkLst>
+            <pc:docMk/>
+            <pc:sldMk cId="3936111209" sldId="291"/>
+            <ac:spMk id="4" creationId="{AF4FFC57-4A5F-4049-833E-147BCB7DCB3C}"/>
+          </ac:spMkLst>
+        </pc:spChg>
+        <pc:spChg chg="add mod">
+          <ac:chgData name="Willis, Orion" userId="e283381d-8284-4d3f-ab32-7d71b1e99e1a" providerId="ADAL" clId="{FDD8D9AE-ADE9-4511-B0AB-373F5DC52EE5}" dt="2024-12-17T16:15:35.939" v="50" actId="1076"/>
+          <ac:spMkLst>
+            <pc:docMk/>
+            <pc:sldMk cId="3936111209" sldId="291"/>
+            <ac:spMk id="5" creationId="{67DC0261-9386-BB1C-2085-8653B2A19191}"/>
+          </ac:spMkLst>
+        </pc:spChg>
+      </pc:sldChg>
+      <pc:sldChg chg="addSp delSp modSp mod">
+        <pc:chgData name="Willis, Orion" userId="e283381d-8284-4d3f-ab32-7d71b1e99e1a" providerId="ADAL" clId="{FDD8D9AE-ADE9-4511-B0AB-373F5DC52EE5}" dt="2024-12-17T16:24:39.097" v="97" actId="1076"/>
+        <pc:sldMkLst>
+          <pc:docMk/>
+          <pc:sldMk cId="3473435431" sldId="292"/>
+        </pc:sldMkLst>
+        <pc:spChg chg="del">
+          <ac:chgData name="Willis, Orion" userId="e283381d-8284-4d3f-ab32-7d71b1e99e1a" providerId="ADAL" clId="{FDD8D9AE-ADE9-4511-B0AB-373F5DC52EE5}" dt="2024-12-17T16:12:37.281" v="15" actId="478"/>
+          <ac:spMkLst>
+            <pc:docMk/>
+            <pc:sldMk cId="3473435431" sldId="292"/>
+            <ac:spMk id="2" creationId="{9E5F5903-9361-1310-D6FA-4FE9DE7B7415}"/>
+          </ac:spMkLst>
+        </pc:spChg>
+        <pc:spChg chg="del">
+          <ac:chgData name="Willis, Orion" userId="e283381d-8284-4d3f-ab32-7d71b1e99e1a" providerId="ADAL" clId="{FDD8D9AE-ADE9-4511-B0AB-373F5DC52EE5}" dt="2024-12-17T16:12:39.279" v="16" actId="478"/>
+          <ac:spMkLst>
+            <pc:docMk/>
+            <pc:sldMk cId="3473435431" sldId="292"/>
+            <ac:spMk id="3" creationId="{1510CFE7-456D-F779-B31C-B431388CF778}"/>
+          </ac:spMkLst>
+        </pc:spChg>
+        <pc:spChg chg="add mod">
+          <ac:chgData name="Willis, Orion" userId="e283381d-8284-4d3f-ab32-7d71b1e99e1a" providerId="ADAL" clId="{FDD8D9AE-ADE9-4511-B0AB-373F5DC52EE5}" dt="2024-12-17T16:24:39.097" v="97" actId="1076"/>
+          <ac:spMkLst>
+            <pc:docMk/>
+            <pc:sldMk cId="3473435431" sldId="292"/>
+            <ac:spMk id="4" creationId="{AF4FFC57-4A5F-4049-833E-147BCB7DCB3C}"/>
+          </ac:spMkLst>
+        </pc:spChg>
+        <pc:spChg chg="add mod">
+          <ac:chgData name="Willis, Orion" userId="e283381d-8284-4d3f-ab32-7d71b1e99e1a" providerId="ADAL" clId="{FDD8D9AE-ADE9-4511-B0AB-373F5DC52EE5}" dt="2024-12-17T16:24:36.130" v="96" actId="1076"/>
+          <ac:spMkLst>
+            <pc:docMk/>
+            <pc:sldMk cId="3473435431" sldId="292"/>
+            <ac:spMk id="5" creationId="{67DC0261-9386-BB1C-2085-8653B2A19191}"/>
+          </ac:spMkLst>
+        </pc:spChg>
+      </pc:sldChg>
+      <pc:sldChg chg="addSp delSp modSp mod">
+        <pc:chgData name="Willis, Orion" userId="e283381d-8284-4d3f-ab32-7d71b1e99e1a" providerId="ADAL" clId="{FDD8D9AE-ADE9-4511-B0AB-373F5DC52EE5}" dt="2024-12-17T16:26:55.373" v="117" actId="1035"/>
+        <pc:sldMkLst>
+          <pc:docMk/>
+          <pc:sldMk cId="559923378" sldId="293"/>
+        </pc:sldMkLst>
+        <pc:spChg chg="del">
+          <ac:chgData name="Willis, Orion" userId="e283381d-8284-4d3f-ab32-7d71b1e99e1a" providerId="ADAL" clId="{FDD8D9AE-ADE9-4511-B0AB-373F5DC52EE5}" dt="2024-12-17T16:12:48.417" v="17" actId="478"/>
+          <ac:spMkLst>
+            <pc:docMk/>
+            <pc:sldMk cId="559923378" sldId="293"/>
+            <ac:spMk id="2" creationId="{9E5F5903-9361-1310-D6FA-4FE9DE7B7415}"/>
+          </ac:spMkLst>
+        </pc:spChg>
+        <pc:spChg chg="del">
+          <ac:chgData name="Willis, Orion" userId="e283381d-8284-4d3f-ab32-7d71b1e99e1a" providerId="ADAL" clId="{FDD8D9AE-ADE9-4511-B0AB-373F5DC52EE5}" dt="2024-12-17T16:12:50.295" v="18" actId="478"/>
+          <ac:spMkLst>
+            <pc:docMk/>
+            <pc:sldMk cId="559923378" sldId="293"/>
+            <ac:spMk id="3" creationId="{1510CFE7-456D-F779-B31C-B431388CF778}"/>
+          </ac:spMkLst>
+        </pc:spChg>
+        <pc:spChg chg="add mod">
+          <ac:chgData name="Willis, Orion" userId="e283381d-8284-4d3f-ab32-7d71b1e99e1a" providerId="ADAL" clId="{FDD8D9AE-ADE9-4511-B0AB-373F5DC52EE5}" dt="2024-12-17T16:26:43.258" v="114" actId="1076"/>
+          <ac:spMkLst>
+            <pc:docMk/>
+            <pc:sldMk cId="559923378" sldId="293"/>
+            <ac:spMk id="4" creationId="{9B4B4550-2885-6D0A-14B5-E90855C619AA}"/>
+          </ac:spMkLst>
+        </pc:spChg>
+        <pc:spChg chg="add mod">
+          <ac:chgData name="Willis, Orion" userId="e283381d-8284-4d3f-ab32-7d71b1e99e1a" providerId="ADAL" clId="{FDD8D9AE-ADE9-4511-B0AB-373F5DC52EE5}" dt="2024-12-17T16:26:55.373" v="117" actId="1035"/>
+          <ac:spMkLst>
+            <pc:docMk/>
+            <pc:sldMk cId="559923378" sldId="293"/>
+            <ac:spMk id="5" creationId="{E6BA065D-7631-7D43-3AF2-1276603A3FED}"/>
+          </ac:spMkLst>
+        </pc:spChg>
+      </pc:sldChg>
+      <pc:sldChg chg="del">
+        <pc:chgData name="Willis, Orion" userId="e283381d-8284-4d3f-ab32-7d71b1e99e1a" providerId="ADAL" clId="{FDD8D9AE-ADE9-4511-B0AB-373F5DC52EE5}" dt="2024-12-17T16:11:57.524" v="8"/>
+        <pc:sldMkLst>
+          <pc:docMk/>
+          <pc:sldMk cId="2522205408" sldId="293"/>
+        </pc:sldMkLst>
+      </pc:sldChg>
+      <pc:sldChg chg="del">
+        <pc:chgData name="Willis, Orion" userId="e283381d-8284-4d3f-ab32-7d71b1e99e1a" providerId="ADAL" clId="{FDD8D9AE-ADE9-4511-B0AB-373F5DC52EE5}" dt="2024-12-17T16:11:56.883" v="7"/>
+        <pc:sldMkLst>
+          <pc:docMk/>
+          <pc:sldMk cId="1199887923" sldId="294"/>
+        </pc:sldMkLst>
+      </pc:sldChg>
+      <pc:sldChg chg="addSp delSp modSp mod">
+        <pc:chgData name="Willis, Orion" userId="e283381d-8284-4d3f-ab32-7d71b1e99e1a" providerId="ADAL" clId="{FDD8D9AE-ADE9-4511-B0AB-373F5DC52EE5}" dt="2024-12-17T16:37:38.642" v="136" actId="14100"/>
+        <pc:sldMkLst>
+          <pc:docMk/>
+          <pc:sldMk cId="3310737613" sldId="294"/>
+        </pc:sldMkLst>
+        <pc:spChg chg="del">
+          <ac:chgData name="Willis, Orion" userId="e283381d-8284-4d3f-ab32-7d71b1e99e1a" providerId="ADAL" clId="{FDD8D9AE-ADE9-4511-B0AB-373F5DC52EE5}" dt="2024-12-17T16:12:52.763" v="19" actId="478"/>
+          <ac:spMkLst>
+            <pc:docMk/>
+            <pc:sldMk cId="3310737613" sldId="294"/>
+            <ac:spMk id="2" creationId="{9E5F5903-9361-1310-D6FA-4FE9DE7B7415}"/>
+          </ac:spMkLst>
+        </pc:spChg>
+        <pc:spChg chg="del">
+          <ac:chgData name="Willis, Orion" userId="e283381d-8284-4d3f-ab32-7d71b1e99e1a" providerId="ADAL" clId="{FDD8D9AE-ADE9-4511-B0AB-373F5DC52EE5}" dt="2024-12-17T16:12:53.459" v="20" actId="478"/>
+          <ac:spMkLst>
+            <pc:docMk/>
+            <pc:sldMk cId="3310737613" sldId="294"/>
+            <ac:spMk id="3" creationId="{1510CFE7-456D-F779-B31C-B431388CF778}"/>
+          </ac:spMkLst>
+        </pc:spChg>
+        <pc:spChg chg="add mod">
+          <ac:chgData name="Willis, Orion" userId="e283381d-8284-4d3f-ab32-7d71b1e99e1a" providerId="ADAL" clId="{FDD8D9AE-ADE9-4511-B0AB-373F5DC52EE5}" dt="2024-12-17T16:37:12.070" v="124" actId="1076"/>
+          <ac:spMkLst>
+            <pc:docMk/>
+            <pc:sldMk cId="3310737613" sldId="294"/>
+            <ac:spMk id="4" creationId="{3727E7C7-7298-CEE5-49B9-10CD2E876B30}"/>
+          </ac:spMkLst>
+        </pc:spChg>
+        <pc:spChg chg="add mod">
+          <ac:chgData name="Willis, Orion" userId="e283381d-8284-4d3f-ab32-7d71b1e99e1a" providerId="ADAL" clId="{FDD8D9AE-ADE9-4511-B0AB-373F5DC52EE5}" dt="2024-12-17T16:37:30.349" v="132" actId="1076"/>
+          <ac:spMkLst>
+            <pc:docMk/>
+            <pc:sldMk cId="3310737613" sldId="294"/>
+            <ac:spMk id="5" creationId="{4F047AE7-AD63-865A-BD1E-654D5808EEE1}"/>
+          </ac:spMkLst>
+        </pc:spChg>
+        <pc:picChg chg="add mod">
+          <ac:chgData name="Willis, Orion" userId="e283381d-8284-4d3f-ab32-7d71b1e99e1a" providerId="ADAL" clId="{FDD8D9AE-ADE9-4511-B0AB-373F5DC52EE5}" dt="2024-12-17T16:37:38.642" v="136" actId="14100"/>
+          <ac:picMkLst>
+            <pc:docMk/>
+            <pc:sldMk cId="3310737613" sldId="294"/>
+            <ac:picMk id="6" creationId="{093D1517-9AAA-06C5-57E9-606913C751C2}"/>
+          </ac:picMkLst>
+        </pc:picChg>
+      </pc:sldChg>
+      <pc:sldChg chg="del">
+        <pc:chgData name="Willis, Orion" userId="e283381d-8284-4d3f-ab32-7d71b1e99e1a" providerId="ADAL" clId="{FDD8D9AE-ADE9-4511-B0AB-373F5DC52EE5}" dt="2024-12-17T16:11:56.633" v="6"/>
+        <pc:sldMkLst>
+          <pc:docMk/>
+          <pc:sldMk cId="897064372" sldId="295"/>
+        </pc:sldMkLst>
+      </pc:sldChg>
+      <pc:sldChg chg="addSp delSp modSp mod">
+        <pc:chgData name="Willis, Orion" userId="e283381d-8284-4d3f-ab32-7d71b1e99e1a" providerId="ADAL" clId="{FDD8D9AE-ADE9-4511-B0AB-373F5DC52EE5}" dt="2024-12-17T16:39:15.063" v="159" actId="1035"/>
+        <pc:sldMkLst>
+          <pc:docMk/>
+          <pc:sldMk cId="3439911801" sldId="295"/>
+        </pc:sldMkLst>
+        <pc:spChg chg="del">
+          <ac:chgData name="Willis, Orion" userId="e283381d-8284-4d3f-ab32-7d71b1e99e1a" providerId="ADAL" clId="{FDD8D9AE-ADE9-4511-B0AB-373F5DC52EE5}" dt="2024-12-17T16:12:56.673" v="21" actId="478"/>
+          <ac:spMkLst>
+            <pc:docMk/>
+            <pc:sldMk cId="3439911801" sldId="295"/>
+            <ac:spMk id="2" creationId="{9E5F5903-9361-1310-D6FA-4FE9DE7B7415}"/>
+          </ac:spMkLst>
+        </pc:spChg>
+        <pc:spChg chg="del">
+          <ac:chgData name="Willis, Orion" userId="e283381d-8284-4d3f-ab32-7d71b1e99e1a" providerId="ADAL" clId="{FDD8D9AE-ADE9-4511-B0AB-373F5DC52EE5}" dt="2024-12-17T16:12:57.513" v="22" actId="478"/>
+          <ac:spMkLst>
+            <pc:docMk/>
+            <pc:sldMk cId="3439911801" sldId="295"/>
+            <ac:spMk id="3" creationId="{1510CFE7-456D-F779-B31C-B431388CF778}"/>
+          </ac:spMkLst>
+        </pc:spChg>
+        <pc:spChg chg="add mod">
+          <ac:chgData name="Willis, Orion" userId="e283381d-8284-4d3f-ab32-7d71b1e99e1a" providerId="ADAL" clId="{FDD8D9AE-ADE9-4511-B0AB-373F5DC52EE5}" dt="2024-12-17T16:39:08.130" v="154" actId="1076"/>
+          <ac:spMkLst>
+            <pc:docMk/>
+            <pc:sldMk cId="3439911801" sldId="295"/>
+            <ac:spMk id="4" creationId="{AF4FFC57-4A5F-4049-833E-147BCB7DCB3C}"/>
+          </ac:spMkLst>
+        </pc:spChg>
+        <pc:spChg chg="add mod">
+          <ac:chgData name="Willis, Orion" userId="e283381d-8284-4d3f-ab32-7d71b1e99e1a" providerId="ADAL" clId="{FDD8D9AE-ADE9-4511-B0AB-373F5DC52EE5}" dt="2024-12-17T16:39:15.063" v="159" actId="1035"/>
+          <ac:spMkLst>
+            <pc:docMk/>
+            <pc:sldMk cId="3439911801" sldId="295"/>
+            <ac:spMk id="5" creationId="{67DC0261-9386-BB1C-2085-8653B2A19191}"/>
+          </ac:spMkLst>
+        </pc:spChg>
+      </pc:sldChg>
+      <pc:sldChg chg="addSp delSp modSp mod">
+        <pc:chgData name="Willis, Orion" userId="e283381d-8284-4d3f-ab32-7d71b1e99e1a" providerId="ADAL" clId="{FDD8D9AE-ADE9-4511-B0AB-373F5DC52EE5}" dt="2024-12-17T16:40:06.911" v="176" actId="1076"/>
+        <pc:sldMkLst>
+          <pc:docMk/>
+          <pc:sldMk cId="1622497678" sldId="296"/>
+        </pc:sldMkLst>
+        <pc:spChg chg="del">
+          <ac:chgData name="Willis, Orion" userId="e283381d-8284-4d3f-ab32-7d71b1e99e1a" providerId="ADAL" clId="{FDD8D9AE-ADE9-4511-B0AB-373F5DC52EE5}" dt="2024-12-17T16:12:20.182" v="9" actId="478"/>
+          <ac:spMkLst>
+            <pc:docMk/>
+            <pc:sldMk cId="1622497678" sldId="296"/>
+            <ac:spMk id="2" creationId="{9E5F5903-9361-1310-D6FA-4FE9DE7B7415}"/>
+          </ac:spMkLst>
+        </pc:spChg>
+        <pc:spChg chg="del">
+          <ac:chgData name="Willis, Orion" userId="e283381d-8284-4d3f-ab32-7d71b1e99e1a" providerId="ADAL" clId="{FDD8D9AE-ADE9-4511-B0AB-373F5DC52EE5}" dt="2024-12-17T16:12:22.476" v="10" actId="478"/>
+          <ac:spMkLst>
+            <pc:docMk/>
+            <pc:sldMk cId="1622497678" sldId="296"/>
+            <ac:spMk id="3" creationId="{1510CFE7-456D-F779-B31C-B431388CF778}"/>
+          </ac:spMkLst>
+        </pc:spChg>
+        <pc:spChg chg="add mod">
+          <ac:chgData name="Willis, Orion" userId="e283381d-8284-4d3f-ab32-7d71b1e99e1a" providerId="ADAL" clId="{FDD8D9AE-ADE9-4511-B0AB-373F5DC52EE5}" dt="2024-12-17T16:40:06.911" v="176" actId="1076"/>
+          <ac:spMkLst>
+            <pc:docMk/>
+            <pc:sldMk cId="1622497678" sldId="296"/>
+            <ac:spMk id="4" creationId="{64492E64-A68B-8CA7-B3C6-044F7C8E76AB}"/>
+          </ac:spMkLst>
+        </pc:spChg>
+        <pc:spChg chg="add mod">
+          <ac:chgData name="Willis, Orion" userId="e283381d-8284-4d3f-ab32-7d71b1e99e1a" providerId="ADAL" clId="{FDD8D9AE-ADE9-4511-B0AB-373F5DC52EE5}" dt="2024-12-17T16:40:00.375" v="175" actId="1076"/>
+          <ac:spMkLst>
+            <pc:docMk/>
+            <pc:sldMk cId="1622497678" sldId="296"/>
+            <ac:spMk id="5" creationId="{B64A8207-997F-319E-7F6D-676D3ECA779B}"/>
+          </ac:spMkLst>
+        </pc:spChg>
+      </pc:sldChg>
+      <pc:sldChg chg="del">
+        <pc:chgData name="Willis, Orion" userId="e283381d-8284-4d3f-ab32-7d71b1e99e1a" providerId="ADAL" clId="{FDD8D9AE-ADE9-4511-B0AB-373F5DC52EE5}" dt="2024-12-17T16:11:56.402" v="5"/>
+        <pc:sldMkLst>
+          <pc:docMk/>
+          <pc:sldMk cId="2847955358" sldId="296"/>
+        </pc:sldMkLst>
+      </pc:sldChg>
+      <pc:sldChg chg="del">
+        <pc:chgData name="Willis, Orion" userId="e283381d-8284-4d3f-ab32-7d71b1e99e1a" providerId="ADAL" clId="{FDD8D9AE-ADE9-4511-B0AB-373F5DC52EE5}" dt="2024-12-17T16:11:56.131" v="4"/>
+        <pc:sldMkLst>
+          <pc:docMk/>
+          <pc:sldMk cId="258128042" sldId="297"/>
+        </pc:sldMkLst>
+      </pc:sldChg>
+      <pc:sldMasterChg chg="del delSldLayout">
+        <pc:chgData name="Willis, Orion" userId="e283381d-8284-4d3f-ab32-7d71b1e99e1a" providerId="ADAL" clId="{FDD8D9AE-ADE9-4511-B0AB-373F5DC52EE5}" dt="2024-12-17T16:39:23.436" v="162" actId="2696"/>
+        <pc:sldMasterMkLst>
+          <pc:docMk/>
+          <pc:sldMasterMk cId="3136267371" sldId="2147483681"/>
+        </pc:sldMasterMkLst>
+        <pc:sldLayoutChg chg="del">
+          <pc:chgData name="Willis, Orion" userId="e283381d-8284-4d3f-ab32-7d71b1e99e1a" providerId="ADAL" clId="{FDD8D9AE-ADE9-4511-B0AB-373F5DC52EE5}" dt="2024-12-17T16:39:23.436" v="162" actId="2696"/>
+          <pc:sldLayoutMkLst>
+            <pc:docMk/>
+            <pc:sldMasterMk cId="3136267371" sldId="2147483681"/>
+            <pc:sldLayoutMk cId="267940307" sldId="2147483682"/>
+          </pc:sldLayoutMkLst>
+        </pc:sldLayoutChg>
+        <pc:sldLayoutChg chg="del">
+          <pc:chgData name="Willis, Orion" userId="e283381d-8284-4d3f-ab32-7d71b1e99e1a" providerId="ADAL" clId="{FDD8D9AE-ADE9-4511-B0AB-373F5DC52EE5}" dt="2024-12-17T16:39:23.436" v="162" actId="2696"/>
+          <pc:sldLayoutMkLst>
+            <pc:docMk/>
+            <pc:sldMasterMk cId="3136267371" sldId="2147483681"/>
+            <pc:sldLayoutMk cId="1773732037" sldId="2147483683"/>
+          </pc:sldLayoutMkLst>
+        </pc:sldLayoutChg>
+        <pc:sldLayoutChg chg="del">
+          <pc:chgData name="Willis, Orion" userId="e283381d-8284-4d3f-ab32-7d71b1e99e1a" providerId="ADAL" clId="{FDD8D9AE-ADE9-4511-B0AB-373F5DC52EE5}" dt="2024-12-17T16:39:23.436" v="162" actId="2696"/>
+          <pc:sldLayoutMkLst>
+            <pc:docMk/>
+            <pc:sldMasterMk cId="3136267371" sldId="2147483681"/>
+            <pc:sldLayoutMk cId="3968263454" sldId="2147483684"/>
+          </pc:sldLayoutMkLst>
+        </pc:sldLayoutChg>
+        <pc:sldLayoutChg chg="del">
+          <pc:chgData name="Willis, Orion" userId="e283381d-8284-4d3f-ab32-7d71b1e99e1a" providerId="ADAL" clId="{FDD8D9AE-ADE9-4511-B0AB-373F5DC52EE5}" dt="2024-12-17T16:39:23.436" v="162" actId="2696"/>
+          <pc:sldLayoutMkLst>
+            <pc:docMk/>
+            <pc:sldMasterMk cId="3136267371" sldId="2147483681"/>
+            <pc:sldLayoutMk cId="3119249891" sldId="2147483685"/>
+          </pc:sldLayoutMkLst>
+        </pc:sldLayoutChg>
+        <pc:sldLayoutChg chg="del">
+          <pc:chgData name="Willis, Orion" userId="e283381d-8284-4d3f-ab32-7d71b1e99e1a" providerId="ADAL" clId="{FDD8D9AE-ADE9-4511-B0AB-373F5DC52EE5}" dt="2024-12-17T16:39:23.436" v="162" actId="2696"/>
+          <pc:sldLayoutMkLst>
+            <pc:docMk/>
+            <pc:sldMasterMk cId="3136267371" sldId="2147483681"/>
+            <pc:sldLayoutMk cId="3054922134" sldId="2147483686"/>
+          </pc:sldLayoutMkLst>
+        </pc:sldLayoutChg>
+        <pc:sldLayoutChg chg="del">
+          <pc:chgData name="Willis, Orion" userId="e283381d-8284-4d3f-ab32-7d71b1e99e1a" providerId="ADAL" clId="{FDD8D9AE-ADE9-4511-B0AB-373F5DC52EE5}" dt="2024-12-17T16:39:23.436" v="162" actId="2696"/>
+          <pc:sldLayoutMkLst>
+            <pc:docMk/>
+            <pc:sldMasterMk cId="3136267371" sldId="2147483681"/>
+            <pc:sldLayoutMk cId="2938381997" sldId="2147483687"/>
+          </pc:sldLayoutMkLst>
+        </pc:sldLayoutChg>
+        <pc:sldLayoutChg chg="del">
+          <pc:chgData name="Willis, Orion" userId="e283381d-8284-4d3f-ab32-7d71b1e99e1a" providerId="ADAL" clId="{FDD8D9AE-ADE9-4511-B0AB-373F5DC52EE5}" dt="2024-12-17T16:39:23.436" v="162" actId="2696"/>
+          <pc:sldLayoutMkLst>
+            <pc:docMk/>
+            <pc:sldMasterMk cId="3136267371" sldId="2147483681"/>
+            <pc:sldLayoutMk cId="2840775159" sldId="2147483688"/>
+          </pc:sldLayoutMkLst>
+        </pc:sldLayoutChg>
+        <pc:sldLayoutChg chg="del">
+          <pc:chgData name="Willis, Orion" userId="e283381d-8284-4d3f-ab32-7d71b1e99e1a" providerId="ADAL" clId="{FDD8D9AE-ADE9-4511-B0AB-373F5DC52EE5}" dt="2024-12-17T16:39:23.436" v="162" actId="2696"/>
+          <pc:sldLayoutMkLst>
+            <pc:docMk/>
+            <pc:sldMasterMk cId="3136267371" sldId="2147483681"/>
+            <pc:sldLayoutMk cId="489734700" sldId="2147483689"/>
+          </pc:sldLayoutMkLst>
+        </pc:sldLayoutChg>
+        <pc:sldLayoutChg chg="del">
+          <pc:chgData name="Willis, Orion" userId="e283381d-8284-4d3f-ab32-7d71b1e99e1a" providerId="ADAL" clId="{FDD8D9AE-ADE9-4511-B0AB-373F5DC52EE5}" dt="2024-12-17T16:39:23.436" v="162" actId="2696"/>
+          <pc:sldLayoutMkLst>
+            <pc:docMk/>
+            <pc:sldMasterMk cId="3136267371" sldId="2147483681"/>
+            <pc:sldLayoutMk cId="1801490617" sldId="2147483690"/>
+          </pc:sldLayoutMkLst>
+        </pc:sldLayoutChg>
+        <pc:sldLayoutChg chg="del">
+          <pc:chgData name="Willis, Orion" userId="e283381d-8284-4d3f-ab32-7d71b1e99e1a" providerId="ADAL" clId="{FDD8D9AE-ADE9-4511-B0AB-373F5DC52EE5}" dt="2024-12-17T16:39:23.436" v="162" actId="2696"/>
+          <pc:sldLayoutMkLst>
+            <pc:docMk/>
+            <pc:sldMasterMk cId="3136267371" sldId="2147483681"/>
+            <pc:sldLayoutMk cId="246953702" sldId="2147483691"/>
+          </pc:sldLayoutMkLst>
+        </pc:sldLayoutChg>
+        <pc:sldLayoutChg chg="del">
+          <pc:chgData name="Willis, Orion" userId="e283381d-8284-4d3f-ab32-7d71b1e99e1a" providerId="ADAL" clId="{FDD8D9AE-ADE9-4511-B0AB-373F5DC52EE5}" dt="2024-12-17T16:39:23.436" v="162" actId="2696"/>
+          <pc:sldLayoutMkLst>
+            <pc:docMk/>
+            <pc:sldMasterMk cId="3136267371" sldId="2147483681"/>
+            <pc:sldLayoutMk cId="2492140018" sldId="2147483692"/>
+          </pc:sldLayoutMkLst>
+        </pc:sldLayoutChg>
+        <pc:sldLayoutChg chg="del">
+          <pc:chgData name="Willis, Orion" userId="e283381d-8284-4d3f-ab32-7d71b1e99e1a" providerId="ADAL" clId="{FDD8D9AE-ADE9-4511-B0AB-373F5DC52EE5}" dt="2024-12-17T16:39:23.436" v="162" actId="2696"/>
+          <pc:sldLayoutMkLst>
+            <pc:docMk/>
+            <pc:sldMasterMk cId="3136267371" sldId="2147483681"/>
+            <pc:sldLayoutMk cId="2326417790" sldId="2147483693"/>
+          </pc:sldLayoutMkLst>
+        </pc:sldLayoutChg>
+      </pc:sldMasterChg>
+    </pc:docChg>
+  </pc:docChgLst>
   <pc:docChgLst>
     <pc:chgData name="Gibbons, Carl" userId="d2b037bc-8fb4-4222-845c-61440543a456" providerId="ADAL" clId="{513A426B-8C0C-4739-8154-95FA52836484}"/>
     <pc:docChg chg="custSel modSld">
@@ -1590,7 +2291,7 @@
           <p:cNvPr id="2" name="Title 1">
             <a:extLst>
               <a:ext uri="{FF2B5EF4-FFF2-40B4-BE49-F238E27FC236}">
-                <a16:creationId xmlns:a16="http://schemas.microsoft.com/office/drawing/2014/main" id="{D7417273-9D16-5639-8844-46262C7A214A}"/>
+                <a16:creationId xmlns:a16="http://schemas.microsoft.com/office/drawing/2014/main" id="{BFB01EF5-6F0D-8686-CDD5-7DB43C9F613E}"/>
               </a:ext>
             </a:extLst>
           </p:cNvPr>
@@ -1601,7 +2302,15 @@
             <p:ph type="title"/>
           </p:nvPr>
         </p:nvSpPr>
-        <p:spPr/>
+        <p:spPr>
+          <a:xfrm>
+            <a:off x="602787" y="1498382"/>
+            <a:ext cx="10515600" cy="1325563"/>
+          </a:xfrm>
+          <a:prstGeom prst="rect">
+            <a:avLst/>
+          </a:prstGeom>
+        </p:spPr>
         <p:txBody>
           <a:bodyPr/>
           <a:lstStyle/>
@@ -1618,7 +2327,7 @@
           <p:cNvPr id="3" name="Content Placeholder 2">
             <a:extLst>
               <a:ext uri="{FF2B5EF4-FFF2-40B4-BE49-F238E27FC236}">
-                <a16:creationId xmlns:a16="http://schemas.microsoft.com/office/drawing/2014/main" id="{B0CB97D0-5920-4A0C-455B-784B34D523CD}"/>
+                <a16:creationId xmlns:a16="http://schemas.microsoft.com/office/drawing/2014/main" id="{2ED595E2-3C65-7E01-6223-574BF8FB8119}"/>
               </a:ext>
             </a:extLst>
           </p:cNvPr>
@@ -1634,6 +2343,9 @@
             <a:off x="838200" y="1825625"/>
             <a:ext cx="5181600" cy="4351338"/>
           </a:xfrm>
+          <a:prstGeom prst="rect">
+            <a:avLst/>
+          </a:prstGeom>
         </p:spPr>
         <p:txBody>
           <a:bodyPr/>
@@ -1680,7 +2392,7 @@
           <p:cNvPr id="4" name="Content Placeholder 3">
             <a:extLst>
               <a:ext uri="{FF2B5EF4-FFF2-40B4-BE49-F238E27FC236}">
-                <a16:creationId xmlns:a16="http://schemas.microsoft.com/office/drawing/2014/main" id="{49C5FDBC-D200-7F14-85E8-2B208477DAF9}"/>
+                <a16:creationId xmlns:a16="http://schemas.microsoft.com/office/drawing/2014/main" id="{DFDA5243-FD59-824D-9801-C6A7FC40AD32}"/>
               </a:ext>
             </a:extLst>
           </p:cNvPr>
@@ -1696,6 +2408,9 @@
             <a:off x="6172200" y="1825625"/>
             <a:ext cx="5181600" cy="4351338"/>
           </a:xfrm>
+          <a:prstGeom prst="rect">
+            <a:avLst/>
+          </a:prstGeom>
         </p:spPr>
         <p:txBody>
           <a:bodyPr/>
@@ -1742,7 +2457,7 @@
           <p:cNvPr id="5" name="Date Placeholder 4">
             <a:extLst>
               <a:ext uri="{FF2B5EF4-FFF2-40B4-BE49-F238E27FC236}">
-                <a16:creationId xmlns:a16="http://schemas.microsoft.com/office/drawing/2014/main" id="{9C0A7D34-EDD4-2B7C-7597-31E5AE2E8BD6}"/>
+                <a16:creationId xmlns:a16="http://schemas.microsoft.com/office/drawing/2014/main" id="{BB0B0631-5586-E8EE-C280-1DC0A64D54C9}"/>
               </a:ext>
             </a:extLst>
           </p:cNvPr>
@@ -1753,14 +2468,22 @@
             <p:ph type="dt" sz="half" idx="10"/>
           </p:nvPr>
         </p:nvSpPr>
-        <p:spPr/>
+        <p:spPr>
+          <a:xfrm>
+            <a:off x="838200" y="6445249"/>
+            <a:ext cx="2743200" cy="365125"/>
+          </a:xfrm>
+          <a:prstGeom prst="rect">
+            <a:avLst/>
+          </a:prstGeom>
+        </p:spPr>
         <p:txBody>
           <a:bodyPr/>
           <a:lstStyle/>
           <a:p>
-            <a:fld id="{0D69348B-4620-44E9-BF3F-EACBA9EEF323}" type="datetimeFigureOut">
+            <a:fld id="{71087A05-F855-4434-8DDE-39A8542098A6}" type="datetimeFigureOut">
               <a:rPr lang="en-US" smtClean="0"/>
-              <a:t>6/27/2024</a:t>
+              <a:t>12/17/2024</a:t>
             </a:fld>
             <a:endParaRPr lang="en-US"/>
           </a:p>
@@ -1771,7 +2494,7 @@
           <p:cNvPr id="6" name="Footer Placeholder 5">
             <a:extLst>
               <a:ext uri="{FF2B5EF4-FFF2-40B4-BE49-F238E27FC236}">
-                <a16:creationId xmlns:a16="http://schemas.microsoft.com/office/drawing/2014/main" id="{001C50E6-D64B-52FC-1719-552ED73B243D}"/>
+                <a16:creationId xmlns:a16="http://schemas.microsoft.com/office/drawing/2014/main" id="{4C7022BC-4356-2E12-5FFC-95893C9539C6}"/>
               </a:ext>
             </a:extLst>
           </p:cNvPr>
@@ -1782,7 +2505,15 @@
             <p:ph type="ftr" sz="quarter" idx="11"/>
           </p:nvPr>
         </p:nvSpPr>
-        <p:spPr/>
+        <p:spPr>
+          <a:xfrm>
+            <a:off x="4038600" y="6356350"/>
+            <a:ext cx="4114800" cy="365125"/>
+          </a:xfrm>
+          <a:prstGeom prst="rect">
+            <a:avLst/>
+          </a:prstGeom>
+        </p:spPr>
         <p:txBody>
           <a:bodyPr/>
           <a:lstStyle/>
@@ -1796,7 +2527,7 @@
           <p:cNvPr id="7" name="Slide Number Placeholder 6">
             <a:extLst>
               <a:ext uri="{FF2B5EF4-FFF2-40B4-BE49-F238E27FC236}">
-                <a16:creationId xmlns:a16="http://schemas.microsoft.com/office/drawing/2014/main" id="{159CBFED-25BE-7153-12B4-D0E8588920D3}"/>
+                <a16:creationId xmlns:a16="http://schemas.microsoft.com/office/drawing/2014/main" id="{2F6F0616-5185-D339-BFDE-0E16B9960312}"/>
               </a:ext>
             </a:extLst>
           </p:cNvPr>
@@ -1807,12 +2538,20 @@
             <p:ph type="sldNum" sz="quarter" idx="12"/>
           </p:nvPr>
         </p:nvSpPr>
-        <p:spPr/>
+        <p:spPr>
+          <a:xfrm>
+            <a:off x="8610600" y="6356350"/>
+            <a:ext cx="2743200" cy="365125"/>
+          </a:xfrm>
+          <a:prstGeom prst="rect">
+            <a:avLst/>
+          </a:prstGeom>
+        </p:spPr>
         <p:txBody>
           <a:bodyPr/>
           <a:lstStyle/>
           <a:p>
-            <a:fld id="{986C47A0-D0C4-4E8A-BEE9-37B09C3712B2}" type="slidenum">
+            <a:fld id="{6C0014F0-3D1D-4459-A530-32E6C19AE461}" type="slidenum">
               <a:rPr lang="en-US" smtClean="0"/>
               <a:t>‹#›</a:t>
             </a:fld>
@@ -1823,7 +2562,7 @@
     </p:spTree>
     <p:extLst>
       <p:ext uri="{BB962C8B-B14F-4D97-AF65-F5344CB8AC3E}">
-        <p14:creationId xmlns:p14="http://schemas.microsoft.com/office/powerpoint/2010/main" val="3119249891"/>
+        <p14:creationId xmlns:p14="http://schemas.microsoft.com/office/powerpoint/2010/main" val="1012943247"/>
       </p:ext>
     </p:extLst>
   </p:cSld>
@@ -1855,7 +2594,7 @@
           <p:cNvPr id="2" name="Title 1">
             <a:extLst>
               <a:ext uri="{FF2B5EF4-FFF2-40B4-BE49-F238E27FC236}">
-                <a16:creationId xmlns:a16="http://schemas.microsoft.com/office/drawing/2014/main" id="{4EC51817-320C-EB58-D57C-AAA586C0053E}"/>
+                <a16:creationId xmlns:a16="http://schemas.microsoft.com/office/drawing/2014/main" id="{0AADFFED-E59B-6D4E-6B64-0F5B746DEB96}"/>
               </a:ext>
             </a:extLst>
           </p:cNvPr>
@@ -1871,6 +2610,9 @@
             <a:off x="839788" y="365125"/>
             <a:ext cx="10515600" cy="1325563"/>
           </a:xfrm>
+          <a:prstGeom prst="rect">
+            <a:avLst/>
+          </a:prstGeom>
         </p:spPr>
         <p:txBody>
           <a:bodyPr/>
@@ -1888,7 +2630,7 @@
           <p:cNvPr id="3" name="Text Placeholder 2">
             <a:extLst>
               <a:ext uri="{FF2B5EF4-FFF2-40B4-BE49-F238E27FC236}">
-                <a16:creationId xmlns:a16="http://schemas.microsoft.com/office/drawing/2014/main" id="{21FF1CDE-5ED1-45BC-1BBF-82DBA76868F4}"/>
+                <a16:creationId xmlns:a16="http://schemas.microsoft.com/office/drawing/2014/main" id="{1D25BBE6-1C38-6614-EF63-AF608E55C235}"/>
               </a:ext>
             </a:extLst>
           </p:cNvPr>
@@ -1904,6 +2646,9 @@
             <a:off x="839788" y="1681163"/>
             <a:ext cx="5157787" cy="823912"/>
           </a:xfrm>
+          <a:prstGeom prst="rect">
+            <a:avLst/>
+          </a:prstGeom>
         </p:spPr>
         <p:txBody>
           <a:bodyPr anchor="b"/>
@@ -1959,7 +2704,7 @@
           <p:cNvPr id="4" name="Content Placeholder 3">
             <a:extLst>
               <a:ext uri="{FF2B5EF4-FFF2-40B4-BE49-F238E27FC236}">
-                <a16:creationId xmlns:a16="http://schemas.microsoft.com/office/drawing/2014/main" id="{CB45744E-8CC8-1B85-F492-6648EB8A9996}"/>
+                <a16:creationId xmlns:a16="http://schemas.microsoft.com/office/drawing/2014/main" id="{D639AC2E-A378-9E93-69F7-FF92F43FC3A8}"/>
               </a:ext>
             </a:extLst>
           </p:cNvPr>
@@ -1975,6 +2720,9 @@
             <a:off x="839788" y="2505075"/>
             <a:ext cx="5157787" cy="3684588"/>
           </a:xfrm>
+          <a:prstGeom prst="rect">
+            <a:avLst/>
+          </a:prstGeom>
         </p:spPr>
         <p:txBody>
           <a:bodyPr/>
@@ -2021,7 +2769,7 @@
           <p:cNvPr id="5" name="Text Placeholder 4">
             <a:extLst>
               <a:ext uri="{FF2B5EF4-FFF2-40B4-BE49-F238E27FC236}">
-                <a16:creationId xmlns:a16="http://schemas.microsoft.com/office/drawing/2014/main" id="{E073266C-0D92-527A-30E1-7ECDD28C0F91}"/>
+                <a16:creationId xmlns:a16="http://schemas.microsoft.com/office/drawing/2014/main" id="{E57BF240-C80B-E670-B12B-8BCBA850E04F}"/>
               </a:ext>
             </a:extLst>
           </p:cNvPr>
@@ -2037,6 +2785,9 @@
             <a:off x="6172200" y="1681163"/>
             <a:ext cx="5183188" cy="823912"/>
           </a:xfrm>
+          <a:prstGeom prst="rect">
+            <a:avLst/>
+          </a:prstGeom>
         </p:spPr>
         <p:txBody>
           <a:bodyPr anchor="b"/>
@@ -2092,7 +2843,7 @@
           <p:cNvPr id="6" name="Content Placeholder 5">
             <a:extLst>
               <a:ext uri="{FF2B5EF4-FFF2-40B4-BE49-F238E27FC236}">
-                <a16:creationId xmlns:a16="http://schemas.microsoft.com/office/drawing/2014/main" id="{1E10B574-E76B-4DE3-3CFA-1190E252BA61}"/>
+                <a16:creationId xmlns:a16="http://schemas.microsoft.com/office/drawing/2014/main" id="{6AB0FB7E-A75F-AB8B-3217-710BBB592FB3}"/>
               </a:ext>
             </a:extLst>
           </p:cNvPr>
@@ -2108,6 +2859,9 @@
             <a:off x="6172200" y="2505075"/>
             <a:ext cx="5183188" cy="3684588"/>
           </a:xfrm>
+          <a:prstGeom prst="rect">
+            <a:avLst/>
+          </a:prstGeom>
         </p:spPr>
         <p:txBody>
           <a:bodyPr/>
@@ -2154,7 +2908,7 @@
           <p:cNvPr id="7" name="Date Placeholder 6">
             <a:extLst>
               <a:ext uri="{FF2B5EF4-FFF2-40B4-BE49-F238E27FC236}">
-                <a16:creationId xmlns:a16="http://schemas.microsoft.com/office/drawing/2014/main" id="{B22F13C7-15CB-D0AD-592A-4574F62CF3CA}"/>
+                <a16:creationId xmlns:a16="http://schemas.microsoft.com/office/drawing/2014/main" id="{BBAC691C-E8A1-E4A4-391E-3EA19AE5DF7A}"/>
               </a:ext>
             </a:extLst>
           </p:cNvPr>
@@ -2165,14 +2919,22 @@
             <p:ph type="dt" sz="half" idx="10"/>
           </p:nvPr>
         </p:nvSpPr>
-        <p:spPr/>
+        <p:spPr>
+          <a:xfrm>
+            <a:off x="838200" y="6445249"/>
+            <a:ext cx="2743200" cy="365125"/>
+          </a:xfrm>
+          <a:prstGeom prst="rect">
+            <a:avLst/>
+          </a:prstGeom>
+        </p:spPr>
         <p:txBody>
           <a:bodyPr/>
           <a:lstStyle/>
           <a:p>
-            <a:fld id="{0D69348B-4620-44E9-BF3F-EACBA9EEF323}" type="datetimeFigureOut">
+            <a:fld id="{71087A05-F855-4434-8DDE-39A8542098A6}" type="datetimeFigureOut">
               <a:rPr lang="en-US" smtClean="0"/>
-              <a:t>6/27/2024</a:t>
+              <a:t>12/17/2024</a:t>
             </a:fld>
             <a:endParaRPr lang="en-US"/>
           </a:p>
@@ -2183,7 +2945,7 @@
           <p:cNvPr id="8" name="Footer Placeholder 7">
             <a:extLst>
               <a:ext uri="{FF2B5EF4-FFF2-40B4-BE49-F238E27FC236}">
-                <a16:creationId xmlns:a16="http://schemas.microsoft.com/office/drawing/2014/main" id="{2F5F3798-7B61-5530-4CE3-C6CC264D0CAB}"/>
+                <a16:creationId xmlns:a16="http://schemas.microsoft.com/office/drawing/2014/main" id="{A5742DC8-1560-8BC0-2128-ACBD57240165}"/>
               </a:ext>
             </a:extLst>
           </p:cNvPr>
@@ -2194,7 +2956,15 @@
             <p:ph type="ftr" sz="quarter" idx="11"/>
           </p:nvPr>
         </p:nvSpPr>
-        <p:spPr/>
+        <p:spPr>
+          <a:xfrm>
+            <a:off x="4038600" y="6356350"/>
+            <a:ext cx="4114800" cy="365125"/>
+          </a:xfrm>
+          <a:prstGeom prst="rect">
+            <a:avLst/>
+          </a:prstGeom>
+        </p:spPr>
         <p:txBody>
           <a:bodyPr/>
           <a:lstStyle/>
@@ -2208,7 +2978,7 @@
           <p:cNvPr id="9" name="Slide Number Placeholder 8">
             <a:extLst>
               <a:ext uri="{FF2B5EF4-FFF2-40B4-BE49-F238E27FC236}">
-                <a16:creationId xmlns:a16="http://schemas.microsoft.com/office/drawing/2014/main" id="{DEA57831-0ADE-7493-7182-6249F4413808}"/>
+                <a16:creationId xmlns:a16="http://schemas.microsoft.com/office/drawing/2014/main" id="{589CBA34-0EA5-98FC-EEAA-0C1A44BA1CB5}"/>
               </a:ext>
             </a:extLst>
           </p:cNvPr>
@@ -2219,12 +2989,20 @@
             <p:ph type="sldNum" sz="quarter" idx="12"/>
           </p:nvPr>
         </p:nvSpPr>
-        <p:spPr/>
+        <p:spPr>
+          <a:xfrm>
+            <a:off x="8610600" y="6356350"/>
+            <a:ext cx="2743200" cy="365125"/>
+          </a:xfrm>
+          <a:prstGeom prst="rect">
+            <a:avLst/>
+          </a:prstGeom>
+        </p:spPr>
         <p:txBody>
           <a:bodyPr/>
           <a:lstStyle/>
           <a:p>
-            <a:fld id="{986C47A0-D0C4-4E8A-BEE9-37B09C3712B2}" type="slidenum">
+            <a:fld id="{6C0014F0-3D1D-4459-A530-32E6C19AE461}" type="slidenum">
               <a:rPr lang="en-US" smtClean="0"/>
               <a:t>‹#›</a:t>
             </a:fld>
@@ -2235,7 +3013,7 @@
     </p:spTree>
     <p:extLst>
       <p:ext uri="{BB962C8B-B14F-4D97-AF65-F5344CB8AC3E}">
-        <p14:creationId xmlns:p14="http://schemas.microsoft.com/office/powerpoint/2010/main" val="3054922134"/>
+        <p14:creationId xmlns:p14="http://schemas.microsoft.com/office/powerpoint/2010/main" val="2048692208"/>
       </p:ext>
     </p:extLst>
   </p:cSld>
@@ -2267,7 +3045,7 @@
           <p:cNvPr id="2" name="Title 1">
             <a:extLst>
               <a:ext uri="{FF2B5EF4-FFF2-40B4-BE49-F238E27FC236}">
-                <a16:creationId xmlns:a16="http://schemas.microsoft.com/office/drawing/2014/main" id="{C51D6B86-2F64-08CA-8DAC-2D6D1CA3880D}"/>
+                <a16:creationId xmlns:a16="http://schemas.microsoft.com/office/drawing/2014/main" id="{DB1F5818-3C7C-015C-2483-1875C395B0BF}"/>
               </a:ext>
             </a:extLst>
           </p:cNvPr>
@@ -2278,7 +3056,15 @@
             <p:ph type="title"/>
           </p:nvPr>
         </p:nvSpPr>
-        <p:spPr/>
+        <p:spPr>
+          <a:xfrm>
+            <a:off x="602787" y="1498382"/>
+            <a:ext cx="10515600" cy="1325563"/>
+          </a:xfrm>
+          <a:prstGeom prst="rect">
+            <a:avLst/>
+          </a:prstGeom>
+        </p:spPr>
         <p:txBody>
           <a:bodyPr/>
           <a:lstStyle/>
@@ -2295,7 +3081,7 @@
           <p:cNvPr id="3" name="Date Placeholder 2">
             <a:extLst>
               <a:ext uri="{FF2B5EF4-FFF2-40B4-BE49-F238E27FC236}">
-                <a16:creationId xmlns:a16="http://schemas.microsoft.com/office/drawing/2014/main" id="{03C4A398-4A9D-A2A3-6474-1E420261434B}"/>
+                <a16:creationId xmlns:a16="http://schemas.microsoft.com/office/drawing/2014/main" id="{F223477C-97F9-76B1-065E-300F62DDCF99}"/>
               </a:ext>
             </a:extLst>
           </p:cNvPr>
@@ -2306,14 +3092,22 @@
             <p:ph type="dt" sz="half" idx="10"/>
           </p:nvPr>
         </p:nvSpPr>
-        <p:spPr/>
+        <p:spPr>
+          <a:xfrm>
+            <a:off x="838200" y="6445249"/>
+            <a:ext cx="2743200" cy="365125"/>
+          </a:xfrm>
+          <a:prstGeom prst="rect">
+            <a:avLst/>
+          </a:prstGeom>
+        </p:spPr>
         <p:txBody>
           <a:bodyPr/>
           <a:lstStyle/>
           <a:p>
-            <a:fld id="{0D69348B-4620-44E9-BF3F-EACBA9EEF323}" type="datetimeFigureOut">
+            <a:fld id="{71087A05-F855-4434-8DDE-39A8542098A6}" type="datetimeFigureOut">
               <a:rPr lang="en-US" smtClean="0"/>
-              <a:t>6/27/2024</a:t>
+              <a:t>12/17/2024</a:t>
             </a:fld>
             <a:endParaRPr lang="en-US"/>
           </a:p>
@@ -2324,7 +3118,7 @@
           <p:cNvPr id="4" name="Footer Placeholder 3">
             <a:extLst>
               <a:ext uri="{FF2B5EF4-FFF2-40B4-BE49-F238E27FC236}">
-                <a16:creationId xmlns:a16="http://schemas.microsoft.com/office/drawing/2014/main" id="{1B329954-395E-06FF-D638-EC31477B4B60}"/>
+                <a16:creationId xmlns:a16="http://schemas.microsoft.com/office/drawing/2014/main" id="{725CCAE4-3361-9867-C2CA-9F8A178ED41C}"/>
               </a:ext>
             </a:extLst>
           </p:cNvPr>
@@ -2335,7 +3129,15 @@
             <p:ph type="ftr" sz="quarter" idx="11"/>
           </p:nvPr>
         </p:nvSpPr>
-        <p:spPr/>
+        <p:spPr>
+          <a:xfrm>
+            <a:off x="4038600" y="6356350"/>
+            <a:ext cx="4114800" cy="365125"/>
+          </a:xfrm>
+          <a:prstGeom prst="rect">
+            <a:avLst/>
+          </a:prstGeom>
+        </p:spPr>
         <p:txBody>
           <a:bodyPr/>
           <a:lstStyle/>
@@ -2349,7 +3151,7 @@
           <p:cNvPr id="5" name="Slide Number Placeholder 4">
             <a:extLst>
               <a:ext uri="{FF2B5EF4-FFF2-40B4-BE49-F238E27FC236}">
-                <a16:creationId xmlns:a16="http://schemas.microsoft.com/office/drawing/2014/main" id="{26A16BE0-3CF4-0FFF-42E9-C2ABCD5E1AB3}"/>
+                <a16:creationId xmlns:a16="http://schemas.microsoft.com/office/drawing/2014/main" id="{E42ECABF-B7A6-37FC-1091-0A6AE97D6725}"/>
               </a:ext>
             </a:extLst>
           </p:cNvPr>
@@ -2360,12 +3162,20 @@
             <p:ph type="sldNum" sz="quarter" idx="12"/>
           </p:nvPr>
         </p:nvSpPr>
-        <p:spPr/>
+        <p:spPr>
+          <a:xfrm>
+            <a:off x="8610600" y="6356350"/>
+            <a:ext cx="2743200" cy="365125"/>
+          </a:xfrm>
+          <a:prstGeom prst="rect">
+            <a:avLst/>
+          </a:prstGeom>
+        </p:spPr>
         <p:txBody>
           <a:bodyPr/>
           <a:lstStyle/>
           <a:p>
-            <a:fld id="{986C47A0-D0C4-4E8A-BEE9-37B09C3712B2}" type="slidenum">
+            <a:fld id="{6C0014F0-3D1D-4459-A530-32E6C19AE461}" type="slidenum">
               <a:rPr lang="en-US" smtClean="0"/>
               <a:t>‹#›</a:t>
             </a:fld>
@@ -2376,7 +3186,7 @@
     </p:spTree>
     <p:extLst>
       <p:ext uri="{BB962C8B-B14F-4D97-AF65-F5344CB8AC3E}">
-        <p14:creationId xmlns:p14="http://schemas.microsoft.com/office/powerpoint/2010/main" val="2938381997"/>
+        <p14:creationId xmlns:p14="http://schemas.microsoft.com/office/powerpoint/2010/main" val="726548186"/>
       </p:ext>
     </p:extLst>
   </p:cSld>
@@ -2408,7 +3218,7 @@
           <p:cNvPr id="2" name="Date Placeholder 1">
             <a:extLst>
               <a:ext uri="{FF2B5EF4-FFF2-40B4-BE49-F238E27FC236}">
-                <a16:creationId xmlns:a16="http://schemas.microsoft.com/office/drawing/2014/main" id="{AA5B9B0A-FA71-5C03-A207-2398589F58E9}"/>
+                <a16:creationId xmlns:a16="http://schemas.microsoft.com/office/drawing/2014/main" id="{E2C2A218-2D68-399E-5303-823F32D18A0A}"/>
               </a:ext>
             </a:extLst>
           </p:cNvPr>
@@ -2419,14 +3229,22 @@
             <p:ph type="dt" sz="half" idx="10"/>
           </p:nvPr>
         </p:nvSpPr>
-        <p:spPr/>
+        <p:spPr>
+          <a:xfrm>
+            <a:off x="838200" y="6445249"/>
+            <a:ext cx="2743200" cy="365125"/>
+          </a:xfrm>
+          <a:prstGeom prst="rect">
+            <a:avLst/>
+          </a:prstGeom>
+        </p:spPr>
         <p:txBody>
           <a:bodyPr/>
           <a:lstStyle/>
           <a:p>
-            <a:fld id="{0D69348B-4620-44E9-BF3F-EACBA9EEF323}" type="datetimeFigureOut">
+            <a:fld id="{71087A05-F855-4434-8DDE-39A8542098A6}" type="datetimeFigureOut">
               <a:rPr lang="en-US" smtClean="0"/>
-              <a:t>6/27/2024</a:t>
+              <a:t>12/17/2024</a:t>
             </a:fld>
             <a:endParaRPr lang="en-US"/>
           </a:p>
@@ -2437,7 +3255,7 @@
           <p:cNvPr id="3" name="Footer Placeholder 2">
             <a:extLst>
               <a:ext uri="{FF2B5EF4-FFF2-40B4-BE49-F238E27FC236}">
-                <a16:creationId xmlns:a16="http://schemas.microsoft.com/office/drawing/2014/main" id="{5EEC7B99-A534-1835-A5BF-8993DDBD237D}"/>
+                <a16:creationId xmlns:a16="http://schemas.microsoft.com/office/drawing/2014/main" id="{41BB3505-96AE-D8F2-469A-F36E9DD155D5}"/>
               </a:ext>
             </a:extLst>
           </p:cNvPr>
@@ -2448,7 +3266,15 @@
             <p:ph type="ftr" sz="quarter" idx="11"/>
           </p:nvPr>
         </p:nvSpPr>
-        <p:spPr/>
+        <p:spPr>
+          <a:xfrm>
+            <a:off x="4038600" y="6356350"/>
+            <a:ext cx="4114800" cy="365125"/>
+          </a:xfrm>
+          <a:prstGeom prst="rect">
+            <a:avLst/>
+          </a:prstGeom>
+        </p:spPr>
         <p:txBody>
           <a:bodyPr/>
           <a:lstStyle/>
@@ -2462,7 +3288,7 @@
           <p:cNvPr id="4" name="Slide Number Placeholder 3">
             <a:extLst>
               <a:ext uri="{FF2B5EF4-FFF2-40B4-BE49-F238E27FC236}">
-                <a16:creationId xmlns:a16="http://schemas.microsoft.com/office/drawing/2014/main" id="{6E001977-30BB-D5A2-E565-94C0467FE0FD}"/>
+                <a16:creationId xmlns:a16="http://schemas.microsoft.com/office/drawing/2014/main" id="{47BA2558-EB65-5F2B-4DEB-5E332CDDC572}"/>
               </a:ext>
             </a:extLst>
           </p:cNvPr>
@@ -2473,12 +3299,20 @@
             <p:ph type="sldNum" sz="quarter" idx="12"/>
           </p:nvPr>
         </p:nvSpPr>
-        <p:spPr/>
+        <p:spPr>
+          <a:xfrm>
+            <a:off x="8610600" y="6356350"/>
+            <a:ext cx="2743200" cy="365125"/>
+          </a:xfrm>
+          <a:prstGeom prst="rect">
+            <a:avLst/>
+          </a:prstGeom>
+        </p:spPr>
         <p:txBody>
           <a:bodyPr/>
           <a:lstStyle/>
           <a:p>
-            <a:fld id="{986C47A0-D0C4-4E8A-BEE9-37B09C3712B2}" type="slidenum">
+            <a:fld id="{6C0014F0-3D1D-4459-A530-32E6C19AE461}" type="slidenum">
               <a:rPr lang="en-US" smtClean="0"/>
               <a:t>‹#›</a:t>
             </a:fld>
@@ -2489,7 +3323,7 @@
     </p:spTree>
     <p:extLst>
       <p:ext uri="{BB962C8B-B14F-4D97-AF65-F5344CB8AC3E}">
-        <p14:creationId xmlns:p14="http://schemas.microsoft.com/office/powerpoint/2010/main" val="2840775159"/>
+        <p14:creationId xmlns:p14="http://schemas.microsoft.com/office/powerpoint/2010/main" val="3073509829"/>
       </p:ext>
     </p:extLst>
   </p:cSld>
@@ -2521,7 +3355,7 @@
           <p:cNvPr id="2" name="Title 1">
             <a:extLst>
               <a:ext uri="{FF2B5EF4-FFF2-40B4-BE49-F238E27FC236}">
-                <a16:creationId xmlns:a16="http://schemas.microsoft.com/office/drawing/2014/main" id="{AC38A989-6857-707E-A17F-8A83A6144698}"/>
+                <a16:creationId xmlns:a16="http://schemas.microsoft.com/office/drawing/2014/main" id="{E731290A-4FEE-1487-F6FC-152481239225}"/>
               </a:ext>
             </a:extLst>
           </p:cNvPr>
@@ -2537,6 +3371,9 @@
             <a:off x="839788" y="457200"/>
             <a:ext cx="3932237" cy="1600200"/>
           </a:xfrm>
+          <a:prstGeom prst="rect">
+            <a:avLst/>
+          </a:prstGeom>
         </p:spPr>
         <p:txBody>
           <a:bodyPr anchor="b"/>
@@ -2558,7 +3395,7 @@
           <p:cNvPr id="3" name="Content Placeholder 2">
             <a:extLst>
               <a:ext uri="{FF2B5EF4-FFF2-40B4-BE49-F238E27FC236}">
-                <a16:creationId xmlns:a16="http://schemas.microsoft.com/office/drawing/2014/main" id="{D3A3E0C8-FA9B-6F55-E988-D7B8ADBC9C21}"/>
+                <a16:creationId xmlns:a16="http://schemas.microsoft.com/office/drawing/2014/main" id="{3FD49862-968E-6027-1E22-A84213937FC4}"/>
               </a:ext>
             </a:extLst>
           </p:cNvPr>
@@ -2574,6 +3411,9 @@
             <a:off x="5183188" y="987425"/>
             <a:ext cx="6172200" cy="4873625"/>
           </a:xfrm>
+          <a:prstGeom prst="rect">
+            <a:avLst/>
+          </a:prstGeom>
         </p:spPr>
         <p:txBody>
           <a:bodyPr/>
@@ -2648,7 +3488,7 @@
           <p:cNvPr id="4" name="Text Placeholder 3">
             <a:extLst>
               <a:ext uri="{FF2B5EF4-FFF2-40B4-BE49-F238E27FC236}">
-                <a16:creationId xmlns:a16="http://schemas.microsoft.com/office/drawing/2014/main" id="{FC649A31-16E4-3C58-CFAF-870BE9A231C8}"/>
+                <a16:creationId xmlns:a16="http://schemas.microsoft.com/office/drawing/2014/main" id="{DDD75452-B3CD-E4D7-2EEB-4D8E7A55BA47}"/>
               </a:ext>
             </a:extLst>
           </p:cNvPr>
@@ -2664,6 +3504,9 @@
             <a:off x="839788" y="2057400"/>
             <a:ext cx="3932237" cy="3811588"/>
           </a:xfrm>
+          <a:prstGeom prst="rect">
+            <a:avLst/>
+          </a:prstGeom>
         </p:spPr>
         <p:txBody>
           <a:bodyPr/>
@@ -2719,7 +3562,7 @@
           <p:cNvPr id="5" name="Date Placeholder 4">
             <a:extLst>
               <a:ext uri="{FF2B5EF4-FFF2-40B4-BE49-F238E27FC236}">
-                <a16:creationId xmlns:a16="http://schemas.microsoft.com/office/drawing/2014/main" id="{5999608F-F9E6-C047-FAFD-5BD962E36788}"/>
+                <a16:creationId xmlns:a16="http://schemas.microsoft.com/office/drawing/2014/main" id="{E910F3D6-85F4-16D5-02EC-B52A50D1363C}"/>
               </a:ext>
             </a:extLst>
           </p:cNvPr>
@@ -2730,14 +3573,22 @@
             <p:ph type="dt" sz="half" idx="10"/>
           </p:nvPr>
         </p:nvSpPr>
-        <p:spPr/>
+        <p:spPr>
+          <a:xfrm>
+            <a:off x="838200" y="6445249"/>
+            <a:ext cx="2743200" cy="365125"/>
+          </a:xfrm>
+          <a:prstGeom prst="rect">
+            <a:avLst/>
+          </a:prstGeom>
+        </p:spPr>
         <p:txBody>
           <a:bodyPr/>
           <a:lstStyle/>
           <a:p>
-            <a:fld id="{0D69348B-4620-44E9-BF3F-EACBA9EEF323}" type="datetimeFigureOut">
+            <a:fld id="{71087A05-F855-4434-8DDE-39A8542098A6}" type="datetimeFigureOut">
               <a:rPr lang="en-US" smtClean="0"/>
-              <a:t>6/27/2024</a:t>
+              <a:t>12/17/2024</a:t>
             </a:fld>
             <a:endParaRPr lang="en-US"/>
           </a:p>
@@ -2748,7 +3599,7 @@
           <p:cNvPr id="6" name="Footer Placeholder 5">
             <a:extLst>
               <a:ext uri="{FF2B5EF4-FFF2-40B4-BE49-F238E27FC236}">
-                <a16:creationId xmlns:a16="http://schemas.microsoft.com/office/drawing/2014/main" id="{E1D5DC43-2068-E43E-0C96-6105FF141340}"/>
+                <a16:creationId xmlns:a16="http://schemas.microsoft.com/office/drawing/2014/main" id="{FA7DC6C8-71E8-B7D5-9A82-0FA963F35B00}"/>
               </a:ext>
             </a:extLst>
           </p:cNvPr>
@@ -2759,7 +3610,15 @@
             <p:ph type="ftr" sz="quarter" idx="11"/>
           </p:nvPr>
         </p:nvSpPr>
-        <p:spPr/>
+        <p:spPr>
+          <a:xfrm>
+            <a:off x="4038600" y="6356350"/>
+            <a:ext cx="4114800" cy="365125"/>
+          </a:xfrm>
+          <a:prstGeom prst="rect">
+            <a:avLst/>
+          </a:prstGeom>
+        </p:spPr>
         <p:txBody>
           <a:bodyPr/>
           <a:lstStyle/>
@@ -2773,7 +3632,7 @@
           <p:cNvPr id="7" name="Slide Number Placeholder 6">
             <a:extLst>
               <a:ext uri="{FF2B5EF4-FFF2-40B4-BE49-F238E27FC236}">
-                <a16:creationId xmlns:a16="http://schemas.microsoft.com/office/drawing/2014/main" id="{07714F4E-989B-09B5-9809-BA4CDB940F1A}"/>
+                <a16:creationId xmlns:a16="http://schemas.microsoft.com/office/drawing/2014/main" id="{33AEBF5B-81ED-5FC8-76EE-E85F459B2D2B}"/>
               </a:ext>
             </a:extLst>
           </p:cNvPr>
@@ -2784,12 +3643,20 @@
             <p:ph type="sldNum" sz="quarter" idx="12"/>
           </p:nvPr>
         </p:nvSpPr>
-        <p:spPr/>
+        <p:spPr>
+          <a:xfrm>
+            <a:off x="8610600" y="6356350"/>
+            <a:ext cx="2743200" cy="365125"/>
+          </a:xfrm>
+          <a:prstGeom prst="rect">
+            <a:avLst/>
+          </a:prstGeom>
+        </p:spPr>
         <p:txBody>
           <a:bodyPr/>
           <a:lstStyle/>
           <a:p>
-            <a:fld id="{986C47A0-D0C4-4E8A-BEE9-37B09C3712B2}" type="slidenum">
+            <a:fld id="{6C0014F0-3D1D-4459-A530-32E6C19AE461}" type="slidenum">
               <a:rPr lang="en-US" smtClean="0"/>
               <a:t>‹#›</a:t>
             </a:fld>
@@ -2800,7 +3667,7 @@
     </p:spTree>
     <p:extLst>
       <p:ext uri="{BB962C8B-B14F-4D97-AF65-F5344CB8AC3E}">
-        <p14:creationId xmlns:p14="http://schemas.microsoft.com/office/powerpoint/2010/main" val="489734700"/>
+        <p14:creationId xmlns:p14="http://schemas.microsoft.com/office/powerpoint/2010/main" val="2955725613"/>
       </p:ext>
     </p:extLst>
   </p:cSld>
@@ -2832,7 +3699,7 @@
           <p:cNvPr id="2" name="Title 1">
             <a:extLst>
               <a:ext uri="{FF2B5EF4-FFF2-40B4-BE49-F238E27FC236}">
-                <a16:creationId xmlns:a16="http://schemas.microsoft.com/office/drawing/2014/main" id="{3355A176-7BDB-BCDB-D1C0-7943D50F9B44}"/>
+                <a16:creationId xmlns:a16="http://schemas.microsoft.com/office/drawing/2014/main" id="{640090C6-958A-8F1E-AAA5-6F70ABB1D9F3}"/>
               </a:ext>
             </a:extLst>
           </p:cNvPr>
@@ -2848,6 +3715,9 @@
             <a:off x="839788" y="457200"/>
             <a:ext cx="3932237" cy="1600200"/>
           </a:xfrm>
+          <a:prstGeom prst="rect">
+            <a:avLst/>
+          </a:prstGeom>
         </p:spPr>
         <p:txBody>
           <a:bodyPr anchor="b"/>
@@ -2869,7 +3739,7 @@
           <p:cNvPr id="3" name="Picture Placeholder 2">
             <a:extLst>
               <a:ext uri="{FF2B5EF4-FFF2-40B4-BE49-F238E27FC236}">
-                <a16:creationId xmlns:a16="http://schemas.microsoft.com/office/drawing/2014/main" id="{B68408D7-61D1-185C-72B8-001F411FC6F7}"/>
+                <a16:creationId xmlns:a16="http://schemas.microsoft.com/office/drawing/2014/main" id="{3302DF14-CA9B-4C85-16D1-AE914D7EB7E7}"/>
               </a:ext>
             </a:extLst>
           </p:cNvPr>
@@ -2885,6 +3755,9 @@
             <a:off x="5183188" y="987425"/>
             <a:ext cx="6172200" cy="4873625"/>
           </a:xfrm>
+          <a:prstGeom prst="rect">
+            <a:avLst/>
+          </a:prstGeom>
         </p:spPr>
         <p:txBody>
           <a:bodyPr/>
@@ -2927,7 +3800,10 @@
             </a:lvl9pPr>
           </a:lstStyle>
           <a:p>
-            <a:endParaRPr lang="en-US"/>
+            <a:r>
+              <a:rPr lang="en-US"/>
+              <a:t>Click icon to add picture</a:t>
+            </a:r>
           </a:p>
         </p:txBody>
       </p:sp>
@@ -2936,7 +3812,7 @@
           <p:cNvPr id="4" name="Text Placeholder 3">
             <a:extLst>
               <a:ext uri="{FF2B5EF4-FFF2-40B4-BE49-F238E27FC236}">
-                <a16:creationId xmlns:a16="http://schemas.microsoft.com/office/drawing/2014/main" id="{390B86E7-BC7A-324F-5231-BB8844695F10}"/>
+                <a16:creationId xmlns:a16="http://schemas.microsoft.com/office/drawing/2014/main" id="{449386B6-C485-3496-A8CD-9C25B60A4255}"/>
               </a:ext>
             </a:extLst>
           </p:cNvPr>
@@ -2952,6 +3828,9 @@
             <a:off x="839788" y="2057400"/>
             <a:ext cx="3932237" cy="3811588"/>
           </a:xfrm>
+          <a:prstGeom prst="rect">
+            <a:avLst/>
+          </a:prstGeom>
         </p:spPr>
         <p:txBody>
           <a:bodyPr/>
@@ -3007,7 +3886,7 @@
           <p:cNvPr id="5" name="Date Placeholder 4">
             <a:extLst>
               <a:ext uri="{FF2B5EF4-FFF2-40B4-BE49-F238E27FC236}">
-                <a16:creationId xmlns:a16="http://schemas.microsoft.com/office/drawing/2014/main" id="{CA9F4411-F5FF-7DD9-8280-4EAE80811D9F}"/>
+                <a16:creationId xmlns:a16="http://schemas.microsoft.com/office/drawing/2014/main" id="{DBD5F565-8080-7E82-246E-1EDDAAC2C236}"/>
               </a:ext>
             </a:extLst>
           </p:cNvPr>
@@ -3018,14 +3897,22 @@
             <p:ph type="dt" sz="half" idx="10"/>
           </p:nvPr>
         </p:nvSpPr>
-        <p:spPr/>
+        <p:spPr>
+          <a:xfrm>
+            <a:off x="838200" y="6445249"/>
+            <a:ext cx="2743200" cy="365125"/>
+          </a:xfrm>
+          <a:prstGeom prst="rect">
+            <a:avLst/>
+          </a:prstGeom>
+        </p:spPr>
         <p:txBody>
           <a:bodyPr/>
           <a:lstStyle/>
           <a:p>
-            <a:fld id="{0D69348B-4620-44E9-BF3F-EACBA9EEF323}" type="datetimeFigureOut">
+            <a:fld id="{71087A05-F855-4434-8DDE-39A8542098A6}" type="datetimeFigureOut">
               <a:rPr lang="en-US" smtClean="0"/>
-              <a:t>6/27/2024</a:t>
+              <a:t>12/17/2024</a:t>
             </a:fld>
             <a:endParaRPr lang="en-US"/>
           </a:p>
@@ -3036,7 +3923,7 @@
           <p:cNvPr id="6" name="Footer Placeholder 5">
             <a:extLst>
               <a:ext uri="{FF2B5EF4-FFF2-40B4-BE49-F238E27FC236}">
-                <a16:creationId xmlns:a16="http://schemas.microsoft.com/office/drawing/2014/main" id="{BD00158C-2DC0-C40D-E476-8D815E2210E6}"/>
+                <a16:creationId xmlns:a16="http://schemas.microsoft.com/office/drawing/2014/main" id="{C9E12A3F-827C-0539-3AFC-062DDE283567}"/>
               </a:ext>
             </a:extLst>
           </p:cNvPr>
@@ -3047,7 +3934,15 @@
             <p:ph type="ftr" sz="quarter" idx="11"/>
           </p:nvPr>
         </p:nvSpPr>
-        <p:spPr/>
+        <p:spPr>
+          <a:xfrm>
+            <a:off x="4038600" y="6356350"/>
+            <a:ext cx="4114800" cy="365125"/>
+          </a:xfrm>
+          <a:prstGeom prst="rect">
+            <a:avLst/>
+          </a:prstGeom>
+        </p:spPr>
         <p:txBody>
           <a:bodyPr/>
           <a:lstStyle/>
@@ -3061,7 +3956,7 @@
           <p:cNvPr id="7" name="Slide Number Placeholder 6">
             <a:extLst>
               <a:ext uri="{FF2B5EF4-FFF2-40B4-BE49-F238E27FC236}">
-                <a16:creationId xmlns:a16="http://schemas.microsoft.com/office/drawing/2014/main" id="{E47CEA17-958B-3F11-0DD0-F3DB57410690}"/>
+                <a16:creationId xmlns:a16="http://schemas.microsoft.com/office/drawing/2014/main" id="{516B4C84-F522-0893-1790-EF8E720A114E}"/>
               </a:ext>
             </a:extLst>
           </p:cNvPr>
@@ -3072,12 +3967,20 @@
             <p:ph type="sldNum" sz="quarter" idx="12"/>
           </p:nvPr>
         </p:nvSpPr>
-        <p:spPr/>
+        <p:spPr>
+          <a:xfrm>
+            <a:off x="8610600" y="6356350"/>
+            <a:ext cx="2743200" cy="365125"/>
+          </a:xfrm>
+          <a:prstGeom prst="rect">
+            <a:avLst/>
+          </a:prstGeom>
+        </p:spPr>
         <p:txBody>
           <a:bodyPr/>
           <a:lstStyle/>
           <a:p>
-            <a:fld id="{986C47A0-D0C4-4E8A-BEE9-37B09C3712B2}" type="slidenum">
+            <a:fld id="{6C0014F0-3D1D-4459-A530-32E6C19AE461}" type="slidenum">
               <a:rPr lang="en-US" smtClean="0"/>
               <a:t>‹#›</a:t>
             </a:fld>
@@ -3088,7 +3991,7 @@
     </p:spTree>
     <p:extLst>
       <p:ext uri="{BB962C8B-B14F-4D97-AF65-F5344CB8AC3E}">
-        <p14:creationId xmlns:p14="http://schemas.microsoft.com/office/powerpoint/2010/main" val="1801490617"/>
+        <p14:creationId xmlns:p14="http://schemas.microsoft.com/office/powerpoint/2010/main" val="132731670"/>
       </p:ext>
     </p:extLst>
   </p:cSld>
@@ -3120,7 +4023,7 @@
           <p:cNvPr id="2" name="Title 1">
             <a:extLst>
               <a:ext uri="{FF2B5EF4-FFF2-40B4-BE49-F238E27FC236}">
-                <a16:creationId xmlns:a16="http://schemas.microsoft.com/office/drawing/2014/main" id="{D6AD2E5E-D555-7E2B-7E3F-7520CC1D227E}"/>
+                <a16:creationId xmlns:a16="http://schemas.microsoft.com/office/drawing/2014/main" id="{A2992E9E-93C1-7E84-A4D5-EA127AB4BDC1}"/>
               </a:ext>
             </a:extLst>
           </p:cNvPr>
@@ -3131,7 +4034,15 @@
             <p:ph type="title"/>
           </p:nvPr>
         </p:nvSpPr>
-        <p:spPr/>
+        <p:spPr>
+          <a:xfrm>
+            <a:off x="602787" y="1498382"/>
+            <a:ext cx="10515600" cy="1325563"/>
+          </a:xfrm>
+          <a:prstGeom prst="rect">
+            <a:avLst/>
+          </a:prstGeom>
+        </p:spPr>
         <p:txBody>
           <a:bodyPr/>
           <a:lstStyle/>
@@ -3148,7 +4059,7 @@
           <p:cNvPr id="3" name="Vertical Text Placeholder 2">
             <a:extLst>
               <a:ext uri="{FF2B5EF4-FFF2-40B4-BE49-F238E27FC236}">
-                <a16:creationId xmlns:a16="http://schemas.microsoft.com/office/drawing/2014/main" id="{21BCA2AE-5C6A-0627-55FB-1213E6BA2F01}"/>
+                <a16:creationId xmlns:a16="http://schemas.microsoft.com/office/drawing/2014/main" id="{FBFF1E9B-EE9D-9A7E-EE97-87C838D9BB2F}"/>
               </a:ext>
             </a:extLst>
           </p:cNvPr>
@@ -3159,7 +4070,15 @@
             <p:ph type="body" orient="vert" idx="1"/>
           </p:nvPr>
         </p:nvSpPr>
-        <p:spPr/>
+        <p:spPr>
+          <a:xfrm>
+            <a:off x="838200" y="1825625"/>
+            <a:ext cx="10515600" cy="4351338"/>
+          </a:xfrm>
+          <a:prstGeom prst="rect">
+            <a:avLst/>
+          </a:prstGeom>
+        </p:spPr>
         <p:txBody>
           <a:bodyPr vert="eaVert"/>
           <a:lstStyle/>
@@ -3205,7 +4124,7 @@
           <p:cNvPr id="4" name="Date Placeholder 3">
             <a:extLst>
               <a:ext uri="{FF2B5EF4-FFF2-40B4-BE49-F238E27FC236}">
-                <a16:creationId xmlns:a16="http://schemas.microsoft.com/office/drawing/2014/main" id="{5107EDAF-37A2-AD0D-A11E-C6E412B7CD68}"/>
+                <a16:creationId xmlns:a16="http://schemas.microsoft.com/office/drawing/2014/main" id="{450DA212-C93A-3075-FD32-156F351E64D4}"/>
               </a:ext>
             </a:extLst>
           </p:cNvPr>
@@ -3216,14 +4135,22 @@
             <p:ph type="dt" sz="half" idx="10"/>
           </p:nvPr>
         </p:nvSpPr>
-        <p:spPr/>
+        <p:spPr>
+          <a:xfrm>
+            <a:off x="838200" y="6445249"/>
+            <a:ext cx="2743200" cy="365125"/>
+          </a:xfrm>
+          <a:prstGeom prst="rect">
+            <a:avLst/>
+          </a:prstGeom>
+        </p:spPr>
         <p:txBody>
           <a:bodyPr/>
           <a:lstStyle/>
           <a:p>
-            <a:fld id="{0D69348B-4620-44E9-BF3F-EACBA9EEF323}" type="datetimeFigureOut">
+            <a:fld id="{71087A05-F855-4434-8DDE-39A8542098A6}" type="datetimeFigureOut">
               <a:rPr lang="en-US" smtClean="0"/>
-              <a:t>6/27/2024</a:t>
+              <a:t>12/17/2024</a:t>
             </a:fld>
             <a:endParaRPr lang="en-US"/>
           </a:p>
@@ -3234,7 +4161,7 @@
           <p:cNvPr id="5" name="Footer Placeholder 4">
             <a:extLst>
               <a:ext uri="{FF2B5EF4-FFF2-40B4-BE49-F238E27FC236}">
-                <a16:creationId xmlns:a16="http://schemas.microsoft.com/office/drawing/2014/main" id="{17AABE0A-6316-1BFF-88AA-1E305E3595C5}"/>
+                <a16:creationId xmlns:a16="http://schemas.microsoft.com/office/drawing/2014/main" id="{D6AA4E94-35D9-7831-A0BB-9A28BFA422BE}"/>
               </a:ext>
             </a:extLst>
           </p:cNvPr>
@@ -3245,7 +4172,15 @@
             <p:ph type="ftr" sz="quarter" idx="11"/>
           </p:nvPr>
         </p:nvSpPr>
-        <p:spPr/>
+        <p:spPr>
+          <a:xfrm>
+            <a:off x="4038600" y="6356350"/>
+            <a:ext cx="4114800" cy="365125"/>
+          </a:xfrm>
+          <a:prstGeom prst="rect">
+            <a:avLst/>
+          </a:prstGeom>
+        </p:spPr>
         <p:txBody>
           <a:bodyPr/>
           <a:lstStyle/>
@@ -3259,7 +4194,7 @@
           <p:cNvPr id="6" name="Slide Number Placeholder 5">
             <a:extLst>
               <a:ext uri="{FF2B5EF4-FFF2-40B4-BE49-F238E27FC236}">
-                <a16:creationId xmlns:a16="http://schemas.microsoft.com/office/drawing/2014/main" id="{FC568FF5-9BB0-1800-E4BA-438F3408E54B}"/>
+                <a16:creationId xmlns:a16="http://schemas.microsoft.com/office/drawing/2014/main" id="{2E0B5BE5-01BB-5041-6101-F169276B2397}"/>
               </a:ext>
             </a:extLst>
           </p:cNvPr>
@@ -3270,12 +4205,20 @@
             <p:ph type="sldNum" sz="quarter" idx="12"/>
           </p:nvPr>
         </p:nvSpPr>
-        <p:spPr/>
+        <p:spPr>
+          <a:xfrm>
+            <a:off x="8610600" y="6356350"/>
+            <a:ext cx="2743200" cy="365125"/>
+          </a:xfrm>
+          <a:prstGeom prst="rect">
+            <a:avLst/>
+          </a:prstGeom>
+        </p:spPr>
         <p:txBody>
           <a:bodyPr/>
           <a:lstStyle/>
           <a:p>
-            <a:fld id="{986C47A0-D0C4-4E8A-BEE9-37B09C3712B2}" type="slidenum">
+            <a:fld id="{6C0014F0-3D1D-4459-A530-32E6C19AE461}" type="slidenum">
               <a:rPr lang="en-US" smtClean="0"/>
               <a:t>‹#›</a:t>
             </a:fld>
@@ -3286,7 +4229,7 @@
     </p:spTree>
     <p:extLst>
       <p:ext uri="{BB962C8B-B14F-4D97-AF65-F5344CB8AC3E}">
-        <p14:creationId xmlns:p14="http://schemas.microsoft.com/office/powerpoint/2010/main" val="246953702"/>
+        <p14:creationId xmlns:p14="http://schemas.microsoft.com/office/powerpoint/2010/main" val="4147923311"/>
       </p:ext>
     </p:extLst>
   </p:cSld>
@@ -3318,7 +4261,7 @@
           <p:cNvPr id="2" name="Vertical Title 1">
             <a:extLst>
               <a:ext uri="{FF2B5EF4-FFF2-40B4-BE49-F238E27FC236}">
-                <a16:creationId xmlns:a16="http://schemas.microsoft.com/office/drawing/2014/main" id="{AAE8DA51-17B9-3E3B-6597-C3149EC564E7}"/>
+                <a16:creationId xmlns:a16="http://schemas.microsoft.com/office/drawing/2014/main" id="{B7D370E5-4104-4DF4-CE6F-43777E948DFD}"/>
               </a:ext>
             </a:extLst>
           </p:cNvPr>
@@ -3334,6 +4277,9 @@
             <a:off x="8724900" y="365125"/>
             <a:ext cx="2628900" cy="5811838"/>
           </a:xfrm>
+          <a:prstGeom prst="rect">
+            <a:avLst/>
+          </a:prstGeom>
         </p:spPr>
         <p:txBody>
           <a:bodyPr vert="eaVert"/>
@@ -3351,7 +4297,7 @@
           <p:cNvPr id="3" name="Vertical Text Placeholder 2">
             <a:extLst>
               <a:ext uri="{FF2B5EF4-FFF2-40B4-BE49-F238E27FC236}">
-                <a16:creationId xmlns:a16="http://schemas.microsoft.com/office/drawing/2014/main" id="{C43333B4-9DAF-48B6-30CB-E3B610BEF084}"/>
+                <a16:creationId xmlns:a16="http://schemas.microsoft.com/office/drawing/2014/main" id="{3CEA6D81-DFD1-D8AC-EC26-DC0557526EE4}"/>
               </a:ext>
             </a:extLst>
           </p:cNvPr>
@@ -3367,6 +4313,9 @@
             <a:off x="838200" y="365125"/>
             <a:ext cx="7734300" cy="5811838"/>
           </a:xfrm>
+          <a:prstGeom prst="rect">
+            <a:avLst/>
+          </a:prstGeom>
         </p:spPr>
         <p:txBody>
           <a:bodyPr vert="eaVert"/>
@@ -3413,7 +4362,7 @@
           <p:cNvPr id="4" name="Date Placeholder 3">
             <a:extLst>
               <a:ext uri="{FF2B5EF4-FFF2-40B4-BE49-F238E27FC236}">
-                <a16:creationId xmlns:a16="http://schemas.microsoft.com/office/drawing/2014/main" id="{6086BDD1-83F5-3D7A-8DD5-DF362A8AD1E7}"/>
+                <a16:creationId xmlns:a16="http://schemas.microsoft.com/office/drawing/2014/main" id="{60E27890-E421-871D-9D4F-F7E5B558B71E}"/>
               </a:ext>
             </a:extLst>
           </p:cNvPr>
@@ -3424,14 +4373,22 @@
             <p:ph type="dt" sz="half" idx="10"/>
           </p:nvPr>
         </p:nvSpPr>
-        <p:spPr/>
+        <p:spPr>
+          <a:xfrm>
+            <a:off x="838200" y="6445249"/>
+            <a:ext cx="2743200" cy="365125"/>
+          </a:xfrm>
+          <a:prstGeom prst="rect">
+            <a:avLst/>
+          </a:prstGeom>
+        </p:spPr>
         <p:txBody>
           <a:bodyPr/>
           <a:lstStyle/>
           <a:p>
-            <a:fld id="{0D69348B-4620-44E9-BF3F-EACBA9EEF323}" type="datetimeFigureOut">
+            <a:fld id="{71087A05-F855-4434-8DDE-39A8542098A6}" type="datetimeFigureOut">
               <a:rPr lang="en-US" smtClean="0"/>
-              <a:t>6/27/2024</a:t>
+              <a:t>12/17/2024</a:t>
             </a:fld>
             <a:endParaRPr lang="en-US"/>
           </a:p>
@@ -3442,7 +4399,7 @@
           <p:cNvPr id="5" name="Footer Placeholder 4">
             <a:extLst>
               <a:ext uri="{FF2B5EF4-FFF2-40B4-BE49-F238E27FC236}">
-                <a16:creationId xmlns:a16="http://schemas.microsoft.com/office/drawing/2014/main" id="{4CD22109-0E78-0957-7BBE-F0B6D89EFBB0}"/>
+                <a16:creationId xmlns:a16="http://schemas.microsoft.com/office/drawing/2014/main" id="{B7A93CF4-905B-F31B-69BD-9BEBF9008D86}"/>
               </a:ext>
             </a:extLst>
           </p:cNvPr>
@@ -3453,7 +4410,15 @@
             <p:ph type="ftr" sz="quarter" idx="11"/>
           </p:nvPr>
         </p:nvSpPr>
-        <p:spPr/>
+        <p:spPr>
+          <a:xfrm>
+            <a:off x="4038600" y="6356350"/>
+            <a:ext cx="4114800" cy="365125"/>
+          </a:xfrm>
+          <a:prstGeom prst="rect">
+            <a:avLst/>
+          </a:prstGeom>
+        </p:spPr>
         <p:txBody>
           <a:bodyPr/>
           <a:lstStyle/>
@@ -3467,7 +4432,7 @@
           <p:cNvPr id="6" name="Slide Number Placeholder 5">
             <a:extLst>
               <a:ext uri="{FF2B5EF4-FFF2-40B4-BE49-F238E27FC236}">
-                <a16:creationId xmlns:a16="http://schemas.microsoft.com/office/drawing/2014/main" id="{292DE250-FF35-6AD5-3A95-9CDBFE6C2373}"/>
+                <a16:creationId xmlns:a16="http://schemas.microsoft.com/office/drawing/2014/main" id="{B9BD2B1C-442A-F5C9-9AEB-F9DE0158660F}"/>
               </a:ext>
             </a:extLst>
           </p:cNvPr>
@@ -3478,104 +4443,31 @@
             <p:ph type="sldNum" sz="quarter" idx="12"/>
           </p:nvPr>
         </p:nvSpPr>
-        <p:spPr/>
-        <p:txBody>
-          <a:bodyPr/>
-          <a:lstStyle/>
-          <a:p>
-            <a:fld id="{986C47A0-D0C4-4E8A-BEE9-37B09C3712B2}" type="slidenum">
-              <a:rPr lang="en-US" smtClean="0"/>
-              <a:t>‹#›</a:t>
-            </a:fld>
-            <a:endParaRPr lang="en-US"/>
-          </a:p>
-        </p:txBody>
-      </p:sp>
-    </p:spTree>
-    <p:extLst>
-      <p:ext uri="{BB962C8B-B14F-4D97-AF65-F5344CB8AC3E}">
-        <p14:creationId xmlns:p14="http://schemas.microsoft.com/office/powerpoint/2010/main" val="2492140018"/>
-      </p:ext>
-    </p:extLst>
-  </p:cSld>
-  <p:clrMapOvr>
-    <a:masterClrMapping/>
-  </p:clrMapOvr>
-</p:sldLayout>
-</file>
-
-<file path=ppt/slideLayouts/slideLayout18.xml><?xml version="1.0" encoding="utf-8"?>
-<p:sldLayout xmlns:a="http://schemas.openxmlformats.org/drawingml/2006/main" xmlns:r="http://schemas.openxmlformats.org/officeDocument/2006/relationships" xmlns:p="http://schemas.openxmlformats.org/presentationml/2006/main">
-  <p:cSld name="Contents slide layout">
-    <p:spTree>
-      <p:nvGrpSpPr>
-        <p:cNvPr id="1" name=""/>
-        <p:cNvGrpSpPr/>
-        <p:nvPr/>
-      </p:nvGrpSpPr>
-      <p:grpSpPr>
-        <a:xfrm>
-          <a:off x="0" y="0"/>
-          <a:ext cx="0" cy="0"/>
-          <a:chOff x="0" y="0"/>
-          <a:chExt cx="0" cy="0"/>
-        </a:xfrm>
-      </p:grpSpPr>
-      <p:sp>
-        <p:nvSpPr>
-          <p:cNvPr id="2" name="Text Placeholder 9">
-            <a:extLst>
-              <a:ext uri="{FF2B5EF4-FFF2-40B4-BE49-F238E27FC236}">
-                <a16:creationId xmlns:a16="http://schemas.microsoft.com/office/drawing/2014/main" id="{23DE32A5-6181-4C51-AD5C-3F1A448478A1}"/>
-              </a:ext>
-            </a:extLst>
-          </p:cNvPr>
-          <p:cNvSpPr>
-            <a:spLocks noGrp="1"/>
-          </p:cNvSpPr>
-          <p:nvPr>
-            <p:ph type="body" sz="quarter" idx="10" hasCustomPrompt="1"/>
-          </p:nvPr>
-        </p:nvSpPr>
         <p:spPr>
           <a:xfrm>
-            <a:off x="323529" y="339509"/>
-            <a:ext cx="11573197" cy="724247"/>
+            <a:off x="8610600" y="6356350"/>
+            <a:ext cx="2743200" cy="365125"/>
           </a:xfrm>
           <a:prstGeom prst="rect">
             <a:avLst/>
           </a:prstGeom>
         </p:spPr>
         <p:txBody>
-          <a:bodyPr anchor="ctr"/>
-          <a:lstStyle>
-            <a:lvl1pPr marL="0" indent="0" algn="ctr">
-              <a:buNone/>
-              <a:defRPr sz="5400" b="0" baseline="0">
-                <a:solidFill>
-                  <a:schemeClr val="tx1">
-                    <a:lumMod val="85000"/>
-                    <a:lumOff val="15000"/>
-                  </a:schemeClr>
-                </a:solidFill>
-                <a:latin typeface="+mj-lt"/>
-                <a:cs typeface="Arial" pitchFamily="34" charset="0"/>
-              </a:defRPr>
-            </a:lvl1pPr>
-          </a:lstStyle>
-          <a:p>
-            <a:pPr lvl="0"/>
-            <a:r>
-              <a:rPr lang="en-US" altLang="ko-KR" dirty="0"/>
-              <a:t>BASIC LAYOUT</a:t>
-            </a:r>
+          <a:bodyPr/>
+          <a:lstStyle/>
+          <a:p>
+            <a:fld id="{6C0014F0-3D1D-4459-A530-32E6C19AE461}" type="slidenum">
+              <a:rPr lang="en-US" smtClean="0"/>
+              <a:t>‹#›</a:t>
+            </a:fld>
+            <a:endParaRPr lang="en-US"/>
           </a:p>
         </p:txBody>
       </p:sp>
     </p:spTree>
     <p:extLst>
       <p:ext uri="{BB962C8B-B14F-4D97-AF65-F5344CB8AC3E}">
-        <p14:creationId xmlns:p14="http://schemas.microsoft.com/office/powerpoint/2010/main" val="2326417790"/>
+        <p14:creationId xmlns:p14="http://schemas.microsoft.com/office/powerpoint/2010/main" val="3611237992"/>
       </p:ext>
     </p:extLst>
   </p:cSld>
@@ -3930,7 +4822,7 @@
           <a:p>
             <a:fld id="{0BE24BAF-58C0-4D38-ABA0-4170CC92DC13}" type="datetimeFigureOut">
               <a:rPr lang="en-US" smtClean="0"/>
-              <a:t>6/27/2024</a:t>
+              <a:t>12/17/2024</a:t>
             </a:fld>
             <a:endParaRPr lang="en-US"/>
           </a:p>
@@ -4085,7 +4977,7 @@
 </file>
 
 <file path=ppt/slideLayouts/slideLayout7.xml><?xml version="1.0" encoding="utf-8"?>
-<p:sldLayout xmlns:a="http://schemas.openxmlformats.org/drawingml/2006/main" xmlns:r="http://schemas.openxmlformats.org/officeDocument/2006/relationships" xmlns:p="http://schemas.openxmlformats.org/presentationml/2006/main" type="title" preserve="1">
+<p:sldLayout xmlns:a="http://schemas.openxmlformats.org/drawingml/2006/main" xmlns:r="http://schemas.openxmlformats.org/officeDocument/2006/relationships" xmlns:p="http://schemas.openxmlformats.org/presentationml/2006/main" preserve="1" userDrawn="1">
   <p:cSld name="Title Slide">
     <p:spTree>
       <p:nvGrpSpPr>
@@ -4101,200 +4993,10 @@
           <a:chExt cx="0" cy="0"/>
         </a:xfrm>
       </p:grpSpPr>
-      <p:sp>
-        <p:nvSpPr>
-          <p:cNvPr id="2" name="Title 1">
-            <a:extLst>
-              <a:ext uri="{FF2B5EF4-FFF2-40B4-BE49-F238E27FC236}">
-                <a16:creationId xmlns:a16="http://schemas.microsoft.com/office/drawing/2014/main" id="{DD581941-0C9F-2373-780E-9153E7306EE0}"/>
-              </a:ext>
-            </a:extLst>
-          </p:cNvPr>
-          <p:cNvSpPr>
-            <a:spLocks noGrp="1"/>
-          </p:cNvSpPr>
-          <p:nvPr>
-            <p:ph type="ctrTitle"/>
-          </p:nvPr>
-        </p:nvSpPr>
-        <p:spPr>
-          <a:xfrm>
-            <a:off x="1524000" y="1122363"/>
-            <a:ext cx="9144000" cy="2387600"/>
-          </a:xfrm>
-        </p:spPr>
-        <p:txBody>
-          <a:bodyPr anchor="b"/>
-          <a:lstStyle>
-            <a:lvl1pPr algn="ctr">
-              <a:defRPr sz="6000"/>
-            </a:lvl1pPr>
-          </a:lstStyle>
-          <a:p>
-            <a:r>
-              <a:rPr lang="en-US"/>
-              <a:t>Click to edit Master title style</a:t>
-            </a:r>
-          </a:p>
-        </p:txBody>
-      </p:sp>
-      <p:sp>
-        <p:nvSpPr>
-          <p:cNvPr id="3" name="Subtitle 2">
-            <a:extLst>
-              <a:ext uri="{FF2B5EF4-FFF2-40B4-BE49-F238E27FC236}">
-                <a16:creationId xmlns:a16="http://schemas.microsoft.com/office/drawing/2014/main" id="{FC927A9A-3EED-7C12-0FFF-384113480AA1}"/>
-              </a:ext>
-            </a:extLst>
-          </p:cNvPr>
-          <p:cNvSpPr>
-            <a:spLocks noGrp="1"/>
-          </p:cNvSpPr>
-          <p:nvPr>
-            <p:ph type="subTitle" idx="1"/>
-          </p:nvPr>
-        </p:nvSpPr>
-        <p:spPr>
-          <a:xfrm>
-            <a:off x="1524000" y="3602038"/>
-            <a:ext cx="9144000" cy="1655762"/>
-          </a:xfrm>
-        </p:spPr>
-        <p:txBody>
-          <a:bodyPr/>
-          <a:lstStyle>
-            <a:lvl1pPr marL="0" indent="0" algn="ctr">
-              <a:buNone/>
-              <a:defRPr sz="2400"/>
-            </a:lvl1pPr>
-            <a:lvl2pPr marL="457200" indent="0" algn="ctr">
-              <a:buNone/>
-              <a:defRPr sz="2000"/>
-            </a:lvl2pPr>
-            <a:lvl3pPr marL="914400" indent="0" algn="ctr">
-              <a:buNone/>
-              <a:defRPr sz="1800"/>
-            </a:lvl3pPr>
-            <a:lvl4pPr marL="1371600" indent="0" algn="ctr">
-              <a:buNone/>
-              <a:defRPr sz="1600"/>
-            </a:lvl4pPr>
-            <a:lvl5pPr marL="1828800" indent="0" algn="ctr">
-              <a:buNone/>
-              <a:defRPr sz="1600"/>
-            </a:lvl5pPr>
-            <a:lvl6pPr marL="2286000" indent="0" algn="ctr">
-              <a:buNone/>
-              <a:defRPr sz="1600"/>
-            </a:lvl6pPr>
-            <a:lvl7pPr marL="2743200" indent="0" algn="ctr">
-              <a:buNone/>
-              <a:defRPr sz="1600"/>
-            </a:lvl7pPr>
-            <a:lvl8pPr marL="3200400" indent="0" algn="ctr">
-              <a:buNone/>
-              <a:defRPr sz="1600"/>
-            </a:lvl8pPr>
-            <a:lvl9pPr marL="3657600" indent="0" algn="ctr">
-              <a:buNone/>
-              <a:defRPr sz="1600"/>
-            </a:lvl9pPr>
-          </a:lstStyle>
-          <a:p>
-            <a:r>
-              <a:rPr lang="en-US"/>
-              <a:t>Click to edit Master subtitle style</a:t>
-            </a:r>
-          </a:p>
-        </p:txBody>
-      </p:sp>
-      <p:sp>
-        <p:nvSpPr>
-          <p:cNvPr id="4" name="Date Placeholder 3">
-            <a:extLst>
-              <a:ext uri="{FF2B5EF4-FFF2-40B4-BE49-F238E27FC236}">
-                <a16:creationId xmlns:a16="http://schemas.microsoft.com/office/drawing/2014/main" id="{E43FE0D7-D5FB-3326-9483-F15495075853}"/>
-              </a:ext>
-            </a:extLst>
-          </p:cNvPr>
-          <p:cNvSpPr>
-            <a:spLocks noGrp="1"/>
-          </p:cNvSpPr>
-          <p:nvPr>
-            <p:ph type="dt" sz="half" idx="10"/>
-          </p:nvPr>
-        </p:nvSpPr>
-        <p:spPr/>
-        <p:txBody>
-          <a:bodyPr/>
-          <a:lstStyle/>
-          <a:p>
-            <a:fld id="{0BE24BAF-58C0-4D38-ABA0-4170CC92DC13}" type="datetimeFigureOut">
-              <a:rPr lang="en-US" smtClean="0"/>
-              <a:t>6/27/2024</a:t>
-            </a:fld>
-            <a:endParaRPr lang="en-US"/>
-          </a:p>
-        </p:txBody>
-      </p:sp>
-      <p:sp>
-        <p:nvSpPr>
-          <p:cNvPr id="5" name="Footer Placeholder 4">
-            <a:extLst>
-              <a:ext uri="{FF2B5EF4-FFF2-40B4-BE49-F238E27FC236}">
-                <a16:creationId xmlns:a16="http://schemas.microsoft.com/office/drawing/2014/main" id="{AAEBCD6E-6B69-E7FF-A8EA-F8E294BDA7E7}"/>
-              </a:ext>
-            </a:extLst>
-          </p:cNvPr>
-          <p:cNvSpPr>
-            <a:spLocks noGrp="1"/>
-          </p:cNvSpPr>
-          <p:nvPr>
-            <p:ph type="ftr" sz="quarter" idx="11"/>
-          </p:nvPr>
-        </p:nvSpPr>
-        <p:spPr/>
-        <p:txBody>
-          <a:bodyPr/>
-          <a:lstStyle/>
-          <a:p>
-            <a:endParaRPr lang="en-US"/>
-          </a:p>
-        </p:txBody>
-      </p:sp>
-      <p:sp>
-        <p:nvSpPr>
-          <p:cNvPr id="6" name="Slide Number Placeholder 5">
-            <a:extLst>
-              <a:ext uri="{FF2B5EF4-FFF2-40B4-BE49-F238E27FC236}">
-                <a16:creationId xmlns:a16="http://schemas.microsoft.com/office/drawing/2014/main" id="{FF22DB5A-E75D-49DD-123C-37B6BC85E903}"/>
-              </a:ext>
-            </a:extLst>
-          </p:cNvPr>
-          <p:cNvSpPr>
-            <a:spLocks noGrp="1"/>
-          </p:cNvSpPr>
-          <p:nvPr>
-            <p:ph type="sldNum" sz="quarter" idx="12"/>
-          </p:nvPr>
-        </p:nvSpPr>
-        <p:spPr/>
-        <p:txBody>
-          <a:bodyPr/>
-          <a:lstStyle/>
-          <a:p>
-            <a:fld id="{13D5471E-615E-4FAD-96CF-E230E8BB09F6}" type="slidenum">
-              <a:rPr lang="en-US" smtClean="0"/>
-              <a:t>‹#›</a:t>
-            </a:fld>
-            <a:endParaRPr lang="en-US"/>
-          </a:p>
-        </p:txBody>
-      </p:sp>
     </p:spTree>
     <p:extLst>
       <p:ext uri="{BB962C8B-B14F-4D97-AF65-F5344CB8AC3E}">
-        <p14:creationId xmlns:p14="http://schemas.microsoft.com/office/powerpoint/2010/main" val="267940307"/>
+        <p14:creationId xmlns:p14="http://schemas.microsoft.com/office/powerpoint/2010/main" val="2151489345"/>
       </p:ext>
     </p:extLst>
   </p:cSld>
@@ -4326,7 +5028,7 @@
           <p:cNvPr id="2" name="Title 1">
             <a:extLst>
               <a:ext uri="{FF2B5EF4-FFF2-40B4-BE49-F238E27FC236}">
-                <a16:creationId xmlns:a16="http://schemas.microsoft.com/office/drawing/2014/main" id="{9B53F3F8-E052-488D-90D0-D947B99C4AE2}"/>
+                <a16:creationId xmlns:a16="http://schemas.microsoft.com/office/drawing/2014/main" id="{6A54579A-6906-4E6D-591C-C727DF060739}"/>
               </a:ext>
             </a:extLst>
           </p:cNvPr>
@@ -4337,7 +5039,15 @@
             <p:ph type="title"/>
           </p:nvPr>
         </p:nvSpPr>
-        <p:spPr/>
+        <p:spPr>
+          <a:xfrm>
+            <a:off x="602787" y="1498382"/>
+            <a:ext cx="10515600" cy="1325563"/>
+          </a:xfrm>
+          <a:prstGeom prst="rect">
+            <a:avLst/>
+          </a:prstGeom>
+        </p:spPr>
         <p:txBody>
           <a:bodyPr/>
           <a:lstStyle/>
@@ -4354,7 +5064,7 @@
           <p:cNvPr id="3" name="Content Placeholder 2">
             <a:extLst>
               <a:ext uri="{FF2B5EF4-FFF2-40B4-BE49-F238E27FC236}">
-                <a16:creationId xmlns:a16="http://schemas.microsoft.com/office/drawing/2014/main" id="{EDD73720-466D-068E-61C9-BDF9BF686AF3}"/>
+                <a16:creationId xmlns:a16="http://schemas.microsoft.com/office/drawing/2014/main" id="{9C426EAA-227D-5ECA-282E-3A3B3C8AE97C}"/>
               </a:ext>
             </a:extLst>
           </p:cNvPr>
@@ -4365,7 +5075,15 @@
             <p:ph idx="1"/>
           </p:nvPr>
         </p:nvSpPr>
-        <p:spPr/>
+        <p:spPr>
+          <a:xfrm>
+            <a:off x="838200" y="1825625"/>
+            <a:ext cx="10515600" cy="4351338"/>
+          </a:xfrm>
+          <a:prstGeom prst="rect">
+            <a:avLst/>
+          </a:prstGeom>
+        </p:spPr>
         <p:txBody>
           <a:bodyPr/>
           <a:lstStyle/>
@@ -4411,7 +5129,7 @@
           <p:cNvPr id="4" name="Date Placeholder 3">
             <a:extLst>
               <a:ext uri="{FF2B5EF4-FFF2-40B4-BE49-F238E27FC236}">
-                <a16:creationId xmlns:a16="http://schemas.microsoft.com/office/drawing/2014/main" id="{86D8B675-57D5-D89F-01F5-209268AB9E4B}"/>
+                <a16:creationId xmlns:a16="http://schemas.microsoft.com/office/drawing/2014/main" id="{7F651069-7D1F-49B9-3F01-D52A9F3A60B7}"/>
               </a:ext>
             </a:extLst>
           </p:cNvPr>
@@ -4422,14 +5140,22 @@
             <p:ph type="dt" sz="half" idx="10"/>
           </p:nvPr>
         </p:nvSpPr>
-        <p:spPr/>
+        <p:spPr>
+          <a:xfrm>
+            <a:off x="838200" y="6445249"/>
+            <a:ext cx="2743200" cy="365125"/>
+          </a:xfrm>
+          <a:prstGeom prst="rect">
+            <a:avLst/>
+          </a:prstGeom>
+        </p:spPr>
         <p:txBody>
           <a:bodyPr/>
           <a:lstStyle/>
           <a:p>
-            <a:fld id="{0D69348B-4620-44E9-BF3F-EACBA9EEF323}" type="datetimeFigureOut">
+            <a:fld id="{71087A05-F855-4434-8DDE-39A8542098A6}" type="datetimeFigureOut">
               <a:rPr lang="en-US" smtClean="0"/>
-              <a:t>6/27/2024</a:t>
+              <a:t>12/17/2024</a:t>
             </a:fld>
             <a:endParaRPr lang="en-US"/>
           </a:p>
@@ -4440,7 +5166,7 @@
           <p:cNvPr id="5" name="Footer Placeholder 4">
             <a:extLst>
               <a:ext uri="{FF2B5EF4-FFF2-40B4-BE49-F238E27FC236}">
-                <a16:creationId xmlns:a16="http://schemas.microsoft.com/office/drawing/2014/main" id="{7053F998-E2CB-02E4-49BF-97696F865F45}"/>
+                <a16:creationId xmlns:a16="http://schemas.microsoft.com/office/drawing/2014/main" id="{5756067D-C727-84C7-612B-F665F36170EE}"/>
               </a:ext>
             </a:extLst>
           </p:cNvPr>
@@ -4451,7 +5177,15 @@
             <p:ph type="ftr" sz="quarter" idx="11"/>
           </p:nvPr>
         </p:nvSpPr>
-        <p:spPr/>
+        <p:spPr>
+          <a:xfrm>
+            <a:off x="4038600" y="6356350"/>
+            <a:ext cx="4114800" cy="365125"/>
+          </a:xfrm>
+          <a:prstGeom prst="rect">
+            <a:avLst/>
+          </a:prstGeom>
+        </p:spPr>
         <p:txBody>
           <a:bodyPr/>
           <a:lstStyle/>
@@ -4465,7 +5199,7 @@
           <p:cNvPr id="6" name="Slide Number Placeholder 5">
             <a:extLst>
               <a:ext uri="{FF2B5EF4-FFF2-40B4-BE49-F238E27FC236}">
-                <a16:creationId xmlns:a16="http://schemas.microsoft.com/office/drawing/2014/main" id="{FED59867-B8CC-A6E9-DDC7-43729DA70B76}"/>
+                <a16:creationId xmlns:a16="http://schemas.microsoft.com/office/drawing/2014/main" id="{A3C64F88-1C59-3F79-931F-4F91F22F14D3}"/>
               </a:ext>
             </a:extLst>
           </p:cNvPr>
@@ -4476,12 +5210,20 @@
             <p:ph type="sldNum" sz="quarter" idx="12"/>
           </p:nvPr>
         </p:nvSpPr>
-        <p:spPr/>
+        <p:spPr>
+          <a:xfrm>
+            <a:off x="8610600" y="6356350"/>
+            <a:ext cx="2743200" cy="365125"/>
+          </a:xfrm>
+          <a:prstGeom prst="rect">
+            <a:avLst/>
+          </a:prstGeom>
+        </p:spPr>
         <p:txBody>
           <a:bodyPr/>
           <a:lstStyle/>
           <a:p>
-            <a:fld id="{986C47A0-D0C4-4E8A-BEE9-37B09C3712B2}" type="slidenum">
+            <a:fld id="{6C0014F0-3D1D-4459-A530-32E6C19AE461}" type="slidenum">
               <a:rPr lang="en-US" smtClean="0"/>
               <a:t>‹#›</a:t>
             </a:fld>
@@ -4492,7 +5234,7 @@
     </p:spTree>
     <p:extLst>
       <p:ext uri="{BB962C8B-B14F-4D97-AF65-F5344CB8AC3E}">
-        <p14:creationId xmlns:p14="http://schemas.microsoft.com/office/powerpoint/2010/main" val="1773732037"/>
+        <p14:creationId xmlns:p14="http://schemas.microsoft.com/office/powerpoint/2010/main" val="3684463416"/>
       </p:ext>
     </p:extLst>
   </p:cSld>
@@ -4524,7 +5266,7 @@
           <p:cNvPr id="2" name="Title 1">
             <a:extLst>
               <a:ext uri="{FF2B5EF4-FFF2-40B4-BE49-F238E27FC236}">
-                <a16:creationId xmlns:a16="http://schemas.microsoft.com/office/drawing/2014/main" id="{24562E59-A35F-2B41-2BE7-EC4592347134}"/>
+                <a16:creationId xmlns:a16="http://schemas.microsoft.com/office/drawing/2014/main" id="{C2E67B73-4EBE-86E7-DEDC-379A7358D71A}"/>
               </a:ext>
             </a:extLst>
           </p:cNvPr>
@@ -4540,6 +5282,9 @@
             <a:off x="831850" y="1709738"/>
             <a:ext cx="10515600" cy="2852737"/>
           </a:xfrm>
+          <a:prstGeom prst="rect">
+            <a:avLst/>
+          </a:prstGeom>
         </p:spPr>
         <p:txBody>
           <a:bodyPr anchor="b"/>
@@ -4561,7 +5306,7 @@
           <p:cNvPr id="3" name="Text Placeholder 2">
             <a:extLst>
               <a:ext uri="{FF2B5EF4-FFF2-40B4-BE49-F238E27FC236}">
-                <a16:creationId xmlns:a16="http://schemas.microsoft.com/office/drawing/2014/main" id="{6CB88CFD-8D25-CDFD-1F9A-6A5BAFD86DD9}"/>
+                <a16:creationId xmlns:a16="http://schemas.microsoft.com/office/drawing/2014/main" id="{39DC486F-4B2F-BAA7-822D-AF77A301C3EF}"/>
               </a:ext>
             </a:extLst>
           </p:cNvPr>
@@ -4577,6 +5322,9 @@
             <a:off x="831850" y="4589463"/>
             <a:ext cx="10515600" cy="1500187"/>
           </a:xfrm>
+          <a:prstGeom prst="rect">
+            <a:avLst/>
+          </a:prstGeom>
         </p:spPr>
         <p:txBody>
           <a:bodyPr/>
@@ -4586,7 +5334,7 @@
               <a:defRPr sz="2400">
                 <a:solidFill>
                   <a:schemeClr val="tx1">
-                    <a:tint val="75000"/>
+                    <a:tint val="82000"/>
                   </a:schemeClr>
                 </a:solidFill>
               </a:defRPr>
@@ -4596,7 +5344,7 @@
               <a:defRPr sz="2000">
                 <a:solidFill>
                   <a:schemeClr val="tx1">
-                    <a:tint val="75000"/>
+                    <a:tint val="82000"/>
                   </a:schemeClr>
                 </a:solidFill>
               </a:defRPr>
@@ -4606,7 +5354,7 @@
               <a:defRPr sz="1800">
                 <a:solidFill>
                   <a:schemeClr val="tx1">
-                    <a:tint val="75000"/>
+                    <a:tint val="82000"/>
                   </a:schemeClr>
                 </a:solidFill>
               </a:defRPr>
@@ -4616,7 +5364,7 @@
               <a:defRPr sz="1600">
                 <a:solidFill>
                   <a:schemeClr val="tx1">
-                    <a:tint val="75000"/>
+                    <a:tint val="82000"/>
                   </a:schemeClr>
                 </a:solidFill>
               </a:defRPr>
@@ -4626,7 +5374,7 @@
               <a:defRPr sz="1600">
                 <a:solidFill>
                   <a:schemeClr val="tx1">
-                    <a:tint val="75000"/>
+                    <a:tint val="82000"/>
                   </a:schemeClr>
                 </a:solidFill>
               </a:defRPr>
@@ -4636,7 +5384,7 @@
               <a:defRPr sz="1600">
                 <a:solidFill>
                   <a:schemeClr val="tx1">
-                    <a:tint val="75000"/>
+                    <a:tint val="82000"/>
                   </a:schemeClr>
                 </a:solidFill>
               </a:defRPr>
@@ -4646,7 +5394,7 @@
               <a:defRPr sz="1600">
                 <a:solidFill>
                   <a:schemeClr val="tx1">
-                    <a:tint val="75000"/>
+                    <a:tint val="82000"/>
                   </a:schemeClr>
                 </a:solidFill>
               </a:defRPr>
@@ -4656,7 +5404,7 @@
               <a:defRPr sz="1600">
                 <a:solidFill>
                   <a:schemeClr val="tx1">
-                    <a:tint val="75000"/>
+                    <a:tint val="82000"/>
                   </a:schemeClr>
                 </a:solidFill>
               </a:defRPr>
@@ -4666,7 +5414,7 @@
               <a:defRPr sz="1600">
                 <a:solidFill>
                   <a:schemeClr val="tx1">
-                    <a:tint val="75000"/>
+                    <a:tint val="82000"/>
                   </a:schemeClr>
                 </a:solidFill>
               </a:defRPr>
@@ -4686,7 +5434,7 @@
           <p:cNvPr id="4" name="Date Placeholder 3">
             <a:extLst>
               <a:ext uri="{FF2B5EF4-FFF2-40B4-BE49-F238E27FC236}">
-                <a16:creationId xmlns:a16="http://schemas.microsoft.com/office/drawing/2014/main" id="{5DC2235C-EA94-C1E9-D4DB-83056BF4C68F}"/>
+                <a16:creationId xmlns:a16="http://schemas.microsoft.com/office/drawing/2014/main" id="{AC1AB7C3-5E85-3B9F-4177-A1AF2AB486D8}"/>
               </a:ext>
             </a:extLst>
           </p:cNvPr>
@@ -4697,14 +5445,22 @@
             <p:ph type="dt" sz="half" idx="10"/>
           </p:nvPr>
         </p:nvSpPr>
-        <p:spPr/>
+        <p:spPr>
+          <a:xfrm>
+            <a:off x="838200" y="6445249"/>
+            <a:ext cx="2743200" cy="365125"/>
+          </a:xfrm>
+          <a:prstGeom prst="rect">
+            <a:avLst/>
+          </a:prstGeom>
+        </p:spPr>
         <p:txBody>
           <a:bodyPr/>
           <a:lstStyle/>
           <a:p>
-            <a:fld id="{0D69348B-4620-44E9-BF3F-EACBA9EEF323}" type="datetimeFigureOut">
+            <a:fld id="{71087A05-F855-4434-8DDE-39A8542098A6}" type="datetimeFigureOut">
               <a:rPr lang="en-US" smtClean="0"/>
-              <a:t>6/27/2024</a:t>
+              <a:t>12/17/2024</a:t>
             </a:fld>
             <a:endParaRPr lang="en-US"/>
           </a:p>
@@ -4715,7 +5471,7 @@
           <p:cNvPr id="5" name="Footer Placeholder 4">
             <a:extLst>
               <a:ext uri="{FF2B5EF4-FFF2-40B4-BE49-F238E27FC236}">
-                <a16:creationId xmlns:a16="http://schemas.microsoft.com/office/drawing/2014/main" id="{E178E07A-E8A4-2767-2911-D824C588F20D}"/>
+                <a16:creationId xmlns:a16="http://schemas.microsoft.com/office/drawing/2014/main" id="{8950E3CD-02DB-7A08-79DC-74CA926DE70F}"/>
               </a:ext>
             </a:extLst>
           </p:cNvPr>
@@ -4726,7 +5482,15 @@
             <p:ph type="ftr" sz="quarter" idx="11"/>
           </p:nvPr>
         </p:nvSpPr>
-        <p:spPr/>
+        <p:spPr>
+          <a:xfrm>
+            <a:off x="4038600" y="6356350"/>
+            <a:ext cx="4114800" cy="365125"/>
+          </a:xfrm>
+          <a:prstGeom prst="rect">
+            <a:avLst/>
+          </a:prstGeom>
+        </p:spPr>
         <p:txBody>
           <a:bodyPr/>
           <a:lstStyle/>
@@ -4740,7 +5504,7 @@
           <p:cNvPr id="6" name="Slide Number Placeholder 5">
             <a:extLst>
               <a:ext uri="{FF2B5EF4-FFF2-40B4-BE49-F238E27FC236}">
-                <a16:creationId xmlns:a16="http://schemas.microsoft.com/office/drawing/2014/main" id="{6D865987-67F3-82BA-9FFE-7A512551887E}"/>
+                <a16:creationId xmlns:a16="http://schemas.microsoft.com/office/drawing/2014/main" id="{78D6A67F-8469-E8AB-D35D-DEC64EA01BF9}"/>
               </a:ext>
             </a:extLst>
           </p:cNvPr>
@@ -4751,12 +5515,20 @@
             <p:ph type="sldNum" sz="quarter" idx="12"/>
           </p:nvPr>
         </p:nvSpPr>
-        <p:spPr/>
+        <p:spPr>
+          <a:xfrm>
+            <a:off x="8610600" y="6356350"/>
+            <a:ext cx="2743200" cy="365125"/>
+          </a:xfrm>
+          <a:prstGeom prst="rect">
+            <a:avLst/>
+          </a:prstGeom>
+        </p:spPr>
         <p:txBody>
           <a:bodyPr/>
           <a:lstStyle/>
           <a:p>
-            <a:fld id="{986C47A0-D0C4-4E8A-BEE9-37B09C3712B2}" type="slidenum">
+            <a:fld id="{6C0014F0-3D1D-4459-A530-32E6C19AE461}" type="slidenum">
               <a:rPr lang="en-US" smtClean="0"/>
               <a:t>‹#›</a:t>
             </a:fld>
@@ -4767,7 +5539,7 @@
     </p:spTree>
     <p:extLst>
       <p:ext uri="{BB962C8B-B14F-4D97-AF65-F5344CB8AC3E}">
-        <p14:creationId xmlns:p14="http://schemas.microsoft.com/office/powerpoint/2010/main" val="3968263454"/>
+        <p14:creationId xmlns:p14="http://schemas.microsoft.com/office/powerpoint/2010/main" val="3716874962"/>
       </p:ext>
     </p:extLst>
   </p:cSld>
@@ -5513,244 +6285,131 @@
           <a:chExt cx="0" cy="0"/>
         </a:xfrm>
       </p:grpSpPr>
-      <p:sp>
-        <p:nvSpPr>
-          <p:cNvPr id="2" name="Title Placeholder 1">
+      <p:pic>
+        <p:nvPicPr>
+          <p:cNvPr id="7" name="Picture 6">
             <a:extLst>
               <a:ext uri="{FF2B5EF4-FFF2-40B4-BE49-F238E27FC236}">
-                <a16:creationId xmlns:a16="http://schemas.microsoft.com/office/drawing/2014/main" id="{DADBBF7B-0A87-603A-6F96-ED995D2876BC}"/>
+                <a16:creationId xmlns:a16="http://schemas.microsoft.com/office/drawing/2014/main" id="{AEB2CF3C-8982-A5D5-05DB-5BF3F09E24AE}"/>
+              </a:ext>
+              <a:ext uri="{C183D7F6-B498-43B3-948B-1728B52AA6E4}">
+                <adec:decorative xmlns:adec="http://schemas.microsoft.com/office/drawing/2017/decorative" val="1"/>
               </a:ext>
             </a:extLst>
           </p:cNvPr>
-          <p:cNvSpPr>
-            <a:spLocks noGrp="1"/>
-          </p:cNvSpPr>
-          <p:nvPr>
-            <p:ph type="title"/>
-          </p:nvPr>
-        </p:nvSpPr>
+          <p:cNvPicPr>
+            <a:picLocks noChangeAspect="1"/>
+          </p:cNvPicPr>
+          <p:nvPr userDrawn="1"/>
+        </p:nvPicPr>
+        <p:blipFill>
+          <a:blip r:embed="rId13">
+            <a:extLst>
+              <a:ext uri="{28A0092B-C50C-407E-A947-70E740481C1C}">
+                <a14:useLocalDpi xmlns:a14="http://schemas.microsoft.com/office/drawing/2010/main" val="0"/>
+              </a:ext>
+            </a:extLst>
+          </a:blip>
+          <a:stretch>
+            <a:fillRect/>
+          </a:stretch>
+        </p:blipFill>
         <p:spPr>
           <a:xfrm>
-            <a:off x="838200" y="365125"/>
-            <a:ext cx="10515600" cy="1325563"/>
+            <a:off x="212436" y="236453"/>
+            <a:ext cx="11767127" cy="787737"/>
           </a:xfrm>
           <a:prstGeom prst="rect">
             <a:avLst/>
           </a:prstGeom>
         </p:spPr>
-        <p:txBody>
-          <a:bodyPr vert="horz" lIns="91440" tIns="45720" rIns="91440" bIns="45720" rtlCol="0" anchor="ctr">
-            <a:normAutofit/>
-          </a:bodyPr>
-          <a:lstStyle/>
-          <a:p>
-            <a:r>
-              <a:rPr lang="en-US"/>
-              <a:t>Click to edit Master title style</a:t>
-            </a:r>
-          </a:p>
-        </p:txBody>
-      </p:sp>
-      <p:sp>
-        <p:nvSpPr>
-          <p:cNvPr id="3" name="Text Placeholder 2">
+      </p:pic>
+      <p:cxnSp>
+        <p:nvCxnSpPr>
+          <p:cNvPr id="9" name="Straight Connector 8">
             <a:extLst>
               <a:ext uri="{FF2B5EF4-FFF2-40B4-BE49-F238E27FC236}">
-                <a16:creationId xmlns:a16="http://schemas.microsoft.com/office/drawing/2014/main" id="{1EBB9990-0CBB-2977-C631-37F97EB6D7A7}"/>
+                <a16:creationId xmlns:a16="http://schemas.microsoft.com/office/drawing/2014/main" id="{DE7FEFD9-5638-352F-A6ED-06F1FDE322D4}"/>
               </a:ext>
             </a:extLst>
           </p:cNvPr>
-          <p:cNvSpPr>
-            <a:spLocks noGrp="1"/>
-          </p:cNvSpPr>
-          <p:nvPr>
-            <p:ph type="body" idx="1"/>
-          </p:nvPr>
+          <p:cNvCxnSpPr>
+            <a:cxnSpLocks/>
+          </p:cNvCxnSpPr>
+          <p:nvPr userDrawn="1"/>
+        </p:nvCxnSpPr>
+        <p:spPr>
+          <a:xfrm>
+            <a:off x="175490" y="1099127"/>
+            <a:ext cx="11841020" cy="0"/>
+          </a:xfrm>
+          <a:prstGeom prst="line">
+            <a:avLst/>
+          </a:prstGeom>
+          <a:ln w="38100">
+            <a:solidFill>
+              <a:srgbClr val="A13C39"/>
+            </a:solidFill>
+          </a:ln>
+        </p:spPr>
+        <p:style>
+          <a:lnRef idx="2">
+            <a:schemeClr val="accent1"/>
+          </a:lnRef>
+          <a:fillRef idx="0">
+            <a:schemeClr val="accent1"/>
+          </a:fillRef>
+          <a:effectRef idx="1">
+            <a:schemeClr val="accent1"/>
+          </a:effectRef>
+          <a:fontRef idx="minor">
+            <a:schemeClr val="tx1"/>
+          </a:fontRef>
+        </p:style>
+      </p:cxnSp>
+      <p:sp>
+        <p:nvSpPr>
+          <p:cNvPr id="11" name="Rectangle 10">
+            <a:extLst>
+              <a:ext uri="{FF2B5EF4-FFF2-40B4-BE49-F238E27FC236}">
+                <a16:creationId xmlns:a16="http://schemas.microsoft.com/office/drawing/2014/main" id="{910C5C32-408D-8072-82C8-297384424B54}"/>
+              </a:ext>
+            </a:extLst>
+          </p:cNvPr>
+          <p:cNvSpPr/>
+          <p:nvPr userDrawn="1"/>
         </p:nvSpPr>
         <p:spPr>
           <a:xfrm>
-            <a:off x="838200" y="1825625"/>
-            <a:ext cx="10515600" cy="4351338"/>
+            <a:off x="175492" y="184727"/>
+            <a:ext cx="11841018" cy="6493164"/>
           </a:xfrm>
           <a:prstGeom prst="rect">
             <a:avLst/>
           </a:prstGeom>
+          <a:noFill/>
         </p:spPr>
+        <p:style>
+          <a:lnRef idx="2">
+            <a:schemeClr val="accent1">
+              <a:shade val="15000"/>
+            </a:schemeClr>
+          </a:lnRef>
+          <a:fillRef idx="1">
+            <a:schemeClr val="accent1"/>
+          </a:fillRef>
+          <a:effectRef idx="0">
+            <a:schemeClr val="accent1"/>
+          </a:effectRef>
+          <a:fontRef idx="minor">
+            <a:schemeClr val="lt1"/>
+          </a:fontRef>
+        </p:style>
         <p:txBody>
-          <a:bodyPr vert="horz" lIns="91440" tIns="45720" rIns="91440" bIns="45720" rtlCol="0">
-            <a:normAutofit/>
-          </a:bodyPr>
+          <a:bodyPr rtlCol="0" anchor="ctr"/>
           <a:lstStyle/>
           <a:p>
-            <a:pPr lvl="0"/>
-            <a:r>
-              <a:rPr lang="en-US"/>
-              <a:t>Click to edit Master text styles</a:t>
-            </a:r>
-          </a:p>
-          <a:p>
-            <a:pPr lvl="1"/>
-            <a:r>
-              <a:rPr lang="en-US"/>
-              <a:t>Second level</a:t>
-            </a:r>
-          </a:p>
-          <a:p>
-            <a:pPr lvl="2"/>
-            <a:r>
-              <a:rPr lang="en-US"/>
-              <a:t>Third level</a:t>
-            </a:r>
-          </a:p>
-          <a:p>
-            <a:pPr lvl="3"/>
-            <a:r>
-              <a:rPr lang="en-US"/>
-              <a:t>Fourth level</a:t>
-            </a:r>
-          </a:p>
-          <a:p>
-            <a:pPr lvl="4"/>
-            <a:r>
-              <a:rPr lang="en-US"/>
-              <a:t>Fifth level</a:t>
-            </a:r>
-          </a:p>
-        </p:txBody>
-      </p:sp>
-      <p:sp>
-        <p:nvSpPr>
-          <p:cNvPr id="4" name="Date Placeholder 3">
-            <a:extLst>
-              <a:ext uri="{FF2B5EF4-FFF2-40B4-BE49-F238E27FC236}">
-                <a16:creationId xmlns:a16="http://schemas.microsoft.com/office/drawing/2014/main" id="{F336638E-F817-1BC9-ECB7-18071DC44D12}"/>
-              </a:ext>
-            </a:extLst>
-          </p:cNvPr>
-          <p:cNvSpPr>
-            <a:spLocks noGrp="1"/>
-          </p:cNvSpPr>
-          <p:nvPr>
-            <p:ph type="dt" sz="half" idx="2"/>
-          </p:nvPr>
-        </p:nvSpPr>
-        <p:spPr>
-          <a:xfrm>
-            <a:off x="838200" y="6356350"/>
-            <a:ext cx="2743200" cy="365125"/>
-          </a:xfrm>
-          <a:prstGeom prst="rect">
-            <a:avLst/>
-          </a:prstGeom>
-        </p:spPr>
-        <p:txBody>
-          <a:bodyPr vert="horz" lIns="91440" tIns="45720" rIns="91440" bIns="45720" rtlCol="0" anchor="ctr"/>
-          <a:lstStyle>
-            <a:lvl1pPr algn="l">
-              <a:defRPr sz="1200">
-                <a:solidFill>
-                  <a:schemeClr val="tx1">
-                    <a:tint val="75000"/>
-                  </a:schemeClr>
-                </a:solidFill>
-              </a:defRPr>
-            </a:lvl1pPr>
-          </a:lstStyle>
-          <a:p>
-            <a:fld id="{0D69348B-4620-44E9-BF3F-EACBA9EEF323}" type="datetimeFigureOut">
-              <a:rPr lang="en-US" smtClean="0"/>
-              <a:t>6/27/2024</a:t>
-            </a:fld>
-            <a:endParaRPr lang="en-US"/>
-          </a:p>
-        </p:txBody>
-      </p:sp>
-      <p:sp>
-        <p:nvSpPr>
-          <p:cNvPr id="5" name="Footer Placeholder 4">
-            <a:extLst>
-              <a:ext uri="{FF2B5EF4-FFF2-40B4-BE49-F238E27FC236}">
-                <a16:creationId xmlns:a16="http://schemas.microsoft.com/office/drawing/2014/main" id="{60C57151-F515-08FA-FD9F-F59EDF1B6581}"/>
-              </a:ext>
-            </a:extLst>
-          </p:cNvPr>
-          <p:cNvSpPr>
-            <a:spLocks noGrp="1"/>
-          </p:cNvSpPr>
-          <p:nvPr>
-            <p:ph type="ftr" sz="quarter" idx="3"/>
-          </p:nvPr>
-        </p:nvSpPr>
-        <p:spPr>
-          <a:xfrm>
-            <a:off x="4038600" y="6356350"/>
-            <a:ext cx="4114800" cy="365125"/>
-          </a:xfrm>
-          <a:prstGeom prst="rect">
-            <a:avLst/>
-          </a:prstGeom>
-        </p:spPr>
-        <p:txBody>
-          <a:bodyPr vert="horz" lIns="91440" tIns="45720" rIns="91440" bIns="45720" rtlCol="0" anchor="ctr"/>
-          <a:lstStyle>
-            <a:lvl1pPr algn="ctr">
-              <a:defRPr sz="1200">
-                <a:solidFill>
-                  <a:schemeClr val="tx1">
-                    <a:tint val="75000"/>
-                  </a:schemeClr>
-                </a:solidFill>
-              </a:defRPr>
-            </a:lvl1pPr>
-          </a:lstStyle>
-          <a:p>
-            <a:endParaRPr lang="en-US"/>
-          </a:p>
-        </p:txBody>
-      </p:sp>
-      <p:sp>
-        <p:nvSpPr>
-          <p:cNvPr id="6" name="Slide Number Placeholder 5">
-            <a:extLst>
-              <a:ext uri="{FF2B5EF4-FFF2-40B4-BE49-F238E27FC236}">
-                <a16:creationId xmlns:a16="http://schemas.microsoft.com/office/drawing/2014/main" id="{F7D361D9-183D-9DF9-C01C-5B530B1CB880}"/>
-              </a:ext>
-            </a:extLst>
-          </p:cNvPr>
-          <p:cNvSpPr>
-            <a:spLocks noGrp="1"/>
-          </p:cNvSpPr>
-          <p:nvPr>
-            <p:ph type="sldNum" sz="quarter" idx="4"/>
-          </p:nvPr>
-        </p:nvSpPr>
-        <p:spPr>
-          <a:xfrm>
-            <a:off x="8610600" y="6356350"/>
-            <a:ext cx="2743200" cy="365125"/>
-          </a:xfrm>
-          <a:prstGeom prst="rect">
-            <a:avLst/>
-          </a:prstGeom>
-        </p:spPr>
-        <p:txBody>
-          <a:bodyPr vert="horz" lIns="91440" tIns="45720" rIns="91440" bIns="45720" rtlCol="0" anchor="ctr"/>
-          <a:lstStyle>
-            <a:lvl1pPr algn="r">
-              <a:defRPr sz="1200">
-                <a:solidFill>
-                  <a:schemeClr val="tx1">
-                    <a:tint val="75000"/>
-                  </a:schemeClr>
-                </a:solidFill>
-              </a:defRPr>
-            </a:lvl1pPr>
-          </a:lstStyle>
-          <a:p>
-            <a:fld id="{986C47A0-D0C4-4E8A-BEE9-37B09C3712B2}" type="slidenum">
-              <a:rPr lang="en-US" smtClean="0"/>
-              <a:t>‹#›</a:t>
-            </a:fld>
+            <a:pPr algn="ctr"/>
             <a:endParaRPr lang="en-US"/>
           </a:p>
         </p:txBody>
@@ -5758,28 +6417,27 @@
     </p:spTree>
     <p:extLst>
       <p:ext uri="{BB962C8B-B14F-4D97-AF65-F5344CB8AC3E}">
-        <p14:creationId xmlns:p14="http://schemas.microsoft.com/office/powerpoint/2010/main" val="3136267371"/>
+        <p14:creationId xmlns:p14="http://schemas.microsoft.com/office/powerpoint/2010/main" val="4049376308"/>
       </p:ext>
     </p:extLst>
   </p:cSld>
   <p:clrMap bg1="lt1" tx1="dk1" bg2="lt2" tx2="dk2" accent1="accent1" accent2="accent2" accent3="accent3" accent4="accent4" accent5="accent5" accent6="accent6" hlink="hlink" folHlink="folHlink"/>
   <p:sldLayoutIdLst>
-    <p:sldLayoutId id="2147483682" r:id="rId1"/>
-    <p:sldLayoutId id="2147483683" r:id="rId2"/>
-    <p:sldLayoutId id="2147483684" r:id="rId3"/>
-    <p:sldLayoutId id="2147483685" r:id="rId4"/>
-    <p:sldLayoutId id="2147483686" r:id="rId5"/>
-    <p:sldLayoutId id="2147483687" r:id="rId6"/>
-    <p:sldLayoutId id="2147483688" r:id="rId7"/>
-    <p:sldLayoutId id="2147483689" r:id="rId8"/>
-    <p:sldLayoutId id="2147483690" r:id="rId9"/>
-    <p:sldLayoutId id="2147483691" r:id="rId10"/>
-    <p:sldLayoutId id="2147483692" r:id="rId11"/>
-    <p:sldLayoutId id="2147483693" r:id="rId12"/>
+    <p:sldLayoutId id="2147483695" r:id="rId1"/>
+    <p:sldLayoutId id="2147483696" r:id="rId2"/>
+    <p:sldLayoutId id="2147483697" r:id="rId3"/>
+    <p:sldLayoutId id="2147483698" r:id="rId4"/>
+    <p:sldLayoutId id="2147483699" r:id="rId5"/>
+    <p:sldLayoutId id="2147483700" r:id="rId6"/>
+    <p:sldLayoutId id="2147483701" r:id="rId7"/>
+    <p:sldLayoutId id="2147483702" r:id="rId8"/>
+    <p:sldLayoutId id="2147483703" r:id="rId9"/>
+    <p:sldLayoutId id="2147483704" r:id="rId10"/>
+    <p:sldLayoutId id="2147483705" r:id="rId11"/>
   </p:sldLayoutIdLst>
   <p:txStyles>
     <p:titleStyle>
-      <a:lvl1pPr algn="l" defTabSz="914400" rtl="0" eaLnBrk="1" latinLnBrk="0" hangingPunct="1">
+      <a:lvl1pPr algn="ctr" defTabSz="914400" rtl="0" eaLnBrk="1" latinLnBrk="0" hangingPunct="1">
         <a:lnSpc>
           <a:spcPct val="90000"/>
         </a:lnSpc>
@@ -6079,60 +6737,257 @@
       </p:grpSpPr>
       <p:sp>
         <p:nvSpPr>
-          <p:cNvPr id="2" name="Title 1">
+          <p:cNvPr id="4" name="Title 1">
             <a:extLst>
               <a:ext uri="{FF2B5EF4-FFF2-40B4-BE49-F238E27FC236}">
                 <a16:creationId xmlns:a16="http://schemas.microsoft.com/office/drawing/2014/main" id="{6FCA7FD7-E3CD-7A2C-5AF7-2EE59026C9D4}"/>
               </a:ext>
             </a:extLst>
           </p:cNvPr>
-          <p:cNvSpPr>
-            <a:spLocks noGrp="1"/>
+          <p:cNvSpPr txBox="1">
+            <a:spLocks/>
           </p:cNvSpPr>
-          <p:nvPr>
-            <p:ph type="ctrTitle"/>
-          </p:nvPr>
+          <p:nvPr/>
         </p:nvSpPr>
-        <p:spPr/>
+        <p:spPr>
+          <a:xfrm>
+            <a:off x="2357885" y="2757579"/>
+            <a:ext cx="7476227" cy="749569"/>
+          </a:xfrm>
+          <a:prstGeom prst="rect">
+            <a:avLst/>
+          </a:prstGeom>
+        </p:spPr>
         <p:txBody>
           <a:bodyPr/>
-          <a:lstStyle/>
-          <a:p>
+          <a:lstStyle>
+            <a:lvl1pPr algn="ctr" defTabSz="914400" rtl="0" eaLnBrk="1" latinLnBrk="0" hangingPunct="1">
+              <a:lnSpc>
+                <a:spcPct val="90000"/>
+              </a:lnSpc>
+              <a:spcBef>
+                <a:spcPct val="0"/>
+              </a:spcBef>
+              <a:buNone/>
+              <a:defRPr sz="4400" kern="1200">
+                <a:solidFill>
+                  <a:schemeClr val="tx1"/>
+                </a:solidFill>
+                <a:latin typeface="+mj-lt"/>
+                <a:ea typeface="+mj-ea"/>
+                <a:cs typeface="+mj-cs"/>
+              </a:defRPr>
+            </a:lvl1pPr>
+          </a:lstStyle>
+          <a:p>
+            <a:pPr fontAlgn="auto">
+              <a:spcAft>
+                <a:spcPts val="0"/>
+              </a:spcAft>
+            </a:pPr>
             <a:r>
               <a:rPr lang="en-US" dirty="0"/>
-              <a:t>CYBER 360:</a:t>
-            </a:r>
-            <a:br>
-              <a:rPr lang="en-US" dirty="0"/>
-            </a:br>
-            <a:r>
-              <a:rPr lang="en-US" dirty="0"/>
-              <a:t>Advanced Scripting</a:t>
+              <a:t>CYBER 360: Advanced Scripting</a:t>
             </a:r>
           </a:p>
         </p:txBody>
       </p:sp>
       <p:sp>
         <p:nvSpPr>
-          <p:cNvPr id="3" name="Subtitle 2">
+          <p:cNvPr id="5" name="Subtitle 2">
             <a:extLst>
               <a:ext uri="{FF2B5EF4-FFF2-40B4-BE49-F238E27FC236}">
                 <a16:creationId xmlns:a16="http://schemas.microsoft.com/office/drawing/2014/main" id="{8586CD17-5B17-5D66-987C-05DC748B3FF9}"/>
               </a:ext>
             </a:extLst>
           </p:cNvPr>
-          <p:cNvSpPr>
-            <a:spLocks noGrp="1"/>
+          <p:cNvSpPr txBox="1">
+            <a:spLocks/>
           </p:cNvSpPr>
-          <p:nvPr>
-            <p:ph type="subTitle" idx="1"/>
-          </p:nvPr>
+          <p:nvPr/>
         </p:nvSpPr>
-        <p:spPr/>
+        <p:spPr>
+          <a:xfrm>
+            <a:off x="4282613" y="3507148"/>
+            <a:ext cx="3626769" cy="590400"/>
+          </a:xfrm>
+          <a:prstGeom prst="rect">
+            <a:avLst/>
+          </a:prstGeom>
+        </p:spPr>
         <p:txBody>
           <a:bodyPr/>
-          <a:lstStyle/>
-          <a:p>
+          <a:lstStyle>
+            <a:lvl1pPr marL="228600" indent="-228600" algn="l" defTabSz="914400" rtl="0" eaLnBrk="1" latinLnBrk="0" hangingPunct="1">
+              <a:lnSpc>
+                <a:spcPct val="90000"/>
+              </a:lnSpc>
+              <a:spcBef>
+                <a:spcPts val="1000"/>
+              </a:spcBef>
+              <a:buFont typeface="Arial" panose="020B0604020202020204" pitchFamily="34" charset="0"/>
+              <a:buChar char="•"/>
+              <a:defRPr sz="2800" kern="1200">
+                <a:solidFill>
+                  <a:schemeClr val="tx1"/>
+                </a:solidFill>
+                <a:latin typeface="+mn-lt"/>
+                <a:ea typeface="+mn-ea"/>
+                <a:cs typeface="+mn-cs"/>
+              </a:defRPr>
+            </a:lvl1pPr>
+            <a:lvl2pPr marL="685800" indent="-228600" algn="l" defTabSz="914400" rtl="0" eaLnBrk="1" latinLnBrk="0" hangingPunct="1">
+              <a:lnSpc>
+                <a:spcPct val="90000"/>
+              </a:lnSpc>
+              <a:spcBef>
+                <a:spcPts val="500"/>
+              </a:spcBef>
+              <a:buFont typeface="Arial" panose="020B0604020202020204" pitchFamily="34" charset="0"/>
+              <a:buChar char="•"/>
+              <a:defRPr sz="2400" kern="1200">
+                <a:solidFill>
+                  <a:schemeClr val="tx1"/>
+                </a:solidFill>
+                <a:latin typeface="+mn-lt"/>
+                <a:ea typeface="+mn-ea"/>
+                <a:cs typeface="+mn-cs"/>
+              </a:defRPr>
+            </a:lvl2pPr>
+            <a:lvl3pPr marL="1143000" indent="-228600" algn="l" defTabSz="914400" rtl="0" eaLnBrk="1" latinLnBrk="0" hangingPunct="1">
+              <a:lnSpc>
+                <a:spcPct val="90000"/>
+              </a:lnSpc>
+              <a:spcBef>
+                <a:spcPts val="500"/>
+              </a:spcBef>
+              <a:buFont typeface="Arial" panose="020B0604020202020204" pitchFamily="34" charset="0"/>
+              <a:buChar char="•"/>
+              <a:defRPr sz="2000" kern="1200">
+                <a:solidFill>
+                  <a:schemeClr val="tx1"/>
+                </a:solidFill>
+                <a:latin typeface="+mn-lt"/>
+                <a:ea typeface="+mn-ea"/>
+                <a:cs typeface="+mn-cs"/>
+              </a:defRPr>
+            </a:lvl3pPr>
+            <a:lvl4pPr marL="1600200" indent="-228600" algn="l" defTabSz="914400" rtl="0" eaLnBrk="1" latinLnBrk="0" hangingPunct="1">
+              <a:lnSpc>
+                <a:spcPct val="90000"/>
+              </a:lnSpc>
+              <a:spcBef>
+                <a:spcPts val="500"/>
+              </a:spcBef>
+              <a:buFont typeface="Arial" panose="020B0604020202020204" pitchFamily="34" charset="0"/>
+              <a:buChar char="•"/>
+              <a:defRPr sz="1800" kern="1200">
+                <a:solidFill>
+                  <a:schemeClr val="tx1"/>
+                </a:solidFill>
+                <a:latin typeface="+mn-lt"/>
+                <a:ea typeface="+mn-ea"/>
+                <a:cs typeface="+mn-cs"/>
+              </a:defRPr>
+            </a:lvl4pPr>
+            <a:lvl5pPr marL="2057400" indent="-228600" algn="l" defTabSz="914400" rtl="0" eaLnBrk="1" latinLnBrk="0" hangingPunct="1">
+              <a:lnSpc>
+                <a:spcPct val="90000"/>
+              </a:lnSpc>
+              <a:spcBef>
+                <a:spcPts val="500"/>
+              </a:spcBef>
+              <a:buFont typeface="Arial" panose="020B0604020202020204" pitchFamily="34" charset="0"/>
+              <a:buChar char="•"/>
+              <a:defRPr sz="1800" kern="1200">
+                <a:solidFill>
+                  <a:schemeClr val="tx1"/>
+                </a:solidFill>
+                <a:latin typeface="+mn-lt"/>
+                <a:ea typeface="+mn-ea"/>
+                <a:cs typeface="+mn-cs"/>
+              </a:defRPr>
+            </a:lvl5pPr>
+            <a:lvl6pPr marL="2514600" indent="-228600" algn="l" defTabSz="914400" rtl="0" eaLnBrk="1" latinLnBrk="0" hangingPunct="1">
+              <a:lnSpc>
+                <a:spcPct val="90000"/>
+              </a:lnSpc>
+              <a:spcBef>
+                <a:spcPts val="500"/>
+              </a:spcBef>
+              <a:buFont typeface="Arial" panose="020B0604020202020204" pitchFamily="34" charset="0"/>
+              <a:buChar char="•"/>
+              <a:defRPr sz="1800" kern="1200">
+                <a:solidFill>
+                  <a:schemeClr val="tx1"/>
+                </a:solidFill>
+                <a:latin typeface="+mn-lt"/>
+                <a:ea typeface="+mn-ea"/>
+                <a:cs typeface="+mn-cs"/>
+              </a:defRPr>
+            </a:lvl6pPr>
+            <a:lvl7pPr marL="2971800" indent="-228600" algn="l" defTabSz="914400" rtl="0" eaLnBrk="1" latinLnBrk="0" hangingPunct="1">
+              <a:lnSpc>
+                <a:spcPct val="90000"/>
+              </a:lnSpc>
+              <a:spcBef>
+                <a:spcPts val="500"/>
+              </a:spcBef>
+              <a:buFont typeface="Arial" panose="020B0604020202020204" pitchFamily="34" charset="0"/>
+              <a:buChar char="•"/>
+              <a:defRPr sz="1800" kern="1200">
+                <a:solidFill>
+                  <a:schemeClr val="tx1"/>
+                </a:solidFill>
+                <a:latin typeface="+mn-lt"/>
+                <a:ea typeface="+mn-ea"/>
+                <a:cs typeface="+mn-cs"/>
+              </a:defRPr>
+            </a:lvl7pPr>
+            <a:lvl8pPr marL="3429000" indent="-228600" algn="l" defTabSz="914400" rtl="0" eaLnBrk="1" latinLnBrk="0" hangingPunct="1">
+              <a:lnSpc>
+                <a:spcPct val="90000"/>
+              </a:lnSpc>
+              <a:spcBef>
+                <a:spcPts val="500"/>
+              </a:spcBef>
+              <a:buFont typeface="Arial" panose="020B0604020202020204" pitchFamily="34" charset="0"/>
+              <a:buChar char="•"/>
+              <a:defRPr sz="1800" kern="1200">
+                <a:solidFill>
+                  <a:schemeClr val="tx1"/>
+                </a:solidFill>
+                <a:latin typeface="+mn-lt"/>
+                <a:ea typeface="+mn-ea"/>
+                <a:cs typeface="+mn-cs"/>
+              </a:defRPr>
+            </a:lvl8pPr>
+            <a:lvl9pPr marL="3886200" indent="-228600" algn="l" defTabSz="914400" rtl="0" eaLnBrk="1" latinLnBrk="0" hangingPunct="1">
+              <a:lnSpc>
+                <a:spcPct val="90000"/>
+              </a:lnSpc>
+              <a:spcBef>
+                <a:spcPts val="500"/>
+              </a:spcBef>
+              <a:buFont typeface="Arial" panose="020B0604020202020204" pitchFamily="34" charset="0"/>
+              <a:buChar char="•"/>
+              <a:defRPr sz="1800" kern="1200">
+                <a:solidFill>
+                  <a:schemeClr val="tx1"/>
+                </a:solidFill>
+                <a:latin typeface="+mn-lt"/>
+                <a:ea typeface="+mn-ea"/>
+                <a:cs typeface="+mn-cs"/>
+              </a:defRPr>
+            </a:lvl9pPr>
+          </a:lstStyle>
+          <a:p>
+            <a:pPr marL="0" indent="0" fontAlgn="auto">
+              <a:spcAft>
+                <a:spcPts val="0"/>
+              </a:spcAft>
+              <a:buNone/>
+            </a:pPr>
             <a:r>
               <a:rPr lang="en-US" dirty="0"/>
               <a:t>9.1: Modules In-Depth</a:t>
@@ -6143,7 +6998,7 @@
     </p:spTree>
     <p:extLst>
       <p:ext uri="{BB962C8B-B14F-4D97-AF65-F5344CB8AC3E}">
-        <p14:creationId xmlns:p14="http://schemas.microsoft.com/office/powerpoint/2010/main" val="3644072983"/>
+        <p14:creationId xmlns:p14="http://schemas.microsoft.com/office/powerpoint/2010/main" val="325146105"/>
       </p:ext>
     </p:extLst>
   </p:cSld>
@@ -6172,26 +7027,54 @@
       </p:grpSpPr>
       <p:sp>
         <p:nvSpPr>
-          <p:cNvPr id="2" name="Title 1">
+          <p:cNvPr id="4" name="Title 1">
             <a:extLst>
               <a:ext uri="{FF2B5EF4-FFF2-40B4-BE49-F238E27FC236}">
                 <a16:creationId xmlns:a16="http://schemas.microsoft.com/office/drawing/2014/main" id="{AF4FFC57-4A5F-4049-833E-147BCB7DCB3C}"/>
               </a:ext>
             </a:extLst>
           </p:cNvPr>
-          <p:cNvSpPr>
-            <a:spLocks noGrp="1"/>
+          <p:cNvSpPr txBox="1">
+            <a:spLocks/>
           </p:cNvSpPr>
-          <p:nvPr>
-            <p:ph type="title"/>
-          </p:nvPr>
+          <p:nvPr/>
         </p:nvSpPr>
-        <p:spPr/>
+        <p:spPr>
+          <a:xfrm>
+            <a:off x="2680657" y="1326746"/>
+            <a:ext cx="6830683" cy="760848"/>
+          </a:xfrm>
+          <a:prstGeom prst="rect">
+            <a:avLst/>
+          </a:prstGeom>
+        </p:spPr>
         <p:txBody>
           <a:bodyPr/>
-          <a:lstStyle/>
-          <a:p>
-            <a:pPr algn="ctr"/>
+          <a:lstStyle>
+            <a:lvl1pPr algn="ctr" defTabSz="914400" rtl="0" eaLnBrk="1" latinLnBrk="0" hangingPunct="1">
+              <a:lnSpc>
+                <a:spcPct val="90000"/>
+              </a:lnSpc>
+              <a:spcBef>
+                <a:spcPct val="0"/>
+              </a:spcBef>
+              <a:buNone/>
+              <a:defRPr sz="4400" kern="1200">
+                <a:solidFill>
+                  <a:schemeClr val="tx1"/>
+                </a:solidFill>
+                <a:latin typeface="+mj-lt"/>
+                <a:ea typeface="+mj-ea"/>
+                <a:cs typeface="+mj-cs"/>
+              </a:defRPr>
+            </a:lvl1pPr>
+          </a:lstStyle>
+          <a:p>
+            <a:pPr fontAlgn="auto">
+              <a:spcAft>
+                <a:spcPts val="0"/>
+              </a:spcAft>
+            </a:pPr>
             <a:r>
               <a:rPr lang="en-US" dirty="0"/>
               <a:t>Review: PowerShell modules</a:t>
@@ -6201,142 +7084,346 @@
       </p:sp>
       <p:sp>
         <p:nvSpPr>
-          <p:cNvPr id="3" name="Content Placeholder 2">
+          <p:cNvPr id="5" name="Content Placeholder 2">
             <a:extLst>
               <a:ext uri="{FF2B5EF4-FFF2-40B4-BE49-F238E27FC236}">
                 <a16:creationId xmlns:a16="http://schemas.microsoft.com/office/drawing/2014/main" id="{67DC0261-9386-BB1C-2085-8653B2A19191}"/>
               </a:ext>
             </a:extLst>
           </p:cNvPr>
-          <p:cNvSpPr>
-            <a:spLocks noGrp="1"/>
+          <p:cNvSpPr txBox="1">
+            <a:spLocks/>
           </p:cNvSpPr>
-          <p:nvPr>
-            <p:ph idx="1"/>
-          </p:nvPr>
+          <p:nvPr/>
         </p:nvSpPr>
-        <p:spPr/>
+        <p:spPr>
+          <a:xfrm>
+            <a:off x="838198" y="2087594"/>
+            <a:ext cx="10515600" cy="4351338"/>
+          </a:xfrm>
+          <a:prstGeom prst="rect">
+            <a:avLst/>
+          </a:prstGeom>
+        </p:spPr>
         <p:txBody>
           <a:bodyPr>
             <a:normAutofit/>
           </a:bodyPr>
-          <a:lstStyle/>
-          <a:p>
-            <a:r>
-              <a:rPr lang="en-US" dirty="0"/>
+          <a:lstStyle>
+            <a:lvl1pPr marL="228600" indent="-228600" algn="l" defTabSz="914400" rtl="0" eaLnBrk="1" latinLnBrk="0" hangingPunct="1">
+              <a:lnSpc>
+                <a:spcPct val="90000"/>
+              </a:lnSpc>
+              <a:spcBef>
+                <a:spcPts val="1000"/>
+              </a:spcBef>
+              <a:buFont typeface="Arial" panose="020B0604020202020204" pitchFamily="34" charset="0"/>
+              <a:buChar char="•"/>
+              <a:defRPr sz="2800" kern="1200">
+                <a:solidFill>
+                  <a:schemeClr val="tx1"/>
+                </a:solidFill>
+                <a:latin typeface="+mn-lt"/>
+                <a:ea typeface="+mn-ea"/>
+                <a:cs typeface="+mn-cs"/>
+              </a:defRPr>
+            </a:lvl1pPr>
+            <a:lvl2pPr marL="685800" indent="-228600" algn="l" defTabSz="914400" rtl="0" eaLnBrk="1" latinLnBrk="0" hangingPunct="1">
+              <a:lnSpc>
+                <a:spcPct val="90000"/>
+              </a:lnSpc>
+              <a:spcBef>
+                <a:spcPts val="500"/>
+              </a:spcBef>
+              <a:buFont typeface="Arial" panose="020B0604020202020204" pitchFamily="34" charset="0"/>
+              <a:buChar char="•"/>
+              <a:defRPr sz="2400" kern="1200">
+                <a:solidFill>
+                  <a:schemeClr val="tx1"/>
+                </a:solidFill>
+                <a:latin typeface="+mn-lt"/>
+                <a:ea typeface="+mn-ea"/>
+                <a:cs typeface="+mn-cs"/>
+              </a:defRPr>
+            </a:lvl2pPr>
+            <a:lvl3pPr marL="1143000" indent="-228600" algn="l" defTabSz="914400" rtl="0" eaLnBrk="1" latinLnBrk="0" hangingPunct="1">
+              <a:lnSpc>
+                <a:spcPct val="90000"/>
+              </a:lnSpc>
+              <a:spcBef>
+                <a:spcPts val="500"/>
+              </a:spcBef>
+              <a:buFont typeface="Arial" panose="020B0604020202020204" pitchFamily="34" charset="0"/>
+              <a:buChar char="•"/>
+              <a:defRPr sz="2000" kern="1200">
+                <a:solidFill>
+                  <a:schemeClr val="tx1"/>
+                </a:solidFill>
+                <a:latin typeface="+mn-lt"/>
+                <a:ea typeface="+mn-ea"/>
+                <a:cs typeface="+mn-cs"/>
+              </a:defRPr>
+            </a:lvl3pPr>
+            <a:lvl4pPr marL="1600200" indent="-228600" algn="l" defTabSz="914400" rtl="0" eaLnBrk="1" latinLnBrk="0" hangingPunct="1">
+              <a:lnSpc>
+                <a:spcPct val="90000"/>
+              </a:lnSpc>
+              <a:spcBef>
+                <a:spcPts val="500"/>
+              </a:spcBef>
+              <a:buFont typeface="Arial" panose="020B0604020202020204" pitchFamily="34" charset="0"/>
+              <a:buChar char="•"/>
+              <a:defRPr sz="1800" kern="1200">
+                <a:solidFill>
+                  <a:schemeClr val="tx1"/>
+                </a:solidFill>
+                <a:latin typeface="+mn-lt"/>
+                <a:ea typeface="+mn-ea"/>
+                <a:cs typeface="+mn-cs"/>
+              </a:defRPr>
+            </a:lvl4pPr>
+            <a:lvl5pPr marL="2057400" indent="-228600" algn="l" defTabSz="914400" rtl="0" eaLnBrk="1" latinLnBrk="0" hangingPunct="1">
+              <a:lnSpc>
+                <a:spcPct val="90000"/>
+              </a:lnSpc>
+              <a:spcBef>
+                <a:spcPts val="500"/>
+              </a:spcBef>
+              <a:buFont typeface="Arial" panose="020B0604020202020204" pitchFamily="34" charset="0"/>
+              <a:buChar char="•"/>
+              <a:defRPr sz="1800" kern="1200">
+                <a:solidFill>
+                  <a:schemeClr val="tx1"/>
+                </a:solidFill>
+                <a:latin typeface="+mn-lt"/>
+                <a:ea typeface="+mn-ea"/>
+                <a:cs typeface="+mn-cs"/>
+              </a:defRPr>
+            </a:lvl5pPr>
+            <a:lvl6pPr marL="2514600" indent="-228600" algn="l" defTabSz="914400" rtl="0" eaLnBrk="1" latinLnBrk="0" hangingPunct="1">
+              <a:lnSpc>
+                <a:spcPct val="90000"/>
+              </a:lnSpc>
+              <a:spcBef>
+                <a:spcPts val="500"/>
+              </a:spcBef>
+              <a:buFont typeface="Arial" panose="020B0604020202020204" pitchFamily="34" charset="0"/>
+              <a:buChar char="•"/>
+              <a:defRPr sz="1800" kern="1200">
+                <a:solidFill>
+                  <a:schemeClr val="tx1"/>
+                </a:solidFill>
+                <a:latin typeface="+mn-lt"/>
+                <a:ea typeface="+mn-ea"/>
+                <a:cs typeface="+mn-cs"/>
+              </a:defRPr>
+            </a:lvl6pPr>
+            <a:lvl7pPr marL="2971800" indent="-228600" algn="l" defTabSz="914400" rtl="0" eaLnBrk="1" latinLnBrk="0" hangingPunct="1">
+              <a:lnSpc>
+                <a:spcPct val="90000"/>
+              </a:lnSpc>
+              <a:spcBef>
+                <a:spcPts val="500"/>
+              </a:spcBef>
+              <a:buFont typeface="Arial" panose="020B0604020202020204" pitchFamily="34" charset="0"/>
+              <a:buChar char="•"/>
+              <a:defRPr sz="1800" kern="1200">
+                <a:solidFill>
+                  <a:schemeClr val="tx1"/>
+                </a:solidFill>
+                <a:latin typeface="+mn-lt"/>
+                <a:ea typeface="+mn-ea"/>
+                <a:cs typeface="+mn-cs"/>
+              </a:defRPr>
+            </a:lvl7pPr>
+            <a:lvl8pPr marL="3429000" indent="-228600" algn="l" defTabSz="914400" rtl="0" eaLnBrk="1" latinLnBrk="0" hangingPunct="1">
+              <a:lnSpc>
+                <a:spcPct val="90000"/>
+              </a:lnSpc>
+              <a:spcBef>
+                <a:spcPts val="500"/>
+              </a:spcBef>
+              <a:buFont typeface="Arial" panose="020B0604020202020204" pitchFamily="34" charset="0"/>
+              <a:buChar char="•"/>
+              <a:defRPr sz="1800" kern="1200">
+                <a:solidFill>
+                  <a:schemeClr val="tx1"/>
+                </a:solidFill>
+                <a:latin typeface="+mn-lt"/>
+                <a:ea typeface="+mn-ea"/>
+                <a:cs typeface="+mn-cs"/>
+              </a:defRPr>
+            </a:lvl8pPr>
+            <a:lvl9pPr marL="3886200" indent="-228600" algn="l" defTabSz="914400" rtl="0" eaLnBrk="1" latinLnBrk="0" hangingPunct="1">
+              <a:lnSpc>
+                <a:spcPct val="90000"/>
+              </a:lnSpc>
+              <a:spcBef>
+                <a:spcPts val="500"/>
+              </a:spcBef>
+              <a:buFont typeface="Arial" panose="020B0604020202020204" pitchFamily="34" charset="0"/>
+              <a:buChar char="•"/>
+              <a:defRPr sz="1800" kern="1200">
+                <a:solidFill>
+                  <a:schemeClr val="tx1"/>
+                </a:solidFill>
+                <a:latin typeface="+mn-lt"/>
+                <a:ea typeface="+mn-ea"/>
+                <a:cs typeface="+mn-cs"/>
+              </a:defRPr>
+            </a:lvl9pPr>
+          </a:lstStyle>
+          <a:p>
+            <a:pPr fontAlgn="auto">
+              <a:spcAft>
+                <a:spcPts val="0"/>
+              </a:spcAft>
+            </a:pPr>
+            <a:r>
+              <a:rPr lang="en-US" sz="2400" dirty="0"/>
               <a:t>Recall from your chapter 2 study:</a:t>
             </a:r>
           </a:p>
           <a:p>
-            <a:pPr lvl="1"/>
-            <a:r>
-              <a:rPr lang="en-US" dirty="0"/>
+            <a:pPr lvl="1" fontAlgn="auto">
+              <a:spcAft>
+                <a:spcPts val="0"/>
+              </a:spcAft>
+            </a:pPr>
+            <a:r>
+              <a:rPr lang="en-US" sz="2000" dirty="0"/>
               <a:t>PowerShell cmdlets and functions may be organized into Modules.</a:t>
             </a:r>
           </a:p>
           <a:p>
-            <a:pPr lvl="1"/>
-            <a:r>
-              <a:rPr lang="en-US" dirty="0"/>
+            <a:pPr lvl="1" fontAlgn="auto">
+              <a:spcAft>
+                <a:spcPts val="0"/>
+              </a:spcAft>
+            </a:pPr>
+            <a:r>
+              <a:rPr lang="en-US" sz="2000" dirty="0"/>
               <a:t>Filesystem locations where PowerShell expects to find modules:  </a:t>
             </a:r>
             <a:r>
-              <a:rPr lang="en-US" b="1" dirty="0">
+              <a:rPr lang="en-US" sz="2000" b="1" dirty="0">
                 <a:latin typeface="Consolas" panose="020B0609020204030204" pitchFamily="49" charset="0"/>
               </a:rPr>
               <a:t>$</a:t>
             </a:r>
             <a:r>
-              <a:rPr lang="en-US" b="1" dirty="0" err="1">
+              <a:rPr lang="en-US" sz="2000" b="1" dirty="0" err="1">
                 <a:latin typeface="Consolas" panose="020B0609020204030204" pitchFamily="49" charset="0"/>
               </a:rPr>
               <a:t>Env:PSModulePath</a:t>
             </a:r>
             <a:r>
-              <a:rPr lang="en-US" dirty="0"/>
+              <a:rPr lang="en-US" sz="2000" dirty="0"/>
               <a:t> </a:t>
             </a:r>
           </a:p>
           <a:p>
-            <a:pPr lvl="1"/>
-            <a:r>
-              <a:rPr lang="en-US" dirty="0"/>
+            <a:pPr lvl="1" fontAlgn="auto">
+              <a:spcAft>
+                <a:spcPts val="0"/>
+              </a:spcAft>
+            </a:pPr>
+            <a:r>
+              <a:rPr lang="en-US" sz="2000" dirty="0"/>
               <a:t>PowerShell Gallery: </a:t>
             </a:r>
             <a:r>
-              <a:rPr lang="en-US" dirty="0">
+              <a:rPr lang="en-US" sz="2000" dirty="0">
                 <a:hlinkClick r:id="rId2"/>
               </a:rPr>
               <a:t>https://www.powershellgallery.com/</a:t>
             </a:r>
             <a:r>
-              <a:rPr lang="en-US" dirty="0"/>
+              <a:rPr lang="en-US" sz="2000" dirty="0"/>
               <a:t> </a:t>
             </a:r>
           </a:p>
           <a:p>
-            <a:r>
-              <a:rPr lang="en-US" dirty="0"/>
+            <a:pPr fontAlgn="auto">
+              <a:spcAft>
+                <a:spcPts val="0"/>
+              </a:spcAft>
+            </a:pPr>
+            <a:r>
+              <a:rPr lang="en-US" sz="2400" dirty="0"/>
               <a:t>Cmdlets for finding and installing new modules:</a:t>
             </a:r>
           </a:p>
           <a:p>
-            <a:pPr lvl="1"/>
-            <a:r>
-              <a:rPr lang="en-US" b="1" dirty="0">
+            <a:pPr lvl="1" fontAlgn="auto">
+              <a:spcAft>
+                <a:spcPts val="0"/>
+              </a:spcAft>
+            </a:pPr>
+            <a:r>
+              <a:rPr lang="en-US" sz="2000" b="1" dirty="0">
                 <a:latin typeface="Consolas" panose="020B0609020204030204" pitchFamily="49" charset="0"/>
               </a:rPr>
               <a:t>Find-Module</a:t>
             </a:r>
             <a:r>
-              <a:rPr lang="en-US" dirty="0"/>
+              <a:rPr lang="en-US" sz="2000" dirty="0"/>
               <a:t>, </a:t>
             </a:r>
             <a:r>
-              <a:rPr lang="en-US" b="1" dirty="0">
+              <a:rPr lang="en-US" sz="2000" b="1" dirty="0">
                 <a:latin typeface="Consolas" panose="020B0609020204030204" pitchFamily="49" charset="0"/>
               </a:rPr>
               <a:t>Install-Module</a:t>
             </a:r>
           </a:p>
           <a:p>
-            <a:r>
-              <a:rPr lang="en-US" dirty="0"/>
+            <a:pPr fontAlgn="auto">
+              <a:spcAft>
+                <a:spcPts val="0"/>
+              </a:spcAft>
+            </a:pPr>
+            <a:r>
+              <a:rPr lang="en-US" sz="2400" dirty="0"/>
               <a:t>Cmdlets for working with installed modules:</a:t>
             </a:r>
           </a:p>
           <a:p>
-            <a:pPr lvl="1"/>
-            <a:r>
-              <a:rPr lang="en-US" b="1" dirty="0">
+            <a:pPr lvl="1" fontAlgn="auto">
+              <a:spcAft>
+                <a:spcPts val="0"/>
+              </a:spcAft>
+            </a:pPr>
+            <a:r>
+              <a:rPr lang="en-US" sz="2000" b="1" dirty="0">
                 <a:latin typeface="Consolas" panose="020B0609020204030204" pitchFamily="49" charset="0"/>
               </a:rPr>
               <a:t>Get-Module</a:t>
             </a:r>
             <a:r>
-              <a:rPr lang="en-US" dirty="0"/>
+              <a:rPr lang="en-US" sz="2000" dirty="0"/>
               <a:t>, </a:t>
             </a:r>
             <a:r>
-              <a:rPr lang="en-US" b="1" dirty="0">
+              <a:rPr lang="en-US" sz="2000" b="1" dirty="0">
                 <a:latin typeface="Consolas" panose="020B0609020204030204" pitchFamily="49" charset="0"/>
               </a:rPr>
               <a:t>Get-Command –Module</a:t>
             </a:r>
             <a:r>
-              <a:rPr lang="en-US" dirty="0"/>
+              <a:rPr lang="en-US" sz="2000" dirty="0"/>
               <a:t> </a:t>
             </a:r>
             <a:r>
-              <a:rPr lang="en-US" i="1" dirty="0"/>
+              <a:rPr lang="en-US" sz="2000" i="1" dirty="0"/>
               <a:t>&lt;module name&gt;</a:t>
             </a:r>
             <a:r>
-              <a:rPr lang="en-US" dirty="0"/>
+              <a:rPr lang="en-US" sz="2000" dirty="0"/>
               <a:t>, </a:t>
             </a:r>
             <a:r>
-              <a:rPr lang="en-US" b="1" dirty="0">
+              <a:rPr lang="en-US" sz="2000" b="1" dirty="0">
                 <a:latin typeface="Consolas" panose="020B0609020204030204" pitchFamily="49" charset="0"/>
               </a:rPr>
               <a:t>Remove-Module</a:t>
@@ -6347,7 +7434,7 @@
     </p:spTree>
     <p:extLst>
       <p:ext uri="{BB962C8B-B14F-4D97-AF65-F5344CB8AC3E}">
-        <p14:creationId xmlns:p14="http://schemas.microsoft.com/office/powerpoint/2010/main" val="3461056406"/>
+        <p14:creationId xmlns:p14="http://schemas.microsoft.com/office/powerpoint/2010/main" val="3936111209"/>
       </p:ext>
     </p:extLst>
   </p:cSld>
@@ -6376,26 +7463,54 @@
       </p:grpSpPr>
       <p:sp>
         <p:nvSpPr>
-          <p:cNvPr id="2" name="Title 1">
+          <p:cNvPr id="4" name="Title 1">
             <a:extLst>
               <a:ext uri="{FF2B5EF4-FFF2-40B4-BE49-F238E27FC236}">
                 <a16:creationId xmlns:a16="http://schemas.microsoft.com/office/drawing/2014/main" id="{AF4FFC57-4A5F-4049-833E-147BCB7DCB3C}"/>
               </a:ext>
             </a:extLst>
           </p:cNvPr>
-          <p:cNvSpPr>
-            <a:spLocks noGrp="1"/>
+          <p:cNvSpPr txBox="1">
+            <a:spLocks/>
           </p:cNvSpPr>
-          <p:nvPr>
-            <p:ph type="title"/>
-          </p:nvPr>
+          <p:nvPr/>
         </p:nvSpPr>
-        <p:spPr/>
+        <p:spPr>
+          <a:xfrm>
+            <a:off x="1140413" y="1339112"/>
+            <a:ext cx="9911174" cy="713176"/>
+          </a:xfrm>
+          <a:prstGeom prst="rect">
+            <a:avLst/>
+          </a:prstGeom>
+        </p:spPr>
         <p:txBody>
           <a:bodyPr/>
-          <a:lstStyle/>
-          <a:p>
-            <a:pPr algn="ctr"/>
+          <a:lstStyle>
+            <a:lvl1pPr algn="ctr" defTabSz="914400" rtl="0" eaLnBrk="1" latinLnBrk="0" hangingPunct="1">
+              <a:lnSpc>
+                <a:spcPct val="90000"/>
+              </a:lnSpc>
+              <a:spcBef>
+                <a:spcPct val="0"/>
+              </a:spcBef>
+              <a:buNone/>
+              <a:defRPr sz="4400" kern="1200">
+                <a:solidFill>
+                  <a:schemeClr val="tx1"/>
+                </a:solidFill>
+                <a:latin typeface="+mj-lt"/>
+                <a:ea typeface="+mj-ea"/>
+                <a:cs typeface="+mj-cs"/>
+              </a:defRPr>
+            </a:lvl1pPr>
+          </a:lstStyle>
+          <a:p>
+            <a:pPr fontAlgn="auto">
+              <a:spcAft>
+                <a:spcPts val="0"/>
+              </a:spcAft>
+            </a:pPr>
             <a:r>
               <a:rPr lang="en-US" dirty="0"/>
               <a:t>Cmdlets for authoring PowerShell modules</a:t>
@@ -6405,134 +7520,333 @@
       </p:sp>
       <p:sp>
         <p:nvSpPr>
-          <p:cNvPr id="3" name="Content Placeholder 2">
+          <p:cNvPr id="5" name="Content Placeholder 2">
             <a:extLst>
               <a:ext uri="{FF2B5EF4-FFF2-40B4-BE49-F238E27FC236}">
                 <a16:creationId xmlns:a16="http://schemas.microsoft.com/office/drawing/2014/main" id="{67DC0261-9386-BB1C-2085-8653B2A19191}"/>
               </a:ext>
             </a:extLst>
           </p:cNvPr>
-          <p:cNvSpPr>
-            <a:spLocks noGrp="1"/>
+          <p:cNvSpPr txBox="1">
+            <a:spLocks/>
           </p:cNvSpPr>
-          <p:nvPr>
-            <p:ph idx="1"/>
-          </p:nvPr>
+          <p:nvPr/>
         </p:nvSpPr>
-        <p:spPr/>
+        <p:spPr>
+          <a:xfrm>
+            <a:off x="1140413" y="2207563"/>
+            <a:ext cx="9911174" cy="2795759"/>
+          </a:xfrm>
+          <a:prstGeom prst="rect">
+            <a:avLst/>
+          </a:prstGeom>
+        </p:spPr>
         <p:txBody>
           <a:bodyPr>
             <a:normAutofit/>
           </a:bodyPr>
-          <a:lstStyle/>
-          <a:p>
-            <a:r>
-              <a:rPr lang="en-US" dirty="0"/>
+          <a:lstStyle>
+            <a:lvl1pPr marL="228600" indent="-228600" algn="l" defTabSz="914400" rtl="0" eaLnBrk="1" latinLnBrk="0" hangingPunct="1">
+              <a:lnSpc>
+                <a:spcPct val="90000"/>
+              </a:lnSpc>
+              <a:spcBef>
+                <a:spcPts val="1000"/>
+              </a:spcBef>
+              <a:buFont typeface="Arial" panose="020B0604020202020204" pitchFamily="34" charset="0"/>
+              <a:buChar char="•"/>
+              <a:defRPr sz="2800" kern="1200">
+                <a:solidFill>
+                  <a:schemeClr val="tx1"/>
+                </a:solidFill>
+                <a:latin typeface="+mn-lt"/>
+                <a:ea typeface="+mn-ea"/>
+                <a:cs typeface="+mn-cs"/>
+              </a:defRPr>
+            </a:lvl1pPr>
+            <a:lvl2pPr marL="685800" indent="-228600" algn="l" defTabSz="914400" rtl="0" eaLnBrk="1" latinLnBrk="0" hangingPunct="1">
+              <a:lnSpc>
+                <a:spcPct val="90000"/>
+              </a:lnSpc>
+              <a:spcBef>
+                <a:spcPts val="500"/>
+              </a:spcBef>
+              <a:buFont typeface="Arial" panose="020B0604020202020204" pitchFamily="34" charset="0"/>
+              <a:buChar char="•"/>
+              <a:defRPr sz="2400" kern="1200">
+                <a:solidFill>
+                  <a:schemeClr val="tx1"/>
+                </a:solidFill>
+                <a:latin typeface="+mn-lt"/>
+                <a:ea typeface="+mn-ea"/>
+                <a:cs typeface="+mn-cs"/>
+              </a:defRPr>
+            </a:lvl2pPr>
+            <a:lvl3pPr marL="1143000" indent="-228600" algn="l" defTabSz="914400" rtl="0" eaLnBrk="1" latinLnBrk="0" hangingPunct="1">
+              <a:lnSpc>
+                <a:spcPct val="90000"/>
+              </a:lnSpc>
+              <a:spcBef>
+                <a:spcPts val="500"/>
+              </a:spcBef>
+              <a:buFont typeface="Arial" panose="020B0604020202020204" pitchFamily="34" charset="0"/>
+              <a:buChar char="•"/>
+              <a:defRPr sz="2000" kern="1200">
+                <a:solidFill>
+                  <a:schemeClr val="tx1"/>
+                </a:solidFill>
+                <a:latin typeface="+mn-lt"/>
+                <a:ea typeface="+mn-ea"/>
+                <a:cs typeface="+mn-cs"/>
+              </a:defRPr>
+            </a:lvl3pPr>
+            <a:lvl4pPr marL="1600200" indent="-228600" algn="l" defTabSz="914400" rtl="0" eaLnBrk="1" latinLnBrk="0" hangingPunct="1">
+              <a:lnSpc>
+                <a:spcPct val="90000"/>
+              </a:lnSpc>
+              <a:spcBef>
+                <a:spcPts val="500"/>
+              </a:spcBef>
+              <a:buFont typeface="Arial" panose="020B0604020202020204" pitchFamily="34" charset="0"/>
+              <a:buChar char="•"/>
+              <a:defRPr sz="1800" kern="1200">
+                <a:solidFill>
+                  <a:schemeClr val="tx1"/>
+                </a:solidFill>
+                <a:latin typeface="+mn-lt"/>
+                <a:ea typeface="+mn-ea"/>
+                <a:cs typeface="+mn-cs"/>
+              </a:defRPr>
+            </a:lvl4pPr>
+            <a:lvl5pPr marL="2057400" indent="-228600" algn="l" defTabSz="914400" rtl="0" eaLnBrk="1" latinLnBrk="0" hangingPunct="1">
+              <a:lnSpc>
+                <a:spcPct val="90000"/>
+              </a:lnSpc>
+              <a:spcBef>
+                <a:spcPts val="500"/>
+              </a:spcBef>
+              <a:buFont typeface="Arial" panose="020B0604020202020204" pitchFamily="34" charset="0"/>
+              <a:buChar char="•"/>
+              <a:defRPr sz="1800" kern="1200">
+                <a:solidFill>
+                  <a:schemeClr val="tx1"/>
+                </a:solidFill>
+                <a:latin typeface="+mn-lt"/>
+                <a:ea typeface="+mn-ea"/>
+                <a:cs typeface="+mn-cs"/>
+              </a:defRPr>
+            </a:lvl5pPr>
+            <a:lvl6pPr marL="2514600" indent="-228600" algn="l" defTabSz="914400" rtl="0" eaLnBrk="1" latinLnBrk="0" hangingPunct="1">
+              <a:lnSpc>
+                <a:spcPct val="90000"/>
+              </a:lnSpc>
+              <a:spcBef>
+                <a:spcPts val="500"/>
+              </a:spcBef>
+              <a:buFont typeface="Arial" panose="020B0604020202020204" pitchFamily="34" charset="0"/>
+              <a:buChar char="•"/>
+              <a:defRPr sz="1800" kern="1200">
+                <a:solidFill>
+                  <a:schemeClr val="tx1"/>
+                </a:solidFill>
+                <a:latin typeface="+mn-lt"/>
+                <a:ea typeface="+mn-ea"/>
+                <a:cs typeface="+mn-cs"/>
+              </a:defRPr>
+            </a:lvl6pPr>
+            <a:lvl7pPr marL="2971800" indent="-228600" algn="l" defTabSz="914400" rtl="0" eaLnBrk="1" latinLnBrk="0" hangingPunct="1">
+              <a:lnSpc>
+                <a:spcPct val="90000"/>
+              </a:lnSpc>
+              <a:spcBef>
+                <a:spcPts val="500"/>
+              </a:spcBef>
+              <a:buFont typeface="Arial" panose="020B0604020202020204" pitchFamily="34" charset="0"/>
+              <a:buChar char="•"/>
+              <a:defRPr sz="1800" kern="1200">
+                <a:solidFill>
+                  <a:schemeClr val="tx1"/>
+                </a:solidFill>
+                <a:latin typeface="+mn-lt"/>
+                <a:ea typeface="+mn-ea"/>
+                <a:cs typeface="+mn-cs"/>
+              </a:defRPr>
+            </a:lvl7pPr>
+            <a:lvl8pPr marL="3429000" indent="-228600" algn="l" defTabSz="914400" rtl="0" eaLnBrk="1" latinLnBrk="0" hangingPunct="1">
+              <a:lnSpc>
+                <a:spcPct val="90000"/>
+              </a:lnSpc>
+              <a:spcBef>
+                <a:spcPts val="500"/>
+              </a:spcBef>
+              <a:buFont typeface="Arial" panose="020B0604020202020204" pitchFamily="34" charset="0"/>
+              <a:buChar char="•"/>
+              <a:defRPr sz="1800" kern="1200">
+                <a:solidFill>
+                  <a:schemeClr val="tx1"/>
+                </a:solidFill>
+                <a:latin typeface="+mn-lt"/>
+                <a:ea typeface="+mn-ea"/>
+                <a:cs typeface="+mn-cs"/>
+              </a:defRPr>
+            </a:lvl8pPr>
+            <a:lvl9pPr marL="3886200" indent="-228600" algn="l" defTabSz="914400" rtl="0" eaLnBrk="1" latinLnBrk="0" hangingPunct="1">
+              <a:lnSpc>
+                <a:spcPct val="90000"/>
+              </a:lnSpc>
+              <a:spcBef>
+                <a:spcPts val="500"/>
+              </a:spcBef>
+              <a:buFont typeface="Arial" panose="020B0604020202020204" pitchFamily="34" charset="0"/>
+              <a:buChar char="•"/>
+              <a:defRPr sz="1800" kern="1200">
+                <a:solidFill>
+                  <a:schemeClr val="tx1"/>
+                </a:solidFill>
+                <a:latin typeface="+mn-lt"/>
+                <a:ea typeface="+mn-ea"/>
+                <a:cs typeface="+mn-cs"/>
+              </a:defRPr>
+            </a:lvl9pPr>
+          </a:lstStyle>
+          <a:p>
+            <a:pPr fontAlgn="auto">
+              <a:spcAft>
+                <a:spcPts val="0"/>
+              </a:spcAft>
+            </a:pPr>
+            <a:r>
+              <a:rPr lang="en-US" sz="2000" dirty="0"/>
               <a:t>Cmdlets to granularly specify cmdlets, functions, aliases, and/or variables that will be made available:</a:t>
             </a:r>
           </a:p>
           <a:p>
-            <a:pPr lvl="1"/>
-            <a:r>
-              <a:rPr lang="en-US" b="1" dirty="0">
+            <a:pPr lvl="1" fontAlgn="auto">
+              <a:spcAft>
+                <a:spcPts val="0"/>
+              </a:spcAft>
+            </a:pPr>
+            <a:r>
+              <a:rPr lang="en-US" sz="2000" b="1" dirty="0">
                 <a:latin typeface="Consolas" panose="020B0609020204030204" pitchFamily="49" charset="0"/>
               </a:rPr>
               <a:t>Export-</a:t>
             </a:r>
             <a:r>
-              <a:rPr lang="en-US" b="1" dirty="0" err="1">
+              <a:rPr lang="en-US" sz="2000" b="1" dirty="0" err="1">
                 <a:latin typeface="Consolas" panose="020B0609020204030204" pitchFamily="49" charset="0"/>
               </a:rPr>
               <a:t>ModuleMember</a:t>
             </a:r>
             <a:r>
-              <a:rPr lang="en-US" dirty="0"/>
+              <a:rPr lang="en-US" sz="2000" dirty="0"/>
               <a:t> </a:t>
             </a:r>
-            <a:endParaRPr lang="en-US" b="1" dirty="0">
+            <a:endParaRPr lang="en-US" sz="2000" b="1" dirty="0">
               <a:latin typeface="Consolas" panose="020B0609020204030204" pitchFamily="49" charset="0"/>
             </a:endParaRPr>
           </a:p>
           <a:p>
-            <a:r>
-              <a:rPr lang="en-US" dirty="0"/>
+            <a:pPr fontAlgn="auto">
+              <a:spcAft>
+                <a:spcPts val="0"/>
+              </a:spcAft>
+            </a:pPr>
+            <a:r>
+              <a:rPr lang="en-US" sz="2000" dirty="0"/>
               <a:t>Cmdlets for working with module manifest (</a:t>
             </a:r>
             <a:r>
-              <a:rPr lang="en-US" b="1" dirty="0">
+              <a:rPr lang="en-US" sz="2000" b="1" dirty="0">
                 <a:latin typeface="Consolas" panose="020B0609020204030204" pitchFamily="49" charset="0"/>
               </a:rPr>
               <a:t>.psd1</a:t>
             </a:r>
             <a:r>
-              <a:rPr lang="en-US" dirty="0"/>
+              <a:rPr lang="en-US" sz="2000" dirty="0"/>
               <a:t>) files:</a:t>
             </a:r>
           </a:p>
           <a:p>
-            <a:pPr lvl="1"/>
-            <a:r>
-              <a:rPr lang="en-US" b="1" dirty="0">
+            <a:pPr lvl="1" fontAlgn="auto">
+              <a:spcAft>
+                <a:spcPts val="0"/>
+              </a:spcAft>
+            </a:pPr>
+            <a:r>
+              <a:rPr lang="en-US" sz="2000" b="1" dirty="0">
                 <a:latin typeface="Consolas" panose="020B0609020204030204" pitchFamily="49" charset="0"/>
               </a:rPr>
               <a:t>New-Module</a:t>
             </a:r>
-            <a:endParaRPr lang="en-US" dirty="0"/>
-          </a:p>
-          <a:p>
-            <a:pPr lvl="1"/>
-            <a:r>
-              <a:rPr lang="en-US" b="1" dirty="0">
+            <a:endParaRPr lang="en-US" sz="2000" dirty="0"/>
+          </a:p>
+          <a:p>
+            <a:pPr lvl="1" fontAlgn="auto">
+              <a:spcAft>
+                <a:spcPts val="0"/>
+              </a:spcAft>
+            </a:pPr>
+            <a:r>
+              <a:rPr lang="en-US" sz="2000" b="1" dirty="0">
                 <a:latin typeface="Consolas" panose="020B0609020204030204" pitchFamily="49" charset="0"/>
               </a:rPr>
               <a:t>New-</a:t>
             </a:r>
             <a:r>
-              <a:rPr lang="en-US" b="1" dirty="0" err="1">
+              <a:rPr lang="en-US" sz="2000" b="1" dirty="0" err="1">
                 <a:latin typeface="Consolas" panose="020B0609020204030204" pitchFamily="49" charset="0"/>
               </a:rPr>
               <a:t>ModuleManifest</a:t>
             </a:r>
             <a:r>
-              <a:rPr lang="en-US" dirty="0"/>
+              <a:rPr lang="en-US" sz="2000" dirty="0"/>
               <a:t> </a:t>
             </a:r>
           </a:p>
           <a:p>
-            <a:pPr lvl="1"/>
-            <a:r>
-              <a:rPr lang="en-US" b="1" dirty="0">
+            <a:pPr lvl="1" fontAlgn="auto">
+              <a:spcAft>
+                <a:spcPts val="0"/>
+              </a:spcAft>
+            </a:pPr>
+            <a:r>
+              <a:rPr lang="en-US" sz="2000" b="1" dirty="0">
                 <a:latin typeface="Consolas" panose="020B0609020204030204" pitchFamily="49" charset="0"/>
               </a:rPr>
               <a:t>Update-</a:t>
             </a:r>
             <a:r>
-              <a:rPr lang="en-US" b="1" dirty="0" err="1">
+              <a:rPr lang="en-US" sz="2000" b="1" dirty="0" err="1">
                 <a:latin typeface="Consolas" panose="020B0609020204030204" pitchFamily="49" charset="0"/>
               </a:rPr>
               <a:t>ModuleManifest</a:t>
             </a:r>
             <a:r>
-              <a:rPr lang="en-US" dirty="0"/>
+              <a:rPr lang="en-US" sz="2000" dirty="0"/>
               <a:t> </a:t>
             </a:r>
           </a:p>
           <a:p>
-            <a:pPr lvl="1"/>
-            <a:r>
-              <a:rPr lang="en-US" b="1" dirty="0">
+            <a:pPr lvl="1" fontAlgn="auto">
+              <a:spcAft>
+                <a:spcPts val="0"/>
+              </a:spcAft>
+            </a:pPr>
+            <a:r>
+              <a:rPr lang="en-US" sz="2000" b="1" dirty="0">
                 <a:latin typeface="Consolas" panose="020B0609020204030204" pitchFamily="49" charset="0"/>
               </a:rPr>
               <a:t>Test-</a:t>
             </a:r>
             <a:r>
-              <a:rPr lang="en-US" b="1" dirty="0" err="1">
+              <a:rPr lang="en-US" sz="2000" b="1" dirty="0" err="1">
                 <a:latin typeface="Consolas" panose="020B0609020204030204" pitchFamily="49" charset="0"/>
               </a:rPr>
               <a:t>ModuleManifest</a:t>
             </a:r>
             <a:r>
-              <a:rPr lang="en-US" dirty="0"/>
+              <a:rPr lang="en-US" sz="2000" dirty="0"/>
               <a:t> </a:t>
             </a:r>
           </a:p>
@@ -6541,7 +7855,7 @@
     </p:spTree>
     <p:extLst>
       <p:ext uri="{BB962C8B-B14F-4D97-AF65-F5344CB8AC3E}">
-        <p14:creationId xmlns:p14="http://schemas.microsoft.com/office/powerpoint/2010/main" val="3877965803"/>
+        <p14:creationId xmlns:p14="http://schemas.microsoft.com/office/powerpoint/2010/main" val="3473435431"/>
       </p:ext>
     </p:extLst>
   </p:cSld>
@@ -6570,26 +7884,54 @@
       </p:grpSpPr>
       <p:sp>
         <p:nvSpPr>
-          <p:cNvPr id="2" name="Title 1">
+          <p:cNvPr id="4" name="Title 1">
             <a:extLst>
               <a:ext uri="{FF2B5EF4-FFF2-40B4-BE49-F238E27FC236}">
                 <a16:creationId xmlns:a16="http://schemas.microsoft.com/office/drawing/2014/main" id="{9B4B4550-2885-6D0A-14B5-E90855C619AA}"/>
               </a:ext>
             </a:extLst>
           </p:cNvPr>
-          <p:cNvSpPr>
-            <a:spLocks noGrp="1"/>
+          <p:cNvSpPr txBox="1">
+            <a:spLocks/>
           </p:cNvSpPr>
-          <p:nvPr>
-            <p:ph type="title"/>
-          </p:nvPr>
+          <p:nvPr/>
         </p:nvSpPr>
-        <p:spPr/>
+        <p:spPr>
+          <a:xfrm>
+            <a:off x="1395274" y="1282637"/>
+            <a:ext cx="9401452" cy="1325563"/>
+          </a:xfrm>
+          <a:prstGeom prst="rect">
+            <a:avLst/>
+          </a:prstGeom>
+        </p:spPr>
         <p:txBody>
           <a:bodyPr/>
-          <a:lstStyle/>
-          <a:p>
-            <a:pPr algn="ctr"/>
+          <a:lstStyle>
+            <a:lvl1pPr algn="ctr" defTabSz="914400" rtl="0" eaLnBrk="1" latinLnBrk="0" hangingPunct="1">
+              <a:lnSpc>
+                <a:spcPct val="90000"/>
+              </a:lnSpc>
+              <a:spcBef>
+                <a:spcPct val="0"/>
+              </a:spcBef>
+              <a:buNone/>
+              <a:defRPr sz="4400" kern="1200">
+                <a:solidFill>
+                  <a:schemeClr val="tx1"/>
+                </a:solidFill>
+                <a:latin typeface="+mj-lt"/>
+                <a:ea typeface="+mj-ea"/>
+                <a:cs typeface="+mj-cs"/>
+              </a:defRPr>
+            </a:lvl1pPr>
+          </a:lstStyle>
+          <a:p>
+            <a:pPr fontAlgn="auto">
+              <a:spcAft>
+                <a:spcPts val="0"/>
+              </a:spcAft>
+            </a:pPr>
             <a:r>
               <a:rPr lang="en-US" dirty="0"/>
               <a:t>Modules can include PowerShell classes</a:t>
@@ -6606,118 +7948,321 @@
       </p:sp>
       <p:sp>
         <p:nvSpPr>
-          <p:cNvPr id="3" name="Content Placeholder 2">
+          <p:cNvPr id="5" name="Content Placeholder 2">
             <a:extLst>
               <a:ext uri="{FF2B5EF4-FFF2-40B4-BE49-F238E27FC236}">
                 <a16:creationId xmlns:a16="http://schemas.microsoft.com/office/drawing/2014/main" id="{E6BA065D-7631-7D43-3AF2-1276603A3FED}"/>
               </a:ext>
             </a:extLst>
           </p:cNvPr>
-          <p:cNvSpPr>
-            <a:spLocks noGrp="1"/>
+          <p:cNvSpPr txBox="1">
+            <a:spLocks/>
           </p:cNvSpPr>
-          <p:nvPr>
-            <p:ph idx="1"/>
-          </p:nvPr>
+          <p:nvPr/>
         </p:nvSpPr>
-        <p:spPr/>
+        <p:spPr>
+          <a:xfrm>
+            <a:off x="998507" y="2785753"/>
+            <a:ext cx="10194985" cy="3376103"/>
+          </a:xfrm>
+          <a:prstGeom prst="rect">
+            <a:avLst/>
+          </a:prstGeom>
+        </p:spPr>
         <p:txBody>
           <a:bodyPr/>
-          <a:lstStyle/>
-          <a:p>
-            <a:r>
-              <a:rPr lang="en-US" dirty="0"/>
+          <a:lstStyle>
+            <a:lvl1pPr marL="228600" indent="-228600" algn="l" defTabSz="914400" rtl="0" eaLnBrk="1" latinLnBrk="0" hangingPunct="1">
+              <a:lnSpc>
+                <a:spcPct val="90000"/>
+              </a:lnSpc>
+              <a:spcBef>
+                <a:spcPts val="1000"/>
+              </a:spcBef>
+              <a:buFont typeface="Arial" panose="020B0604020202020204" pitchFamily="34" charset="0"/>
+              <a:buChar char="•"/>
+              <a:defRPr sz="2800" kern="1200">
+                <a:solidFill>
+                  <a:schemeClr val="tx1"/>
+                </a:solidFill>
+                <a:latin typeface="+mn-lt"/>
+                <a:ea typeface="+mn-ea"/>
+                <a:cs typeface="+mn-cs"/>
+              </a:defRPr>
+            </a:lvl1pPr>
+            <a:lvl2pPr marL="685800" indent="-228600" algn="l" defTabSz="914400" rtl="0" eaLnBrk="1" latinLnBrk="0" hangingPunct="1">
+              <a:lnSpc>
+                <a:spcPct val="90000"/>
+              </a:lnSpc>
+              <a:spcBef>
+                <a:spcPts val="500"/>
+              </a:spcBef>
+              <a:buFont typeface="Arial" panose="020B0604020202020204" pitchFamily="34" charset="0"/>
+              <a:buChar char="•"/>
+              <a:defRPr sz="2400" kern="1200">
+                <a:solidFill>
+                  <a:schemeClr val="tx1"/>
+                </a:solidFill>
+                <a:latin typeface="+mn-lt"/>
+                <a:ea typeface="+mn-ea"/>
+                <a:cs typeface="+mn-cs"/>
+              </a:defRPr>
+            </a:lvl2pPr>
+            <a:lvl3pPr marL="1143000" indent="-228600" algn="l" defTabSz="914400" rtl="0" eaLnBrk="1" latinLnBrk="0" hangingPunct="1">
+              <a:lnSpc>
+                <a:spcPct val="90000"/>
+              </a:lnSpc>
+              <a:spcBef>
+                <a:spcPts val="500"/>
+              </a:spcBef>
+              <a:buFont typeface="Arial" panose="020B0604020202020204" pitchFamily="34" charset="0"/>
+              <a:buChar char="•"/>
+              <a:defRPr sz="2000" kern="1200">
+                <a:solidFill>
+                  <a:schemeClr val="tx1"/>
+                </a:solidFill>
+                <a:latin typeface="+mn-lt"/>
+                <a:ea typeface="+mn-ea"/>
+                <a:cs typeface="+mn-cs"/>
+              </a:defRPr>
+            </a:lvl3pPr>
+            <a:lvl4pPr marL="1600200" indent="-228600" algn="l" defTabSz="914400" rtl="0" eaLnBrk="1" latinLnBrk="0" hangingPunct="1">
+              <a:lnSpc>
+                <a:spcPct val="90000"/>
+              </a:lnSpc>
+              <a:spcBef>
+                <a:spcPts val="500"/>
+              </a:spcBef>
+              <a:buFont typeface="Arial" panose="020B0604020202020204" pitchFamily="34" charset="0"/>
+              <a:buChar char="•"/>
+              <a:defRPr sz="1800" kern="1200">
+                <a:solidFill>
+                  <a:schemeClr val="tx1"/>
+                </a:solidFill>
+                <a:latin typeface="+mn-lt"/>
+                <a:ea typeface="+mn-ea"/>
+                <a:cs typeface="+mn-cs"/>
+              </a:defRPr>
+            </a:lvl4pPr>
+            <a:lvl5pPr marL="2057400" indent="-228600" algn="l" defTabSz="914400" rtl="0" eaLnBrk="1" latinLnBrk="0" hangingPunct="1">
+              <a:lnSpc>
+                <a:spcPct val="90000"/>
+              </a:lnSpc>
+              <a:spcBef>
+                <a:spcPts val="500"/>
+              </a:spcBef>
+              <a:buFont typeface="Arial" panose="020B0604020202020204" pitchFamily="34" charset="0"/>
+              <a:buChar char="•"/>
+              <a:defRPr sz="1800" kern="1200">
+                <a:solidFill>
+                  <a:schemeClr val="tx1"/>
+                </a:solidFill>
+                <a:latin typeface="+mn-lt"/>
+                <a:ea typeface="+mn-ea"/>
+                <a:cs typeface="+mn-cs"/>
+              </a:defRPr>
+            </a:lvl5pPr>
+            <a:lvl6pPr marL="2514600" indent="-228600" algn="l" defTabSz="914400" rtl="0" eaLnBrk="1" latinLnBrk="0" hangingPunct="1">
+              <a:lnSpc>
+                <a:spcPct val="90000"/>
+              </a:lnSpc>
+              <a:spcBef>
+                <a:spcPts val="500"/>
+              </a:spcBef>
+              <a:buFont typeface="Arial" panose="020B0604020202020204" pitchFamily="34" charset="0"/>
+              <a:buChar char="•"/>
+              <a:defRPr sz="1800" kern="1200">
+                <a:solidFill>
+                  <a:schemeClr val="tx1"/>
+                </a:solidFill>
+                <a:latin typeface="+mn-lt"/>
+                <a:ea typeface="+mn-ea"/>
+                <a:cs typeface="+mn-cs"/>
+              </a:defRPr>
+            </a:lvl6pPr>
+            <a:lvl7pPr marL="2971800" indent="-228600" algn="l" defTabSz="914400" rtl="0" eaLnBrk="1" latinLnBrk="0" hangingPunct="1">
+              <a:lnSpc>
+                <a:spcPct val="90000"/>
+              </a:lnSpc>
+              <a:spcBef>
+                <a:spcPts val="500"/>
+              </a:spcBef>
+              <a:buFont typeface="Arial" panose="020B0604020202020204" pitchFamily="34" charset="0"/>
+              <a:buChar char="•"/>
+              <a:defRPr sz="1800" kern="1200">
+                <a:solidFill>
+                  <a:schemeClr val="tx1"/>
+                </a:solidFill>
+                <a:latin typeface="+mn-lt"/>
+                <a:ea typeface="+mn-ea"/>
+                <a:cs typeface="+mn-cs"/>
+              </a:defRPr>
+            </a:lvl7pPr>
+            <a:lvl8pPr marL="3429000" indent="-228600" algn="l" defTabSz="914400" rtl="0" eaLnBrk="1" latinLnBrk="0" hangingPunct="1">
+              <a:lnSpc>
+                <a:spcPct val="90000"/>
+              </a:lnSpc>
+              <a:spcBef>
+                <a:spcPts val="500"/>
+              </a:spcBef>
+              <a:buFont typeface="Arial" panose="020B0604020202020204" pitchFamily="34" charset="0"/>
+              <a:buChar char="•"/>
+              <a:defRPr sz="1800" kern="1200">
+                <a:solidFill>
+                  <a:schemeClr val="tx1"/>
+                </a:solidFill>
+                <a:latin typeface="+mn-lt"/>
+                <a:ea typeface="+mn-ea"/>
+                <a:cs typeface="+mn-cs"/>
+              </a:defRPr>
+            </a:lvl8pPr>
+            <a:lvl9pPr marL="3886200" indent="-228600" algn="l" defTabSz="914400" rtl="0" eaLnBrk="1" latinLnBrk="0" hangingPunct="1">
+              <a:lnSpc>
+                <a:spcPct val="90000"/>
+              </a:lnSpc>
+              <a:spcBef>
+                <a:spcPts val="500"/>
+              </a:spcBef>
+              <a:buFont typeface="Arial" panose="020B0604020202020204" pitchFamily="34" charset="0"/>
+              <a:buChar char="•"/>
+              <a:defRPr sz="1800" kern="1200">
+                <a:solidFill>
+                  <a:schemeClr val="tx1"/>
+                </a:solidFill>
+                <a:latin typeface="+mn-lt"/>
+                <a:ea typeface="+mn-ea"/>
+                <a:cs typeface="+mn-cs"/>
+              </a:defRPr>
+            </a:lvl9pPr>
+          </a:lstStyle>
+          <a:p>
+            <a:pPr fontAlgn="auto">
+              <a:spcAft>
+                <a:spcPts val="0"/>
+              </a:spcAft>
+            </a:pPr>
+            <a:r>
+              <a:rPr lang="en-US" sz="2000" dirty="0"/>
               <a:t>If a module provides new classes, use</a:t>
             </a:r>
           </a:p>
           <a:p>
-            <a:pPr marL="0" indent="0">
+            <a:pPr marL="0" indent="0" fontAlgn="auto">
+              <a:spcAft>
+                <a:spcPts val="0"/>
+              </a:spcAft>
+              <a:buFont typeface="Arial" panose="020B0604020202020204" pitchFamily="34" charset="0"/>
               <a:buNone/>
             </a:pPr>
             <a:r>
-              <a:rPr lang="en-US" dirty="0"/>
+              <a:rPr lang="en-US" sz="2000" dirty="0"/>
               <a:t>	</a:t>
             </a:r>
             <a:r>
-              <a:rPr lang="en-US" b="1" dirty="0">
+              <a:rPr lang="en-US" sz="2000" b="1" dirty="0">
                 <a:latin typeface="Consolas" panose="020B0609020204030204" pitchFamily="49" charset="0"/>
               </a:rPr>
               <a:t>using module</a:t>
             </a:r>
             <a:r>
-              <a:rPr lang="en-US" dirty="0"/>
+              <a:rPr lang="en-US" sz="2000" dirty="0"/>
               <a:t> </a:t>
             </a:r>
             <a:r>
-              <a:rPr lang="en-US" i="1" dirty="0"/>
+              <a:rPr lang="en-US" sz="2000" i="1" dirty="0"/>
               <a:t>&lt;module name&gt;</a:t>
             </a:r>
             <a:r>
-              <a:rPr lang="en-US" dirty="0"/>
+              <a:rPr lang="en-US" sz="2000" dirty="0"/>
               <a:t> </a:t>
             </a:r>
           </a:p>
           <a:p>
-            <a:pPr marL="0" indent="0">
+            <a:pPr marL="0" indent="0" fontAlgn="auto">
+              <a:spcAft>
+                <a:spcPts val="0"/>
+              </a:spcAft>
+              <a:buFont typeface="Arial" panose="020B0604020202020204" pitchFamily="34" charset="0"/>
               <a:buNone/>
             </a:pPr>
             <a:r>
-              <a:rPr lang="en-US" dirty="0"/>
+              <a:rPr lang="en-US" sz="2000" dirty="0"/>
               <a:t>to load the module. (If it just provides cmdlets, functions, aliases, and/or variables, you may use the </a:t>
             </a:r>
             <a:r>
-              <a:rPr lang="en-US" b="1" dirty="0">
+              <a:rPr lang="en-US" sz="2000" b="1" dirty="0">
                 <a:latin typeface="Consolas" panose="020B0609020204030204" pitchFamily="49" charset="0"/>
               </a:rPr>
               <a:t>Import-Module</a:t>
             </a:r>
             <a:r>
-              <a:rPr lang="en-US" dirty="0"/>
+              <a:rPr lang="en-US" sz="2000" dirty="0"/>
               <a:t> cmdlet instead.)</a:t>
             </a:r>
           </a:p>
           <a:p>
-            <a:pPr marL="0" indent="0">
+            <a:pPr marL="0" indent="0" fontAlgn="auto">
+              <a:spcAft>
+                <a:spcPts val="0"/>
+              </a:spcAft>
+              <a:buFont typeface="Arial" panose="020B0604020202020204" pitchFamily="34" charset="0"/>
               <a:buNone/>
             </a:pPr>
-            <a:endParaRPr lang="en-US" dirty="0"/>
-          </a:p>
-          <a:p>
-            <a:r>
-              <a:rPr lang="en-US" dirty="0"/>
+            <a:endParaRPr lang="en-US" sz="2000" dirty="0"/>
+          </a:p>
+          <a:p>
+            <a:pPr fontAlgn="auto">
+              <a:spcAft>
+                <a:spcPts val="0"/>
+              </a:spcAft>
+            </a:pPr>
+            <a:r>
+              <a:rPr lang="en-US" sz="2000" dirty="0"/>
               <a:t>A module is automatically loaded when:</a:t>
             </a:r>
           </a:p>
           <a:p>
-            <a:pPr lvl="1"/>
-            <a:r>
-              <a:rPr lang="en-US" dirty="0"/>
+            <a:pPr lvl="1" fontAlgn="auto">
+              <a:spcAft>
+                <a:spcPts val="0"/>
+              </a:spcAft>
+            </a:pPr>
+            <a:r>
+              <a:rPr lang="en-US" sz="2000" dirty="0"/>
               <a:t>A cmdlet from that module is run,</a:t>
             </a:r>
           </a:p>
           <a:p>
-            <a:pPr lvl="1"/>
-            <a:r>
-              <a:rPr lang="en-US" b="1" dirty="0">
+            <a:pPr lvl="1" fontAlgn="auto">
+              <a:spcAft>
+                <a:spcPts val="0"/>
+              </a:spcAft>
+            </a:pPr>
+            <a:r>
+              <a:rPr lang="en-US" sz="2000" b="1" dirty="0">
                 <a:latin typeface="Consolas" panose="020B0609020204030204" pitchFamily="49" charset="0"/>
               </a:rPr>
               <a:t>Get-Command</a:t>
             </a:r>
             <a:r>
-              <a:rPr lang="en-US" dirty="0"/>
+              <a:rPr lang="en-US" sz="2000" dirty="0"/>
               <a:t> is used to find or learn about a module’s commands, or</a:t>
             </a:r>
           </a:p>
           <a:p>
-            <a:pPr lvl="1"/>
-            <a:r>
-              <a:rPr lang="en-US" b="1" dirty="0">
+            <a:pPr lvl="1" fontAlgn="auto">
+              <a:spcAft>
+                <a:spcPts val="0"/>
+              </a:spcAft>
+            </a:pPr>
+            <a:r>
+              <a:rPr lang="en-US" sz="2000" b="1" dirty="0">
                 <a:latin typeface="Consolas" panose="020B0609020204030204" pitchFamily="49" charset="0"/>
               </a:rPr>
               <a:t>Get-Help</a:t>
             </a:r>
             <a:r>
-              <a:rPr lang="en-US" dirty="0"/>
+              <a:rPr lang="en-US" sz="2000" dirty="0"/>
               <a:t> is used to get more info about a cmdlet in a module.</a:t>
             </a:r>
           </a:p>
@@ -6726,7 +8271,7 @@
     </p:spTree>
     <p:extLst>
       <p:ext uri="{BB962C8B-B14F-4D97-AF65-F5344CB8AC3E}">
-        <p14:creationId xmlns:p14="http://schemas.microsoft.com/office/powerpoint/2010/main" val="3266305666"/>
+        <p14:creationId xmlns:p14="http://schemas.microsoft.com/office/powerpoint/2010/main" val="559923378"/>
       </p:ext>
     </p:extLst>
   </p:cSld>
@@ -6755,31 +8300,54 @@
       </p:grpSpPr>
       <p:sp>
         <p:nvSpPr>
-          <p:cNvPr id="2" name="Title 1">
+          <p:cNvPr id="4" name="Title 1">
             <a:extLst>
               <a:ext uri="{FF2B5EF4-FFF2-40B4-BE49-F238E27FC236}">
                 <a16:creationId xmlns:a16="http://schemas.microsoft.com/office/drawing/2014/main" id="{3727E7C7-7298-CEE5-49B9-10CD2E876B30}"/>
               </a:ext>
             </a:extLst>
           </p:cNvPr>
-          <p:cNvSpPr>
-            <a:spLocks noGrp="1"/>
+          <p:cNvSpPr txBox="1">
+            <a:spLocks/>
           </p:cNvSpPr>
-          <p:nvPr>
-            <p:ph type="title"/>
-          </p:nvPr>
+          <p:nvPr/>
         </p:nvSpPr>
         <p:spPr>
           <a:xfrm>
-            <a:off x="838200" y="365125"/>
-            <a:ext cx="10515600" cy="793115"/>
+            <a:off x="2844560" y="1106996"/>
+            <a:ext cx="6502879" cy="793115"/>
           </a:xfrm>
+          <a:prstGeom prst="rect">
+            <a:avLst/>
+          </a:prstGeom>
         </p:spPr>
         <p:txBody>
           <a:bodyPr/>
-          <a:lstStyle/>
-          <a:p>
-            <a:pPr algn="ctr"/>
+          <a:lstStyle>
+            <a:lvl1pPr algn="ctr" defTabSz="914400" rtl="0" eaLnBrk="1" latinLnBrk="0" hangingPunct="1">
+              <a:lnSpc>
+                <a:spcPct val="90000"/>
+              </a:lnSpc>
+              <a:spcBef>
+                <a:spcPct val="0"/>
+              </a:spcBef>
+              <a:buNone/>
+              <a:defRPr sz="4400" kern="1200">
+                <a:solidFill>
+                  <a:schemeClr val="tx1"/>
+                </a:solidFill>
+                <a:latin typeface="+mj-lt"/>
+                <a:ea typeface="+mj-ea"/>
+                <a:cs typeface="+mj-cs"/>
+              </a:defRPr>
+            </a:lvl1pPr>
+          </a:lstStyle>
+          <a:p>
+            <a:pPr fontAlgn="auto">
+              <a:spcAft>
+                <a:spcPts val="0"/>
+              </a:spcAft>
+            </a:pPr>
             <a:r>
               <a:rPr lang="en-US" dirty="0"/>
               <a:t>All about </a:t>
@@ -6795,37 +8363,205 @@
       </p:sp>
       <p:sp>
         <p:nvSpPr>
-          <p:cNvPr id="3" name="Content Placeholder 2">
+          <p:cNvPr id="5" name="Content Placeholder 2">
             <a:extLst>
               <a:ext uri="{FF2B5EF4-FFF2-40B4-BE49-F238E27FC236}">
                 <a16:creationId xmlns:a16="http://schemas.microsoft.com/office/drawing/2014/main" id="{4F047AE7-AD63-865A-BD1E-654D5808EEE1}"/>
               </a:ext>
             </a:extLst>
           </p:cNvPr>
-          <p:cNvSpPr>
-            <a:spLocks noGrp="1"/>
+          <p:cNvSpPr txBox="1">
+            <a:spLocks/>
           </p:cNvSpPr>
-          <p:nvPr>
-            <p:ph idx="1"/>
-          </p:nvPr>
+          <p:nvPr/>
         </p:nvSpPr>
         <p:spPr>
           <a:xfrm>
-            <a:off x="6096000" y="6282459"/>
-            <a:ext cx="5257800" cy="420832"/>
+            <a:off x="8850701" y="6368723"/>
+            <a:ext cx="3106947" cy="258680"/>
           </a:xfrm>
+          <a:prstGeom prst="rect">
+            <a:avLst/>
+          </a:prstGeom>
         </p:spPr>
         <p:txBody>
           <a:bodyPr>
-            <a:normAutofit/>
+            <a:normAutofit fontScale="77500" lnSpcReduction="20000"/>
           </a:bodyPr>
-          <a:lstStyle/>
-          <a:p>
-            <a:pPr marL="0" indent="0" algn="r">
+          <a:lstStyle>
+            <a:lvl1pPr marL="228600" indent="-228600" algn="l" defTabSz="914400" rtl="0" eaLnBrk="1" latinLnBrk="0" hangingPunct="1">
+              <a:lnSpc>
+                <a:spcPct val="90000"/>
+              </a:lnSpc>
+              <a:spcBef>
+                <a:spcPts val="1000"/>
+              </a:spcBef>
+              <a:buFont typeface="Arial" panose="020B0604020202020204" pitchFamily="34" charset="0"/>
+              <a:buChar char="•"/>
+              <a:defRPr sz="2800" kern="1200">
+                <a:solidFill>
+                  <a:schemeClr val="tx1"/>
+                </a:solidFill>
+                <a:latin typeface="+mn-lt"/>
+                <a:ea typeface="+mn-ea"/>
+                <a:cs typeface="+mn-cs"/>
+              </a:defRPr>
+            </a:lvl1pPr>
+            <a:lvl2pPr marL="685800" indent="-228600" algn="l" defTabSz="914400" rtl="0" eaLnBrk="1" latinLnBrk="0" hangingPunct="1">
+              <a:lnSpc>
+                <a:spcPct val="90000"/>
+              </a:lnSpc>
+              <a:spcBef>
+                <a:spcPts val="500"/>
+              </a:spcBef>
+              <a:buFont typeface="Arial" panose="020B0604020202020204" pitchFamily="34" charset="0"/>
+              <a:buChar char="•"/>
+              <a:defRPr sz="2400" kern="1200">
+                <a:solidFill>
+                  <a:schemeClr val="tx1"/>
+                </a:solidFill>
+                <a:latin typeface="+mn-lt"/>
+                <a:ea typeface="+mn-ea"/>
+                <a:cs typeface="+mn-cs"/>
+              </a:defRPr>
+            </a:lvl2pPr>
+            <a:lvl3pPr marL="1143000" indent="-228600" algn="l" defTabSz="914400" rtl="0" eaLnBrk="1" latinLnBrk="0" hangingPunct="1">
+              <a:lnSpc>
+                <a:spcPct val="90000"/>
+              </a:lnSpc>
+              <a:spcBef>
+                <a:spcPts val="500"/>
+              </a:spcBef>
+              <a:buFont typeface="Arial" panose="020B0604020202020204" pitchFamily="34" charset="0"/>
+              <a:buChar char="•"/>
+              <a:defRPr sz="2000" kern="1200">
+                <a:solidFill>
+                  <a:schemeClr val="tx1"/>
+                </a:solidFill>
+                <a:latin typeface="+mn-lt"/>
+                <a:ea typeface="+mn-ea"/>
+                <a:cs typeface="+mn-cs"/>
+              </a:defRPr>
+            </a:lvl3pPr>
+            <a:lvl4pPr marL="1600200" indent="-228600" algn="l" defTabSz="914400" rtl="0" eaLnBrk="1" latinLnBrk="0" hangingPunct="1">
+              <a:lnSpc>
+                <a:spcPct val="90000"/>
+              </a:lnSpc>
+              <a:spcBef>
+                <a:spcPts val="500"/>
+              </a:spcBef>
+              <a:buFont typeface="Arial" panose="020B0604020202020204" pitchFamily="34" charset="0"/>
+              <a:buChar char="•"/>
+              <a:defRPr sz="1800" kern="1200">
+                <a:solidFill>
+                  <a:schemeClr val="tx1"/>
+                </a:solidFill>
+                <a:latin typeface="+mn-lt"/>
+                <a:ea typeface="+mn-ea"/>
+                <a:cs typeface="+mn-cs"/>
+              </a:defRPr>
+            </a:lvl4pPr>
+            <a:lvl5pPr marL="2057400" indent="-228600" algn="l" defTabSz="914400" rtl="0" eaLnBrk="1" latinLnBrk="0" hangingPunct="1">
+              <a:lnSpc>
+                <a:spcPct val="90000"/>
+              </a:lnSpc>
+              <a:spcBef>
+                <a:spcPts val="500"/>
+              </a:spcBef>
+              <a:buFont typeface="Arial" panose="020B0604020202020204" pitchFamily="34" charset="0"/>
+              <a:buChar char="•"/>
+              <a:defRPr sz="1800" kern="1200">
+                <a:solidFill>
+                  <a:schemeClr val="tx1"/>
+                </a:solidFill>
+                <a:latin typeface="+mn-lt"/>
+                <a:ea typeface="+mn-ea"/>
+                <a:cs typeface="+mn-cs"/>
+              </a:defRPr>
+            </a:lvl5pPr>
+            <a:lvl6pPr marL="2514600" indent="-228600" algn="l" defTabSz="914400" rtl="0" eaLnBrk="1" latinLnBrk="0" hangingPunct="1">
+              <a:lnSpc>
+                <a:spcPct val="90000"/>
+              </a:lnSpc>
+              <a:spcBef>
+                <a:spcPts val="500"/>
+              </a:spcBef>
+              <a:buFont typeface="Arial" panose="020B0604020202020204" pitchFamily="34" charset="0"/>
+              <a:buChar char="•"/>
+              <a:defRPr sz="1800" kern="1200">
+                <a:solidFill>
+                  <a:schemeClr val="tx1"/>
+                </a:solidFill>
+                <a:latin typeface="+mn-lt"/>
+                <a:ea typeface="+mn-ea"/>
+                <a:cs typeface="+mn-cs"/>
+              </a:defRPr>
+            </a:lvl6pPr>
+            <a:lvl7pPr marL="2971800" indent="-228600" algn="l" defTabSz="914400" rtl="0" eaLnBrk="1" latinLnBrk="0" hangingPunct="1">
+              <a:lnSpc>
+                <a:spcPct val="90000"/>
+              </a:lnSpc>
+              <a:spcBef>
+                <a:spcPts val="500"/>
+              </a:spcBef>
+              <a:buFont typeface="Arial" panose="020B0604020202020204" pitchFamily="34" charset="0"/>
+              <a:buChar char="•"/>
+              <a:defRPr sz="1800" kern="1200">
+                <a:solidFill>
+                  <a:schemeClr val="tx1"/>
+                </a:solidFill>
+                <a:latin typeface="+mn-lt"/>
+                <a:ea typeface="+mn-ea"/>
+                <a:cs typeface="+mn-cs"/>
+              </a:defRPr>
+            </a:lvl7pPr>
+            <a:lvl8pPr marL="3429000" indent="-228600" algn="l" defTabSz="914400" rtl="0" eaLnBrk="1" latinLnBrk="0" hangingPunct="1">
+              <a:lnSpc>
+                <a:spcPct val="90000"/>
+              </a:lnSpc>
+              <a:spcBef>
+                <a:spcPts val="500"/>
+              </a:spcBef>
+              <a:buFont typeface="Arial" panose="020B0604020202020204" pitchFamily="34" charset="0"/>
+              <a:buChar char="•"/>
+              <a:defRPr sz="1800" kern="1200">
+                <a:solidFill>
+                  <a:schemeClr val="tx1"/>
+                </a:solidFill>
+                <a:latin typeface="+mn-lt"/>
+                <a:ea typeface="+mn-ea"/>
+                <a:cs typeface="+mn-cs"/>
+              </a:defRPr>
+            </a:lvl8pPr>
+            <a:lvl9pPr marL="3886200" indent="-228600" algn="l" defTabSz="914400" rtl="0" eaLnBrk="1" latinLnBrk="0" hangingPunct="1">
+              <a:lnSpc>
+                <a:spcPct val="90000"/>
+              </a:lnSpc>
+              <a:spcBef>
+                <a:spcPts val="500"/>
+              </a:spcBef>
+              <a:buFont typeface="Arial" panose="020B0604020202020204" pitchFamily="34" charset="0"/>
+              <a:buChar char="•"/>
+              <a:defRPr sz="1800" kern="1200">
+                <a:solidFill>
+                  <a:schemeClr val="tx1"/>
+                </a:solidFill>
+                <a:latin typeface="+mn-lt"/>
+                <a:ea typeface="+mn-ea"/>
+                <a:cs typeface="+mn-cs"/>
+              </a:defRPr>
+            </a:lvl9pPr>
+          </a:lstStyle>
+          <a:p>
+            <a:pPr marL="0" indent="0" algn="r" fontAlgn="auto">
+              <a:spcAft>
+                <a:spcPts val="0"/>
+              </a:spcAft>
+              <a:buFont typeface="Arial" panose="020B0604020202020204" pitchFamily="34" charset="0"/>
               <a:buNone/>
             </a:pPr>
             <a:r>
-              <a:rPr lang="en-US" sz="2000" i="1" dirty="0"/>
+              <a:rPr lang="en-US" sz="1800" i="1" dirty="0"/>
               <a:t>PowerShell in Action, 3e, p280</a:t>
             </a:r>
           </a:p>
@@ -6833,7 +8569,7 @@
       </p:sp>
       <p:pic>
         <p:nvPicPr>
-          <p:cNvPr id="4" name="Picture 3">
+          <p:cNvPr id="6" name="Picture 5">
             <a:extLst>
               <a:ext uri="{FF2B5EF4-FFF2-40B4-BE49-F238E27FC236}">
                 <a16:creationId xmlns:a16="http://schemas.microsoft.com/office/drawing/2014/main" id="{093D1517-9AAA-06C5-57E9-606913C751C2}"/>
@@ -6853,8 +8589,8 @@
         </p:blipFill>
         <p:spPr>
           <a:xfrm>
-            <a:off x="1130377" y="1263448"/>
-            <a:ext cx="9931245" cy="4913802"/>
+            <a:off x="1627674" y="1815941"/>
+            <a:ext cx="8936649" cy="4421694"/>
           </a:xfrm>
           <a:prstGeom prst="rect">
             <a:avLst/>
@@ -6869,7 +8605,7 @@
     </p:spTree>
     <p:extLst>
       <p:ext uri="{BB962C8B-B14F-4D97-AF65-F5344CB8AC3E}">
-        <p14:creationId xmlns:p14="http://schemas.microsoft.com/office/powerpoint/2010/main" val="371021941"/>
+        <p14:creationId xmlns:p14="http://schemas.microsoft.com/office/powerpoint/2010/main" val="3310737613"/>
       </p:ext>
     </p:extLst>
   </p:cSld>
@@ -6898,26 +8634,54 @@
       </p:grpSpPr>
       <p:sp>
         <p:nvSpPr>
-          <p:cNvPr id="2" name="Title 1">
+          <p:cNvPr id="4" name="Title 1">
             <a:extLst>
               <a:ext uri="{FF2B5EF4-FFF2-40B4-BE49-F238E27FC236}">
                 <a16:creationId xmlns:a16="http://schemas.microsoft.com/office/drawing/2014/main" id="{AF4FFC57-4A5F-4049-833E-147BCB7DCB3C}"/>
               </a:ext>
             </a:extLst>
           </p:cNvPr>
-          <p:cNvSpPr>
-            <a:spLocks noGrp="1"/>
+          <p:cNvSpPr txBox="1">
+            <a:spLocks/>
           </p:cNvSpPr>
-          <p:nvPr>
-            <p:ph type="title"/>
-          </p:nvPr>
+          <p:nvPr/>
         </p:nvSpPr>
-        <p:spPr/>
+        <p:spPr>
+          <a:xfrm>
+            <a:off x="3477164" y="1270899"/>
+            <a:ext cx="5237672" cy="635539"/>
+          </a:xfrm>
+          <a:prstGeom prst="rect">
+            <a:avLst/>
+          </a:prstGeom>
+        </p:spPr>
         <p:txBody>
           <a:bodyPr/>
-          <a:lstStyle/>
-          <a:p>
-            <a:pPr algn="ctr"/>
+          <a:lstStyle>
+            <a:lvl1pPr algn="ctr" defTabSz="914400" rtl="0" eaLnBrk="1" latinLnBrk="0" hangingPunct="1">
+              <a:lnSpc>
+                <a:spcPct val="90000"/>
+              </a:lnSpc>
+              <a:spcBef>
+                <a:spcPct val="0"/>
+              </a:spcBef>
+              <a:buNone/>
+              <a:defRPr sz="4400" kern="1200">
+                <a:solidFill>
+                  <a:schemeClr val="tx1"/>
+                </a:solidFill>
+                <a:latin typeface="+mj-lt"/>
+                <a:ea typeface="+mj-ea"/>
+                <a:cs typeface="+mj-cs"/>
+              </a:defRPr>
+            </a:lvl1pPr>
+          </a:lstStyle>
+          <a:p>
+            <a:pPr fontAlgn="auto">
+              <a:spcAft>
+                <a:spcPts val="0"/>
+              </a:spcAft>
+            </a:pPr>
             <a:r>
               <a:rPr lang="en-US" dirty="0"/>
               <a:t>More module cmdlets</a:t>
@@ -6927,114 +8691,319 @@
       </p:sp>
       <p:sp>
         <p:nvSpPr>
-          <p:cNvPr id="3" name="Content Placeholder 2">
+          <p:cNvPr id="5" name="Content Placeholder 2">
             <a:extLst>
               <a:ext uri="{FF2B5EF4-FFF2-40B4-BE49-F238E27FC236}">
                 <a16:creationId xmlns:a16="http://schemas.microsoft.com/office/drawing/2014/main" id="{67DC0261-9386-BB1C-2085-8653B2A19191}"/>
               </a:ext>
             </a:extLst>
           </p:cNvPr>
-          <p:cNvSpPr>
-            <a:spLocks noGrp="1"/>
+          <p:cNvSpPr txBox="1">
+            <a:spLocks/>
           </p:cNvSpPr>
-          <p:nvPr>
-            <p:ph idx="1"/>
-          </p:nvPr>
+          <p:nvPr/>
         </p:nvSpPr>
-        <p:spPr/>
+        <p:spPr>
+          <a:xfrm>
+            <a:off x="985568" y="2067166"/>
+            <a:ext cx="10220864" cy="3315718"/>
+          </a:xfrm>
+          <a:prstGeom prst="rect">
+            <a:avLst/>
+          </a:prstGeom>
+        </p:spPr>
         <p:txBody>
           <a:bodyPr>
             <a:normAutofit/>
           </a:bodyPr>
-          <a:lstStyle/>
-          <a:p>
-            <a:r>
-              <a:rPr lang="en-US" dirty="0"/>
+          <a:lstStyle>
+            <a:lvl1pPr marL="228600" indent="-228600" algn="l" defTabSz="914400" rtl="0" eaLnBrk="1" latinLnBrk="0" hangingPunct="1">
+              <a:lnSpc>
+                <a:spcPct val="90000"/>
+              </a:lnSpc>
+              <a:spcBef>
+                <a:spcPts val="1000"/>
+              </a:spcBef>
+              <a:buFont typeface="Arial" panose="020B0604020202020204" pitchFamily="34" charset="0"/>
+              <a:buChar char="•"/>
+              <a:defRPr sz="2800" kern="1200">
+                <a:solidFill>
+                  <a:schemeClr val="tx1"/>
+                </a:solidFill>
+                <a:latin typeface="+mn-lt"/>
+                <a:ea typeface="+mn-ea"/>
+                <a:cs typeface="+mn-cs"/>
+              </a:defRPr>
+            </a:lvl1pPr>
+            <a:lvl2pPr marL="685800" indent="-228600" algn="l" defTabSz="914400" rtl="0" eaLnBrk="1" latinLnBrk="0" hangingPunct="1">
+              <a:lnSpc>
+                <a:spcPct val="90000"/>
+              </a:lnSpc>
+              <a:spcBef>
+                <a:spcPts val="500"/>
+              </a:spcBef>
+              <a:buFont typeface="Arial" panose="020B0604020202020204" pitchFamily="34" charset="0"/>
+              <a:buChar char="•"/>
+              <a:defRPr sz="2400" kern="1200">
+                <a:solidFill>
+                  <a:schemeClr val="tx1"/>
+                </a:solidFill>
+                <a:latin typeface="+mn-lt"/>
+                <a:ea typeface="+mn-ea"/>
+                <a:cs typeface="+mn-cs"/>
+              </a:defRPr>
+            </a:lvl2pPr>
+            <a:lvl3pPr marL="1143000" indent="-228600" algn="l" defTabSz="914400" rtl="0" eaLnBrk="1" latinLnBrk="0" hangingPunct="1">
+              <a:lnSpc>
+                <a:spcPct val="90000"/>
+              </a:lnSpc>
+              <a:spcBef>
+                <a:spcPts val="500"/>
+              </a:spcBef>
+              <a:buFont typeface="Arial" panose="020B0604020202020204" pitchFamily="34" charset="0"/>
+              <a:buChar char="•"/>
+              <a:defRPr sz="2000" kern="1200">
+                <a:solidFill>
+                  <a:schemeClr val="tx1"/>
+                </a:solidFill>
+                <a:latin typeface="+mn-lt"/>
+                <a:ea typeface="+mn-ea"/>
+                <a:cs typeface="+mn-cs"/>
+              </a:defRPr>
+            </a:lvl3pPr>
+            <a:lvl4pPr marL="1600200" indent="-228600" algn="l" defTabSz="914400" rtl="0" eaLnBrk="1" latinLnBrk="0" hangingPunct="1">
+              <a:lnSpc>
+                <a:spcPct val="90000"/>
+              </a:lnSpc>
+              <a:spcBef>
+                <a:spcPts val="500"/>
+              </a:spcBef>
+              <a:buFont typeface="Arial" panose="020B0604020202020204" pitchFamily="34" charset="0"/>
+              <a:buChar char="•"/>
+              <a:defRPr sz="1800" kern="1200">
+                <a:solidFill>
+                  <a:schemeClr val="tx1"/>
+                </a:solidFill>
+                <a:latin typeface="+mn-lt"/>
+                <a:ea typeface="+mn-ea"/>
+                <a:cs typeface="+mn-cs"/>
+              </a:defRPr>
+            </a:lvl4pPr>
+            <a:lvl5pPr marL="2057400" indent="-228600" algn="l" defTabSz="914400" rtl="0" eaLnBrk="1" latinLnBrk="0" hangingPunct="1">
+              <a:lnSpc>
+                <a:spcPct val="90000"/>
+              </a:lnSpc>
+              <a:spcBef>
+                <a:spcPts val="500"/>
+              </a:spcBef>
+              <a:buFont typeface="Arial" panose="020B0604020202020204" pitchFamily="34" charset="0"/>
+              <a:buChar char="•"/>
+              <a:defRPr sz="1800" kern="1200">
+                <a:solidFill>
+                  <a:schemeClr val="tx1"/>
+                </a:solidFill>
+                <a:latin typeface="+mn-lt"/>
+                <a:ea typeface="+mn-ea"/>
+                <a:cs typeface="+mn-cs"/>
+              </a:defRPr>
+            </a:lvl5pPr>
+            <a:lvl6pPr marL="2514600" indent="-228600" algn="l" defTabSz="914400" rtl="0" eaLnBrk="1" latinLnBrk="0" hangingPunct="1">
+              <a:lnSpc>
+                <a:spcPct val="90000"/>
+              </a:lnSpc>
+              <a:spcBef>
+                <a:spcPts val="500"/>
+              </a:spcBef>
+              <a:buFont typeface="Arial" panose="020B0604020202020204" pitchFamily="34" charset="0"/>
+              <a:buChar char="•"/>
+              <a:defRPr sz="1800" kern="1200">
+                <a:solidFill>
+                  <a:schemeClr val="tx1"/>
+                </a:solidFill>
+                <a:latin typeface="+mn-lt"/>
+                <a:ea typeface="+mn-ea"/>
+                <a:cs typeface="+mn-cs"/>
+              </a:defRPr>
+            </a:lvl6pPr>
+            <a:lvl7pPr marL="2971800" indent="-228600" algn="l" defTabSz="914400" rtl="0" eaLnBrk="1" latinLnBrk="0" hangingPunct="1">
+              <a:lnSpc>
+                <a:spcPct val="90000"/>
+              </a:lnSpc>
+              <a:spcBef>
+                <a:spcPts val="500"/>
+              </a:spcBef>
+              <a:buFont typeface="Arial" panose="020B0604020202020204" pitchFamily="34" charset="0"/>
+              <a:buChar char="•"/>
+              <a:defRPr sz="1800" kern="1200">
+                <a:solidFill>
+                  <a:schemeClr val="tx1"/>
+                </a:solidFill>
+                <a:latin typeface="+mn-lt"/>
+                <a:ea typeface="+mn-ea"/>
+                <a:cs typeface="+mn-cs"/>
+              </a:defRPr>
+            </a:lvl7pPr>
+            <a:lvl8pPr marL="3429000" indent="-228600" algn="l" defTabSz="914400" rtl="0" eaLnBrk="1" latinLnBrk="0" hangingPunct="1">
+              <a:lnSpc>
+                <a:spcPct val="90000"/>
+              </a:lnSpc>
+              <a:spcBef>
+                <a:spcPts val="500"/>
+              </a:spcBef>
+              <a:buFont typeface="Arial" panose="020B0604020202020204" pitchFamily="34" charset="0"/>
+              <a:buChar char="•"/>
+              <a:defRPr sz="1800" kern="1200">
+                <a:solidFill>
+                  <a:schemeClr val="tx1"/>
+                </a:solidFill>
+                <a:latin typeface="+mn-lt"/>
+                <a:ea typeface="+mn-ea"/>
+                <a:cs typeface="+mn-cs"/>
+              </a:defRPr>
+            </a:lvl8pPr>
+            <a:lvl9pPr marL="3886200" indent="-228600" algn="l" defTabSz="914400" rtl="0" eaLnBrk="1" latinLnBrk="0" hangingPunct="1">
+              <a:lnSpc>
+                <a:spcPct val="90000"/>
+              </a:lnSpc>
+              <a:spcBef>
+                <a:spcPts val="500"/>
+              </a:spcBef>
+              <a:buFont typeface="Arial" panose="020B0604020202020204" pitchFamily="34" charset="0"/>
+              <a:buChar char="•"/>
+              <a:defRPr sz="1800" kern="1200">
+                <a:solidFill>
+                  <a:schemeClr val="tx1"/>
+                </a:solidFill>
+                <a:latin typeface="+mn-lt"/>
+                <a:ea typeface="+mn-ea"/>
+                <a:cs typeface="+mn-cs"/>
+              </a:defRPr>
+            </a:lvl9pPr>
+          </a:lstStyle>
+          <a:p>
+            <a:pPr fontAlgn="auto">
+              <a:spcAft>
+                <a:spcPts val="0"/>
+              </a:spcAft>
+            </a:pPr>
+            <a:r>
+              <a:rPr lang="en-US" sz="2000" dirty="0"/>
               <a:t>Instead of downloading and installing a module, you can download only (don’t install) with the </a:t>
             </a:r>
             <a:r>
-              <a:rPr lang="en-US" b="1" dirty="0">
+              <a:rPr lang="en-US" sz="2000" b="1" dirty="0">
                 <a:latin typeface="Consolas" panose="020B0609020204030204" pitchFamily="49" charset="0"/>
               </a:rPr>
               <a:t>Save-Module</a:t>
             </a:r>
             <a:r>
-              <a:rPr lang="en-US" dirty="0"/>
+              <a:rPr lang="en-US" sz="2000" dirty="0"/>
               <a:t> cmdlet.</a:t>
             </a:r>
           </a:p>
           <a:p>
-            <a:endParaRPr lang="en-US" dirty="0"/>
-          </a:p>
-          <a:p>
-            <a:r>
-              <a:rPr lang="en-US" dirty="0"/>
+            <a:pPr fontAlgn="auto">
+              <a:spcAft>
+                <a:spcPts val="0"/>
+              </a:spcAft>
+            </a:pPr>
+            <a:endParaRPr lang="en-US" sz="2000" dirty="0"/>
+          </a:p>
+          <a:p>
+            <a:pPr fontAlgn="auto">
+              <a:spcAft>
+                <a:spcPts val="0"/>
+              </a:spcAft>
+            </a:pPr>
+            <a:r>
+              <a:rPr lang="en-US" sz="2000" dirty="0"/>
               <a:t>You can register and use additional module repositories.</a:t>
             </a:r>
           </a:p>
           <a:p>
-            <a:pPr lvl="1"/>
-            <a:r>
-              <a:rPr lang="en-US" b="1" dirty="0">
+            <a:pPr lvl="1" fontAlgn="auto">
+              <a:spcAft>
+                <a:spcPts val="0"/>
+              </a:spcAft>
+            </a:pPr>
+            <a:r>
+              <a:rPr lang="en-US" sz="2000" b="1" dirty="0">
                 <a:latin typeface="Consolas" panose="020B0609020204030204" pitchFamily="49" charset="0"/>
               </a:rPr>
               <a:t>Get-</a:t>
             </a:r>
             <a:r>
-              <a:rPr lang="en-US" b="1" dirty="0" err="1">
+              <a:rPr lang="en-US" sz="2000" b="1" dirty="0" err="1">
                 <a:latin typeface="Consolas" panose="020B0609020204030204" pitchFamily="49" charset="0"/>
               </a:rPr>
               <a:t>PSRepository</a:t>
             </a:r>
             <a:r>
-              <a:rPr lang="en-US" dirty="0"/>
+              <a:rPr lang="en-US" sz="2000" dirty="0"/>
               <a:t> </a:t>
             </a:r>
           </a:p>
           <a:p>
-            <a:pPr lvl="1"/>
-            <a:r>
-              <a:rPr lang="en-US" b="1" dirty="0">
+            <a:pPr lvl="1" fontAlgn="auto">
+              <a:spcAft>
+                <a:spcPts val="0"/>
+              </a:spcAft>
+            </a:pPr>
+            <a:r>
+              <a:rPr lang="en-US" sz="2000" b="1" dirty="0">
                 <a:latin typeface="Consolas" panose="020B0609020204030204" pitchFamily="49" charset="0"/>
               </a:rPr>
               <a:t>Register-</a:t>
             </a:r>
             <a:r>
-              <a:rPr lang="en-US" b="1" dirty="0" err="1">
+              <a:rPr lang="en-US" sz="2000" b="1" dirty="0" err="1">
                 <a:latin typeface="Consolas" panose="020B0609020204030204" pitchFamily="49" charset="0"/>
               </a:rPr>
               <a:t>PSRepository</a:t>
             </a:r>
             <a:r>
-              <a:rPr lang="en-US" dirty="0"/>
+              <a:rPr lang="en-US" sz="2000" dirty="0"/>
               <a:t> </a:t>
             </a:r>
           </a:p>
           <a:p>
-            <a:pPr lvl="1"/>
-            <a:endParaRPr lang="en-US" b="1" dirty="0">
+            <a:pPr lvl="1" fontAlgn="auto">
+              <a:spcAft>
+                <a:spcPts val="0"/>
+              </a:spcAft>
+            </a:pPr>
+            <a:endParaRPr lang="en-US" sz="2000" b="1" dirty="0">
               <a:latin typeface="Consolas" panose="020B0609020204030204" pitchFamily="49" charset="0"/>
             </a:endParaRPr>
           </a:p>
           <a:p>
-            <a:r>
-              <a:rPr lang="en-US" dirty="0"/>
+            <a:pPr fontAlgn="auto">
+              <a:spcAft>
+                <a:spcPts val="0"/>
+              </a:spcAft>
+            </a:pPr>
+            <a:r>
+              <a:rPr lang="en-US" sz="2000" dirty="0"/>
               <a:t>You can publish your own modules in your own repositories:</a:t>
             </a:r>
           </a:p>
           <a:p>
-            <a:pPr lvl="1"/>
-            <a:r>
-              <a:rPr lang="en-US" b="1" dirty="0">
+            <a:pPr lvl="1" fontAlgn="auto">
+              <a:spcAft>
+                <a:spcPts val="0"/>
+              </a:spcAft>
+            </a:pPr>
+            <a:r>
+              <a:rPr lang="en-US" sz="2000" b="1" dirty="0">
                 <a:latin typeface="Consolas" panose="020B0609020204030204" pitchFamily="49" charset="0"/>
               </a:rPr>
               <a:t>Publish-Module</a:t>
             </a:r>
             <a:r>
-              <a:rPr lang="en-US" dirty="0"/>
+              <a:rPr lang="en-US" sz="2000" dirty="0"/>
               <a:t> </a:t>
             </a:r>
-            <a:endParaRPr lang="en-US" b="1" dirty="0">
+            <a:endParaRPr lang="en-US" sz="2000" b="1" dirty="0">
               <a:latin typeface="Consolas" panose="020B0609020204030204" pitchFamily="49" charset="0"/>
             </a:endParaRPr>
           </a:p>
@@ -7043,7 +9012,7 @@
     </p:spTree>
     <p:extLst>
       <p:ext uri="{BB962C8B-B14F-4D97-AF65-F5344CB8AC3E}">
-        <p14:creationId xmlns:p14="http://schemas.microsoft.com/office/powerpoint/2010/main" val="639389324"/>
+        <p14:creationId xmlns:p14="http://schemas.microsoft.com/office/powerpoint/2010/main" val="3439911801"/>
       </p:ext>
     </p:extLst>
   </p:cSld>
@@ -7072,43 +9041,212 @@
       </p:grpSpPr>
       <p:sp>
         <p:nvSpPr>
-          <p:cNvPr id="2" name="Text Placeholder 1">
+          <p:cNvPr id="4" name="Text Placeholder 1">
             <a:extLst>
               <a:ext uri="{FF2B5EF4-FFF2-40B4-BE49-F238E27FC236}">
                 <a16:creationId xmlns:a16="http://schemas.microsoft.com/office/drawing/2014/main" id="{64492E64-A68B-8CA7-B3C6-044F7C8E76AB}"/>
               </a:ext>
             </a:extLst>
           </p:cNvPr>
-          <p:cNvSpPr>
-            <a:spLocks noGrp="1"/>
+          <p:cNvSpPr txBox="1">
+            <a:spLocks/>
           </p:cNvSpPr>
-          <p:nvPr>
-            <p:ph type="body" sz="quarter" idx="10"/>
-          </p:nvPr>
+          <p:nvPr/>
         </p:nvSpPr>
         <p:spPr>
           <a:xfrm>
-            <a:off x="323529" y="339510"/>
-            <a:ext cx="11573197" cy="774916"/>
+            <a:off x="4972425" y="1347506"/>
+            <a:ext cx="2247143" cy="774916"/>
           </a:xfrm>
+          <a:prstGeom prst="rect">
+            <a:avLst/>
+          </a:prstGeom>
         </p:spPr>
         <p:txBody>
           <a:bodyPr>
             <a:noAutofit/>
           </a:bodyPr>
-          <a:lstStyle/>
-          <a:p>
-            <a:r>
-              <a:rPr lang="en-US" sz="5000"/>
+          <a:lstStyle>
+            <a:lvl1pPr marL="228600" indent="-228600" algn="l" defTabSz="914400" rtl="0" eaLnBrk="1" latinLnBrk="0" hangingPunct="1">
+              <a:lnSpc>
+                <a:spcPct val="90000"/>
+              </a:lnSpc>
+              <a:spcBef>
+                <a:spcPts val="1000"/>
+              </a:spcBef>
+              <a:buFont typeface="Arial" panose="020B0604020202020204" pitchFamily="34" charset="0"/>
+              <a:buChar char="•"/>
+              <a:defRPr sz="2800" kern="1200">
+                <a:solidFill>
+                  <a:schemeClr val="tx1"/>
+                </a:solidFill>
+                <a:latin typeface="+mn-lt"/>
+                <a:ea typeface="+mn-ea"/>
+                <a:cs typeface="+mn-cs"/>
+              </a:defRPr>
+            </a:lvl1pPr>
+            <a:lvl2pPr marL="685800" indent="-228600" algn="l" defTabSz="914400" rtl="0" eaLnBrk="1" latinLnBrk="0" hangingPunct="1">
+              <a:lnSpc>
+                <a:spcPct val="90000"/>
+              </a:lnSpc>
+              <a:spcBef>
+                <a:spcPts val="500"/>
+              </a:spcBef>
+              <a:buFont typeface="Arial" panose="020B0604020202020204" pitchFamily="34" charset="0"/>
+              <a:buChar char="•"/>
+              <a:defRPr sz="2400" kern="1200">
+                <a:solidFill>
+                  <a:schemeClr val="tx1"/>
+                </a:solidFill>
+                <a:latin typeface="+mn-lt"/>
+                <a:ea typeface="+mn-ea"/>
+                <a:cs typeface="+mn-cs"/>
+              </a:defRPr>
+            </a:lvl2pPr>
+            <a:lvl3pPr marL="1143000" indent="-228600" algn="l" defTabSz="914400" rtl="0" eaLnBrk="1" latinLnBrk="0" hangingPunct="1">
+              <a:lnSpc>
+                <a:spcPct val="90000"/>
+              </a:lnSpc>
+              <a:spcBef>
+                <a:spcPts val="500"/>
+              </a:spcBef>
+              <a:buFont typeface="Arial" panose="020B0604020202020204" pitchFamily="34" charset="0"/>
+              <a:buChar char="•"/>
+              <a:defRPr sz="2000" kern="1200">
+                <a:solidFill>
+                  <a:schemeClr val="tx1"/>
+                </a:solidFill>
+                <a:latin typeface="+mn-lt"/>
+                <a:ea typeface="+mn-ea"/>
+                <a:cs typeface="+mn-cs"/>
+              </a:defRPr>
+            </a:lvl3pPr>
+            <a:lvl4pPr marL="1600200" indent="-228600" algn="l" defTabSz="914400" rtl="0" eaLnBrk="1" latinLnBrk="0" hangingPunct="1">
+              <a:lnSpc>
+                <a:spcPct val="90000"/>
+              </a:lnSpc>
+              <a:spcBef>
+                <a:spcPts val="500"/>
+              </a:spcBef>
+              <a:buFont typeface="Arial" panose="020B0604020202020204" pitchFamily="34" charset="0"/>
+              <a:buChar char="•"/>
+              <a:defRPr sz="1800" kern="1200">
+                <a:solidFill>
+                  <a:schemeClr val="tx1"/>
+                </a:solidFill>
+                <a:latin typeface="+mn-lt"/>
+                <a:ea typeface="+mn-ea"/>
+                <a:cs typeface="+mn-cs"/>
+              </a:defRPr>
+            </a:lvl4pPr>
+            <a:lvl5pPr marL="2057400" indent="-228600" algn="l" defTabSz="914400" rtl="0" eaLnBrk="1" latinLnBrk="0" hangingPunct="1">
+              <a:lnSpc>
+                <a:spcPct val="90000"/>
+              </a:lnSpc>
+              <a:spcBef>
+                <a:spcPts val="500"/>
+              </a:spcBef>
+              <a:buFont typeface="Arial" panose="020B0604020202020204" pitchFamily="34" charset="0"/>
+              <a:buChar char="•"/>
+              <a:defRPr sz="1800" kern="1200">
+                <a:solidFill>
+                  <a:schemeClr val="tx1"/>
+                </a:solidFill>
+                <a:latin typeface="+mn-lt"/>
+                <a:ea typeface="+mn-ea"/>
+                <a:cs typeface="+mn-cs"/>
+              </a:defRPr>
+            </a:lvl5pPr>
+            <a:lvl6pPr marL="2514600" indent="-228600" algn="l" defTabSz="914400" rtl="0" eaLnBrk="1" latinLnBrk="0" hangingPunct="1">
+              <a:lnSpc>
+                <a:spcPct val="90000"/>
+              </a:lnSpc>
+              <a:spcBef>
+                <a:spcPts val="500"/>
+              </a:spcBef>
+              <a:buFont typeface="Arial" panose="020B0604020202020204" pitchFamily="34" charset="0"/>
+              <a:buChar char="•"/>
+              <a:defRPr sz="1800" kern="1200">
+                <a:solidFill>
+                  <a:schemeClr val="tx1"/>
+                </a:solidFill>
+                <a:latin typeface="+mn-lt"/>
+                <a:ea typeface="+mn-ea"/>
+                <a:cs typeface="+mn-cs"/>
+              </a:defRPr>
+            </a:lvl6pPr>
+            <a:lvl7pPr marL="2971800" indent="-228600" algn="l" defTabSz="914400" rtl="0" eaLnBrk="1" latinLnBrk="0" hangingPunct="1">
+              <a:lnSpc>
+                <a:spcPct val="90000"/>
+              </a:lnSpc>
+              <a:spcBef>
+                <a:spcPts val="500"/>
+              </a:spcBef>
+              <a:buFont typeface="Arial" panose="020B0604020202020204" pitchFamily="34" charset="0"/>
+              <a:buChar char="•"/>
+              <a:defRPr sz="1800" kern="1200">
+                <a:solidFill>
+                  <a:schemeClr val="tx1"/>
+                </a:solidFill>
+                <a:latin typeface="+mn-lt"/>
+                <a:ea typeface="+mn-ea"/>
+                <a:cs typeface="+mn-cs"/>
+              </a:defRPr>
+            </a:lvl7pPr>
+            <a:lvl8pPr marL="3429000" indent="-228600" algn="l" defTabSz="914400" rtl="0" eaLnBrk="1" latinLnBrk="0" hangingPunct="1">
+              <a:lnSpc>
+                <a:spcPct val="90000"/>
+              </a:lnSpc>
+              <a:spcBef>
+                <a:spcPts val="500"/>
+              </a:spcBef>
+              <a:buFont typeface="Arial" panose="020B0604020202020204" pitchFamily="34" charset="0"/>
+              <a:buChar char="•"/>
+              <a:defRPr sz="1800" kern="1200">
+                <a:solidFill>
+                  <a:schemeClr val="tx1"/>
+                </a:solidFill>
+                <a:latin typeface="+mn-lt"/>
+                <a:ea typeface="+mn-ea"/>
+                <a:cs typeface="+mn-cs"/>
+              </a:defRPr>
+            </a:lvl8pPr>
+            <a:lvl9pPr marL="3886200" indent="-228600" algn="l" defTabSz="914400" rtl="0" eaLnBrk="1" latinLnBrk="0" hangingPunct="1">
+              <a:lnSpc>
+                <a:spcPct val="90000"/>
+              </a:lnSpc>
+              <a:spcBef>
+                <a:spcPts val="500"/>
+              </a:spcBef>
+              <a:buFont typeface="Arial" panose="020B0604020202020204" pitchFamily="34" charset="0"/>
+              <a:buChar char="•"/>
+              <a:defRPr sz="1800" kern="1200">
+                <a:solidFill>
+                  <a:schemeClr val="tx1"/>
+                </a:solidFill>
+                <a:latin typeface="+mn-lt"/>
+                <a:ea typeface="+mn-ea"/>
+                <a:cs typeface="+mn-cs"/>
+              </a:defRPr>
+            </a:lvl9pPr>
+          </a:lstStyle>
+          <a:p>
+            <a:pPr marL="0" indent="0" fontAlgn="auto">
+              <a:spcAft>
+                <a:spcPts val="0"/>
+              </a:spcAft>
+              <a:buNone/>
+            </a:pPr>
+            <a:r>
+              <a:rPr lang="en-US" sz="4400" dirty="0"/>
               <a:t>Exercise</a:t>
             </a:r>
-            <a:endParaRPr lang="en-US" sz="5000" dirty="0"/>
           </a:p>
         </p:txBody>
       </p:sp>
       <p:sp>
         <p:nvSpPr>
-          <p:cNvPr id="4" name="TextBox 3">
+          <p:cNvPr id="5" name="TextBox 4">
             <a:extLst>
               <a:ext uri="{FF2B5EF4-FFF2-40B4-BE49-F238E27FC236}">
                 <a16:creationId xmlns:a16="http://schemas.microsoft.com/office/drawing/2014/main" id="{B64A8207-997F-319E-7F6D-676D3ECA779B}"/>
@@ -7120,7 +9258,7 @@
         </p:nvSpPr>
         <p:spPr>
           <a:xfrm>
-            <a:off x="1268396" y="1114426"/>
+            <a:off x="1268394" y="2122422"/>
             <a:ext cx="9655207" cy="646331"/>
           </a:xfrm>
           <a:prstGeom prst="rect">
@@ -7142,24 +9280,15 @@
               <a:rPr lang="en-US" sz="1800" dirty="0">
                 <a:latin typeface="+mn-lt"/>
               </a:rPr>
-              <a:t>For your first exercise this week, you will explore module cmdlets in depth, install and use modules from the PowerShell gallery, import a custom module, and register a </a:t>
-            </a:r>
-            <a:r>
-              <a:rPr lang="en-US" sz="1800">
-                <a:latin typeface="+mn-lt"/>
-              </a:rPr>
-              <a:t>new repository.</a:t>
-            </a:r>
-            <a:endParaRPr lang="en-US" sz="1800" dirty="0">
-              <a:latin typeface="+mn-lt"/>
-            </a:endParaRPr>
+              <a:t>For your first exercise this week, you will explore module cmdlets in depth, install and use modules from the PowerShell gallery, import a custom module, and register a new repository.</a:t>
+            </a:r>
           </a:p>
         </p:txBody>
       </p:sp>
     </p:spTree>
     <p:extLst>
       <p:ext uri="{BB962C8B-B14F-4D97-AF65-F5344CB8AC3E}">
-        <p14:creationId xmlns:p14="http://schemas.microsoft.com/office/powerpoint/2010/main" val="322366662"/>
+        <p14:creationId xmlns:p14="http://schemas.microsoft.com/office/powerpoint/2010/main" val="1622497678"/>
       </p:ext>
     </p:extLst>
   </p:cSld>
@@ -8018,7 +10147,7 @@
 </file>
 
 <file path=ppt/theme/theme2.xml><?xml version="1.0" encoding="utf-8"?>
-<a:theme xmlns:a="http://schemas.openxmlformats.org/drawingml/2006/main" name="Office Theme">
+<a:theme xmlns:a="http://schemas.openxmlformats.org/drawingml/2006/main" name="1_Office Theme">
   <a:themeElements>
     <a:clrScheme name="Office">
       <a:dk1>
@@ -8028,39 +10157,39 @@
         <a:sysClr val="window" lastClr="FFFFFF"/>
       </a:lt1>
       <a:dk2>
-        <a:srgbClr val="44546A"/>
+        <a:srgbClr val="0E2841"/>
       </a:dk2>
       <a:lt2>
-        <a:srgbClr val="E7E6E6"/>
+        <a:srgbClr val="E8E8E8"/>
       </a:lt2>
       <a:accent1>
-        <a:srgbClr val="4472C4"/>
+        <a:srgbClr val="156082"/>
       </a:accent1>
       <a:accent2>
-        <a:srgbClr val="ED7D31"/>
+        <a:srgbClr val="E97132"/>
       </a:accent2>
       <a:accent3>
-        <a:srgbClr val="A5A5A5"/>
+        <a:srgbClr val="196B24"/>
       </a:accent3>
       <a:accent4>
-        <a:srgbClr val="FFC000"/>
+        <a:srgbClr val="0F9ED5"/>
       </a:accent4>
       <a:accent5>
-        <a:srgbClr val="5B9BD5"/>
+        <a:srgbClr val="A02B93"/>
       </a:accent5>
       <a:accent6>
-        <a:srgbClr val="70AD47"/>
+        <a:srgbClr val="4EA72E"/>
       </a:accent6>
       <a:hlink>
-        <a:srgbClr val="0563C1"/>
+        <a:srgbClr val="467886"/>
       </a:hlink>
       <a:folHlink>
-        <a:srgbClr val="954F72"/>
+        <a:srgbClr val="96607D"/>
       </a:folHlink>
     </a:clrScheme>
     <a:fontScheme name="Office">
       <a:majorFont>
-        <a:latin typeface="Calibri Light" panose="020F0302020204030204"/>
+        <a:latin typeface="Aptos Display" panose="02110004020202020204"/>
         <a:ea typeface=""/>
         <a:cs typeface=""/>
         <a:font script="Jpan" typeface="游ゴシック Light"/>
@@ -8112,7 +10241,7 @@
         <a:font script="Tfng" typeface="Ebrima"/>
       </a:majorFont>
       <a:minorFont>
-        <a:latin typeface="Calibri" panose="020F0502020204030204"/>
+        <a:latin typeface="Aptos" panose="02110004020202020204"/>
         <a:ea typeface=""/>
         <a:cs typeface=""/>
         <a:font script="Jpan" typeface="游ゴシック"/>
@@ -8223,13 +10352,6 @@
         </a:gradFill>
       </a:fillStyleLst>
       <a:lnStyleLst>
-        <a:ln w="6350" cap="flat" cmpd="sng" algn="ctr">
-          <a:solidFill>
-            <a:schemeClr val="phClr"/>
-          </a:solidFill>
-          <a:prstDash val="solid"/>
-          <a:miter lim="800000"/>
-        </a:ln>
         <a:ln w="12700" cap="flat" cmpd="sng" algn="ctr">
           <a:solidFill>
             <a:schemeClr val="phClr"/>
@@ -8238,6 +10360,13 @@
           <a:miter lim="800000"/>
         </a:ln>
         <a:ln w="19050" cap="flat" cmpd="sng" algn="ctr">
+          <a:solidFill>
+            <a:schemeClr val="phClr"/>
+          </a:solidFill>
+          <a:prstDash val="solid"/>
+          <a:miter lim="800000"/>
+        </a:ln>
+        <a:ln w="25400" cap="flat" cmpd="sng" algn="ctr">
           <a:solidFill>
             <a:schemeClr val="phClr"/>
           </a:solidFill>
@@ -8302,11 +10431,31 @@
       </a:bgFillStyleLst>
     </a:fmtScheme>
   </a:themeElements>
-  <a:objectDefaults/>
+  <a:objectDefaults>
+    <a:lnDef>
+      <a:spPr/>
+      <a:bodyPr/>
+      <a:lstStyle/>
+      <a:style>
+        <a:lnRef idx="2">
+          <a:schemeClr val="accent1"/>
+        </a:lnRef>
+        <a:fillRef idx="0">
+          <a:schemeClr val="accent1"/>
+        </a:fillRef>
+        <a:effectRef idx="1">
+          <a:schemeClr val="accent1"/>
+        </a:effectRef>
+        <a:fontRef idx="minor">
+          <a:schemeClr val="tx1"/>
+        </a:fontRef>
+      </a:style>
+    </a:lnDef>
+  </a:objectDefaults>
   <a:extraClrSchemeLst/>
   <a:extLst>
     <a:ext uri="{05A4C25C-085E-4340-85A3-A5531E510DB2}">
-      <thm15:themeFamily xmlns:thm15="http://schemas.microsoft.com/office/thememl/2012/main" name="Office Theme" id="{62F939B6-93AF-4DB8-9C6B-D6C7DFDC589F}" vid="{4A3C46E8-61CC-4603-A589-7422A47A8E4A}"/>
+      <thm15:themeFamily xmlns:thm15="http://schemas.microsoft.com/office/thememl/2012/main" name="Presentation1" id="{DAD0D162-FE0C-45E1-B287-70A400F0FB2D}" vid="{0F85589E-3A92-4CE5-8C4F-6CD4A008415E}"/>
     </a:ext>
   </a:extLst>
 </a:theme>
